--- a/lectures/02 - What is architecture.pptx
+++ b/lectures/02 - What is architecture.pptx
@@ -5,7 +5,7 @@
     <p:sldMasterId id="2147483660" r:id="rId1"/>
   </p:sldMasterIdLst>
   <p:notesMasterIdLst>
-    <p:notesMasterId r:id="rId40"/>
+    <p:notesMasterId r:id="rId26"/>
   </p:notesMasterIdLst>
   <p:sldIdLst>
     <p:sldId id="313" r:id="rId2"/>
@@ -31,21 +31,7 @@
     <p:sldId id="282" r:id="rId22"/>
     <p:sldId id="283" r:id="rId23"/>
     <p:sldId id="284" r:id="rId24"/>
-    <p:sldId id="314" r:id="rId25"/>
-    <p:sldId id="315" r:id="rId26"/>
-    <p:sldId id="317" r:id="rId27"/>
-    <p:sldId id="318" r:id="rId28"/>
-    <p:sldId id="319" r:id="rId29"/>
-    <p:sldId id="320" r:id="rId30"/>
-    <p:sldId id="321" r:id="rId31"/>
-    <p:sldId id="322" r:id="rId32"/>
-    <p:sldId id="323" r:id="rId33"/>
-    <p:sldId id="324" r:id="rId34"/>
-    <p:sldId id="325" r:id="rId35"/>
-    <p:sldId id="326" r:id="rId36"/>
-    <p:sldId id="327" r:id="rId37"/>
-    <p:sldId id="329" r:id="rId38"/>
-    <p:sldId id="285" r:id="rId39"/>
+    <p:sldId id="285" r:id="rId25"/>
   </p:sldIdLst>
   <p:sldSz cx="12192000" cy="6858000"/>
   <p:notesSz cx="6858000" cy="9144000"/>
@@ -166,7 +152,7 @@
 <file path=ppt/revisionInfo.xml><?xml version="1.0" encoding="utf-8"?>
 <p1510:revInfo xmlns:a="http://schemas.openxmlformats.org/drawingml/2006/main" xmlns:r="http://schemas.openxmlformats.org/officeDocument/2006/relationships" xmlns:p1510="http://schemas.microsoft.com/office/powerpoint/2015/10/main">
   <p1510:revLst>
-    <p1510:client id="{A6DEC416-B2A7-2747-9233-74F6426DB474}" v="34" dt="2019-01-15T21:39:14.175"/>
+    <p1510:client id="{5EB19741-BC6B-064F-9B39-426689B2DC48}" v="1" dt="2019-01-09T05:52:49.682"/>
   </p1510:revLst>
 </p1510:revInfo>
 </file>
@@ -3607,7 +3593,7 @@
           <a:p>
             <a:fld id="{4735D8F5-352F-403D-80D0-F7F4EBDEAF57}" type="datetimeFigureOut">
               <a:rPr lang="en-US" smtClean="0"/>
-              <a:t>1/15/19</a:t>
+              <a:t>1/8/19</a:t>
             </a:fld>
             <a:endParaRPr lang="en-US"/>
           </a:p>
@@ -3975,90 +3961,6 @@
 </p:notes>
 </file>
 
-<file path=ppt/notesSlides/notesSlide2.xml><?xml version="1.0" encoding="utf-8"?>
-<p:notes xmlns:a="http://schemas.openxmlformats.org/drawingml/2006/main" xmlns:r="http://schemas.openxmlformats.org/officeDocument/2006/relationships" xmlns:p="http://schemas.openxmlformats.org/presentationml/2006/main">
-  <p:cSld>
-    <p:spTree>
-      <p:nvGrpSpPr>
-        <p:cNvPr id="1" name=""/>
-        <p:cNvGrpSpPr/>
-        <p:nvPr/>
-      </p:nvGrpSpPr>
-      <p:grpSpPr>
-        <a:xfrm>
-          <a:off x="0" y="0"/>
-          <a:ext cx="0" cy="0"/>
-          <a:chOff x="0" y="0"/>
-          <a:chExt cx="0" cy="0"/>
-        </a:xfrm>
-      </p:grpSpPr>
-      <p:sp>
-        <p:nvSpPr>
-          <p:cNvPr id="2" name="Slide Image Placeholder 1"/>
-          <p:cNvSpPr>
-            <a:spLocks noGrp="1" noRot="1" noChangeAspect="1"/>
-          </p:cNvSpPr>
-          <p:nvPr>
-            <p:ph type="sldImg"/>
-          </p:nvPr>
-        </p:nvSpPr>
-        <p:spPr/>
-      </p:sp>
-      <p:sp>
-        <p:nvSpPr>
-          <p:cNvPr id="3" name="Notes Placeholder 2"/>
-          <p:cNvSpPr>
-            <a:spLocks noGrp="1"/>
-          </p:cNvSpPr>
-          <p:nvPr>
-            <p:ph type="body" idx="1"/>
-          </p:nvPr>
-        </p:nvSpPr>
-        <p:spPr/>
-        <p:txBody>
-          <a:bodyPr/>
-          <a:lstStyle/>
-          <a:p>
-            <a:endParaRPr lang="en-US" dirty="0"/>
-          </a:p>
-        </p:txBody>
-      </p:sp>
-      <p:sp>
-        <p:nvSpPr>
-          <p:cNvPr id="4" name="Slide Number Placeholder 3"/>
-          <p:cNvSpPr>
-            <a:spLocks noGrp="1"/>
-          </p:cNvSpPr>
-          <p:nvPr>
-            <p:ph type="sldNum" sz="quarter" idx="5"/>
-          </p:nvPr>
-        </p:nvSpPr>
-        <p:spPr/>
-        <p:txBody>
-          <a:bodyPr/>
-          <a:lstStyle/>
-          <a:p>
-            <a:fld id="{7C517B92-7FAB-460A-9508-81997DBE4F74}" type="slidenum">
-              <a:rPr lang="en-US" smtClean="0"/>
-              <a:t>36</a:t>
-            </a:fld>
-            <a:endParaRPr lang="en-US"/>
-          </a:p>
-        </p:txBody>
-      </p:sp>
-    </p:spTree>
-    <p:extLst>
-      <p:ext uri="{BB962C8B-B14F-4D97-AF65-F5344CB8AC3E}">
-        <p14:creationId xmlns:p14="http://schemas.microsoft.com/office/powerpoint/2010/main" val="3923235663"/>
-      </p:ext>
-    </p:extLst>
-  </p:cSld>
-  <p:clrMapOvr>
-    <a:masterClrMapping/>
-  </p:clrMapOvr>
-</p:notes>
-</file>
-
 <file path=ppt/slideLayouts/slideLayout1.xml><?xml version="1.0" encoding="utf-8"?>
 <p:sldLayout xmlns:a="http://schemas.openxmlformats.org/drawingml/2006/main" xmlns:r="http://schemas.openxmlformats.org/officeDocument/2006/relationships" xmlns:p="http://schemas.openxmlformats.org/presentationml/2006/main" type="title" preserve="1">
   <p:cSld name="Title Slide">
@@ -4206,7 +4108,7 @@
           <a:p>
             <a:fld id="{8700D84D-E6CA-412F-8495-61D0DB04649F}" type="datetimeFigureOut">
               <a:rPr lang="en-US" smtClean="0"/>
-              <a:t>1/15/19</a:t>
+              <a:t>1/8/19</a:t>
             </a:fld>
             <a:endParaRPr lang="en-US"/>
           </a:p>
@@ -4404,7 +4306,7 @@
           <a:p>
             <a:fld id="{8700D84D-E6CA-412F-8495-61D0DB04649F}" type="datetimeFigureOut">
               <a:rPr lang="en-US" smtClean="0"/>
-              <a:t>1/15/19</a:t>
+              <a:t>1/8/19</a:t>
             </a:fld>
             <a:endParaRPr lang="en-US"/>
           </a:p>
@@ -4612,7 +4514,7 @@
           <a:p>
             <a:fld id="{8700D84D-E6CA-412F-8495-61D0DB04649F}" type="datetimeFigureOut">
               <a:rPr lang="en-US" smtClean="0"/>
-              <a:t>1/15/19</a:t>
+              <a:t>1/8/19</a:t>
             </a:fld>
             <a:endParaRPr lang="en-US"/>
           </a:p>
@@ -4810,7 +4712,7 @@
           <a:p>
             <a:fld id="{8700D84D-E6CA-412F-8495-61D0DB04649F}" type="datetimeFigureOut">
               <a:rPr lang="en-US" smtClean="0"/>
-              <a:t>1/15/19</a:t>
+              <a:t>1/8/19</a:t>
             </a:fld>
             <a:endParaRPr lang="en-US"/>
           </a:p>
@@ -5085,7 +4987,7 @@
           <a:p>
             <a:fld id="{8700D84D-E6CA-412F-8495-61D0DB04649F}" type="datetimeFigureOut">
               <a:rPr lang="en-US" smtClean="0"/>
-              <a:t>1/15/19</a:t>
+              <a:t>1/8/19</a:t>
             </a:fld>
             <a:endParaRPr lang="en-US"/>
           </a:p>
@@ -5350,7 +5252,7 @@
           <a:p>
             <a:fld id="{8700D84D-E6CA-412F-8495-61D0DB04649F}" type="datetimeFigureOut">
               <a:rPr lang="en-US" smtClean="0"/>
-              <a:t>1/15/19</a:t>
+              <a:t>1/8/19</a:t>
             </a:fld>
             <a:endParaRPr lang="en-US"/>
           </a:p>
@@ -5762,7 +5664,7 @@
           <a:p>
             <a:fld id="{8700D84D-E6CA-412F-8495-61D0DB04649F}" type="datetimeFigureOut">
               <a:rPr lang="en-US" smtClean="0"/>
-              <a:t>1/15/19</a:t>
+              <a:t>1/8/19</a:t>
             </a:fld>
             <a:endParaRPr lang="en-US"/>
           </a:p>
@@ -5903,7 +5805,7 @@
           <a:p>
             <a:fld id="{8700D84D-E6CA-412F-8495-61D0DB04649F}" type="datetimeFigureOut">
               <a:rPr lang="en-US" smtClean="0"/>
-              <a:t>1/15/19</a:t>
+              <a:t>1/8/19</a:t>
             </a:fld>
             <a:endParaRPr lang="en-US"/>
           </a:p>
@@ -6016,7 +5918,7 @@
           <a:p>
             <a:fld id="{8700D84D-E6CA-412F-8495-61D0DB04649F}" type="datetimeFigureOut">
               <a:rPr lang="en-US" smtClean="0"/>
-              <a:t>1/15/19</a:t>
+              <a:t>1/8/19</a:t>
             </a:fld>
             <a:endParaRPr lang="en-US"/>
           </a:p>
@@ -6327,7 +6229,7 @@
           <a:p>
             <a:fld id="{8700D84D-E6CA-412F-8495-61D0DB04649F}" type="datetimeFigureOut">
               <a:rPr lang="en-US" smtClean="0"/>
-              <a:t>1/15/19</a:t>
+              <a:t>1/8/19</a:t>
             </a:fld>
             <a:endParaRPr lang="en-US"/>
           </a:p>
@@ -6615,7 +6517,7 @@
           <a:p>
             <a:fld id="{8700D84D-E6CA-412F-8495-61D0DB04649F}" type="datetimeFigureOut">
               <a:rPr lang="en-US" smtClean="0"/>
-              <a:t>1/15/19</a:t>
+              <a:t>1/8/19</a:t>
             </a:fld>
             <a:endParaRPr lang="en-US"/>
           </a:p>
@@ -6856,7 +6758,7 @@
           <a:p>
             <a:fld id="{8700D84D-E6CA-412F-8495-61D0DB04649F}" type="datetimeFigureOut">
               <a:rPr lang="en-US" smtClean="0"/>
-              <a:t>1/15/19</a:t>
+              <a:t>1/8/19</a:t>
             </a:fld>
             <a:endParaRPr lang="en-US"/>
           </a:p>
@@ -9326,7 +9228,7 @@
         <p:spPr/>
         <p:txBody>
           <a:bodyPr>
-            <a:normAutofit fontScale="92500" lnSpcReduction="10000"/>
+            <a:normAutofit lnSpcReduction="10000"/>
           </a:bodyPr>
           <a:lstStyle/>
           <a:p>
@@ -9334,7 +9236,7 @@
               <a:buNone/>
             </a:pPr>
             <a:r>
-              <a:rPr lang="en-US" sz="2400" dirty="0"/>
+              <a:rPr lang="en-US" dirty="0"/>
               <a:t>Traditional language-influenced styles</a:t>
             </a:r>
           </a:p>
@@ -9343,7 +9245,7 @@
               <a:buNone/>
             </a:pPr>
             <a:r>
-              <a:rPr lang="en-US" sz="2000" dirty="0">
+              <a:rPr lang="en-US" dirty="0">
                 <a:solidFill>
                   <a:schemeClr val="bg1">
                     <a:lumMod val="50000"/>
@@ -9358,7 +9260,7 @@
               <a:buNone/>
             </a:pPr>
             <a:r>
-              <a:rPr lang="en-US" sz="2000" dirty="0">
+              <a:rPr lang="en-US" dirty="0">
                 <a:solidFill>
                   <a:schemeClr val="bg1">
                     <a:lumMod val="50000"/>
@@ -9369,32 +9271,20 @@
             </a:r>
           </a:p>
           <a:p>
+            <a:pPr marL="0" indent="0">
+              <a:buNone/>
+            </a:pPr>
+            <a:r>
+              <a:rPr lang="en-US" dirty="0"/>
+              <a:t>Layered</a:t>
+            </a:r>
+          </a:p>
+          <a:p>
             <a:pPr marL="457200" lvl="1" indent="0">
               <a:buNone/>
             </a:pPr>
-            <a:endParaRPr lang="en-US" sz="2000" dirty="0">
-              <a:solidFill>
-                <a:schemeClr val="bg1">
-                  <a:lumMod val="50000"/>
-                </a:schemeClr>
-              </a:solidFill>
-            </a:endParaRPr>
-          </a:p>
-          <a:p>
-            <a:pPr marL="0" indent="0">
-              <a:buNone/>
-            </a:pPr>
-            <a:r>
-              <a:rPr lang="en-US" sz="2400" dirty="0"/>
-              <a:t>Layered</a:t>
-            </a:r>
-          </a:p>
-          <a:p>
-            <a:pPr marL="457200" lvl="1" indent="0">
-              <a:buNone/>
-            </a:pPr>
-            <a:r>
-              <a:rPr lang="en-US" sz="2000" dirty="0">
+            <a:r>
+              <a:rPr lang="en-US" dirty="0">
                 <a:solidFill>
                   <a:schemeClr val="bg1">
                     <a:lumMod val="50000"/>
@@ -9409,7 +9299,7 @@
               <a:buNone/>
             </a:pPr>
             <a:r>
-              <a:rPr lang="en-US" sz="2000" dirty="0">
+              <a:rPr lang="en-US" dirty="0">
                 <a:solidFill>
                   <a:schemeClr val="bg1">
                     <a:lumMod val="50000"/>
@@ -9420,32 +9310,20 @@
             </a:r>
           </a:p>
           <a:p>
+            <a:pPr marL="0" indent="0">
+              <a:buNone/>
+            </a:pPr>
+            <a:r>
+              <a:rPr lang="en-US" dirty="0"/>
+              <a:t>Dataflow</a:t>
+            </a:r>
+          </a:p>
+          <a:p>
             <a:pPr marL="457200" lvl="1" indent="0">
               <a:buNone/>
             </a:pPr>
-            <a:endParaRPr lang="en-US" sz="2000" dirty="0">
-              <a:solidFill>
-                <a:schemeClr val="bg1">
-                  <a:lumMod val="50000"/>
-                </a:schemeClr>
-              </a:solidFill>
-            </a:endParaRPr>
-          </a:p>
-          <a:p>
-            <a:pPr marL="0" indent="0">
-              <a:buNone/>
-            </a:pPr>
-            <a:r>
-              <a:rPr lang="en-US" sz="2400" dirty="0"/>
-              <a:t>Dataflow</a:t>
-            </a:r>
-          </a:p>
-          <a:p>
-            <a:pPr marL="457200" lvl="1" indent="0">
-              <a:buNone/>
-            </a:pPr>
-            <a:r>
-              <a:rPr lang="en-US" sz="2000" dirty="0">
+            <a:r>
+              <a:rPr lang="en-US" dirty="0">
                 <a:solidFill>
                   <a:schemeClr val="bg1">
                     <a:lumMod val="50000"/>
@@ -9460,7 +9338,7 @@
               <a:buNone/>
             </a:pPr>
             <a:r>
-              <a:rPr lang="en-US" sz="2000" dirty="0">
+              <a:rPr lang="en-US" dirty="0">
                 <a:solidFill>
                   <a:schemeClr val="bg1">
                     <a:lumMod val="50000"/>
@@ -9485,7 +9363,7 @@
         <p:spPr/>
         <p:txBody>
           <a:bodyPr>
-            <a:normAutofit fontScale="92500" lnSpcReduction="10000"/>
+            <a:normAutofit lnSpcReduction="10000"/>
           </a:bodyPr>
           <a:lstStyle/>
           <a:p>
@@ -9493,7 +9371,7 @@
               <a:buNone/>
             </a:pPr>
             <a:r>
-              <a:rPr lang="en-US" sz="2400" dirty="0"/>
+              <a:rPr lang="en-US" dirty="0"/>
               <a:t>Shared memory</a:t>
             </a:r>
           </a:p>
@@ -9502,7 +9380,7 @@
               <a:buNone/>
             </a:pPr>
             <a:r>
-              <a:rPr lang="en-US" sz="2000" dirty="0">
+              <a:rPr lang="en-US" dirty="0">
                 <a:solidFill>
                   <a:schemeClr val="bg1">
                     <a:lumMod val="50000"/>
@@ -9517,7 +9395,7 @@
               <a:buNone/>
             </a:pPr>
             <a:r>
-              <a:rPr lang="en-US" sz="2000" dirty="0">
+              <a:rPr lang="en-US" dirty="0">
                 <a:solidFill>
                   <a:schemeClr val="bg1">
                     <a:lumMod val="50000"/>
@@ -9528,32 +9406,20 @@
             </a:r>
           </a:p>
           <a:p>
+            <a:pPr marL="0" indent="0">
+              <a:buNone/>
+            </a:pPr>
+            <a:r>
+              <a:rPr lang="en-US" dirty="0"/>
+              <a:t>Interpreted</a:t>
+            </a:r>
+          </a:p>
+          <a:p>
             <a:pPr marL="457200" lvl="1" indent="0">
               <a:buNone/>
             </a:pPr>
-            <a:endParaRPr lang="en-US" sz="2000" dirty="0">
-              <a:solidFill>
-                <a:schemeClr val="bg1">
-                  <a:lumMod val="50000"/>
-                </a:schemeClr>
-              </a:solidFill>
-            </a:endParaRPr>
-          </a:p>
-          <a:p>
-            <a:pPr marL="0" indent="0">
-              <a:buNone/>
-            </a:pPr>
-            <a:r>
-              <a:rPr lang="en-US" sz="2400" dirty="0"/>
-              <a:t>Interpreted</a:t>
-            </a:r>
-          </a:p>
-          <a:p>
-            <a:pPr marL="457200" lvl="1" indent="0">
-              <a:buNone/>
-            </a:pPr>
-            <a:r>
-              <a:rPr lang="en-US" sz="2000" dirty="0">
+            <a:r>
+              <a:rPr lang="en-US" dirty="0">
                 <a:solidFill>
                   <a:schemeClr val="bg1">
                     <a:lumMod val="50000"/>
@@ -9568,7 +9434,7 @@
               <a:buNone/>
             </a:pPr>
             <a:r>
-              <a:rPr lang="en-US" sz="2000" dirty="0">
+              <a:rPr lang="en-US" dirty="0">
                 <a:solidFill>
                   <a:schemeClr val="bg1">
                     <a:lumMod val="50000"/>
@@ -9579,32 +9445,20 @@
             </a:r>
           </a:p>
           <a:p>
+            <a:pPr marL="0" indent="0">
+              <a:buNone/>
+            </a:pPr>
+            <a:r>
+              <a:rPr lang="en-US" dirty="0"/>
+              <a:t>Implicit invocation</a:t>
+            </a:r>
+          </a:p>
+          <a:p>
             <a:pPr marL="457200" lvl="1" indent="0">
               <a:buNone/>
             </a:pPr>
-            <a:endParaRPr lang="en-US" sz="2000" dirty="0">
-              <a:solidFill>
-                <a:schemeClr val="bg1">
-                  <a:lumMod val="50000"/>
-                </a:schemeClr>
-              </a:solidFill>
-            </a:endParaRPr>
-          </a:p>
-          <a:p>
-            <a:pPr marL="0" indent="0">
-              <a:buNone/>
-            </a:pPr>
-            <a:r>
-              <a:rPr lang="en-US" sz="2400" dirty="0"/>
-              <a:t>Implicit invocation</a:t>
-            </a:r>
-          </a:p>
-          <a:p>
-            <a:pPr marL="457200" lvl="1" indent="0">
-              <a:buNone/>
-            </a:pPr>
-            <a:r>
-              <a:rPr lang="en-US" sz="2000" dirty="0">
+            <a:r>
+              <a:rPr lang="en-US" dirty="0">
                 <a:solidFill>
                   <a:schemeClr val="bg1">
                     <a:lumMod val="50000"/>
@@ -9619,7 +9473,7 @@
               <a:buNone/>
             </a:pPr>
             <a:r>
-              <a:rPr lang="en-US" sz="2000" dirty="0">
+              <a:rPr lang="en-US" dirty="0">
                 <a:solidFill>
                   <a:schemeClr val="bg1">
                     <a:lumMod val="50000"/>
@@ -9630,23 +9484,11 @@
             </a:r>
           </a:p>
           <a:p>
-            <a:pPr marL="457200" lvl="1" indent="0">
-              <a:buNone/>
-            </a:pPr>
-            <a:endParaRPr lang="en-US" sz="2000" dirty="0">
-              <a:solidFill>
-                <a:schemeClr val="bg1">
-                  <a:lumMod val="50000"/>
-                </a:schemeClr>
-              </a:solidFill>
-            </a:endParaRPr>
-          </a:p>
-          <a:p>
             <a:pPr marL="0" indent="0">
               <a:buNone/>
             </a:pPr>
             <a:r>
-              <a:rPr lang="en-US" sz="2400" dirty="0"/>
+              <a:rPr lang="en-US" dirty="0"/>
               <a:t>Peer to peer</a:t>
             </a:r>
           </a:p>
@@ -9654,7 +9496,7 @@
             <a:pPr marL="0" indent="0">
               <a:buNone/>
             </a:pPr>
-            <a:endParaRPr lang="en-US" sz="2400" dirty="0"/>
+            <a:endParaRPr lang="en-US" dirty="0"/>
           </a:p>
         </p:txBody>
       </p:sp>
@@ -9690,13 +9532,7 @@
       </p:grpSpPr>
       <p:sp>
         <p:nvSpPr>
-          <p:cNvPr id="5" name="Title 4">
-            <a:extLst>
-              <a:ext uri="{FF2B5EF4-FFF2-40B4-BE49-F238E27FC236}">
-                <a16:creationId xmlns:a16="http://schemas.microsoft.com/office/drawing/2014/main" id="{6D2F4C59-1A85-2241-BA63-597393865818}"/>
-              </a:ext>
-            </a:extLst>
-          </p:cNvPr>
+          <p:cNvPr id="5" name="Title 4"/>
           <p:cNvSpPr>
             <a:spLocks noGrp="1"/>
           </p:cNvSpPr>
@@ -9710,2189 +9546,172 @@
           <a:lstStyle/>
           <a:p>
             <a:r>
-              <a:rPr lang="en-US" b="1" dirty="0"/>
-              <a:t>Style</a:t>
-            </a:r>
-            <a:r>
-              <a:rPr lang="en-US" dirty="0"/>
-              <a:t>: Main program and subroutines</a:t>
-            </a:r>
-          </a:p>
-        </p:txBody>
-      </p:sp>
-      <p:graphicFrame>
-        <p:nvGraphicFramePr>
-          <p:cNvPr id="7" name="Content Placeholder 6">
-            <a:extLst>
-              <a:ext uri="{FF2B5EF4-FFF2-40B4-BE49-F238E27FC236}">
-                <a16:creationId xmlns:a16="http://schemas.microsoft.com/office/drawing/2014/main" id="{40A46DD3-E595-E649-960B-8B9F1334CA29}"/>
-              </a:ext>
-            </a:extLst>
-          </p:cNvPr>
-          <p:cNvGraphicFramePr>
-            <a:graphicFrameLocks noGrp="1"/>
-          </p:cNvGraphicFramePr>
+              <a:rPr lang="en-US" dirty="0"/>
+              <a:t>Unprecedented design</a:t>
+            </a:r>
+          </a:p>
+        </p:txBody>
+      </p:sp>
+      <p:sp>
+        <p:nvSpPr>
+          <p:cNvPr id="6" name="Content Placeholder 5"/>
+          <p:cNvSpPr>
+            <a:spLocks noGrp="1"/>
+          </p:cNvSpPr>
           <p:nvPr>
             <p:ph idx="1"/>
-            <p:extLst>
-              <p:ext uri="{D42A27DB-BD31-4B8C-83A1-F6EECF244321}">
-                <p14:modId xmlns:p14="http://schemas.microsoft.com/office/powerpoint/2010/main" val="3916379791"/>
-              </p:ext>
-            </p:extLst>
-          </p:nvPr>
-        </p:nvGraphicFramePr>
-        <p:xfrm>
-          <a:off x="838200" y="1825625"/>
-          <a:ext cx="10515600" cy="4079240"/>
-        </p:xfrm>
-        <a:graphic>
-          <a:graphicData uri="http://schemas.openxmlformats.org/drawingml/2006/table">
-            <a:tbl>
-              <a:tblPr bandRow="1">
-                <a:tableStyleId>{C083E6E3-FA7D-4D7B-A595-EF9225AFEA82}</a:tableStyleId>
-              </a:tblPr>
-              <a:tblGrid>
-                <a:gridCol w="10515600">
-                  <a:extLst>
-                    <a:ext uri="{9D8B030D-6E8A-4147-A177-3AD203B41FA5}">
-                      <a16:colId xmlns:a16="http://schemas.microsoft.com/office/drawing/2014/main" val="3565431365"/>
-                    </a:ext>
-                  </a:extLst>
-                </a:gridCol>
-              </a:tblGrid>
-              <a:tr h="370840">
-                <a:tc>
-                  <a:txBody>
-                    <a:bodyPr/>
-                    <a:lstStyle/>
-                    <a:p>
-                      <a:r>
-                        <a:rPr lang="en-US" b="1" dirty="0"/>
-                        <a:t>Summary</a:t>
-                      </a:r>
-                      <a:r>
-                        <a:rPr lang="en-US" dirty="0"/>
-                        <a:t>: Decomposition based on separation of functional steps</a:t>
-                      </a:r>
-                    </a:p>
-                  </a:txBody>
-                  <a:tcPr/>
-                </a:tc>
-                <a:extLst>
-                  <a:ext uri="{0D108BD9-81ED-4DB2-BD59-A6C34878D82A}">
-                    <a16:rowId xmlns:a16="http://schemas.microsoft.com/office/drawing/2014/main" val="1920818122"/>
-                  </a:ext>
-                </a:extLst>
-              </a:tr>
-              <a:tr h="370840">
-                <a:tc>
-                  <a:txBody>
-                    <a:bodyPr/>
-                    <a:lstStyle/>
-                    <a:p>
-                      <a:r>
-                        <a:rPr lang="en-US" b="1" dirty="0"/>
-                        <a:t>Components</a:t>
-                      </a:r>
-                      <a:r>
-                        <a:rPr lang="en-US" dirty="0"/>
-                        <a:t>: Main program and subroutines</a:t>
-                      </a:r>
-                    </a:p>
-                  </a:txBody>
-                  <a:tcPr/>
-                </a:tc>
-                <a:extLst>
-                  <a:ext uri="{0D108BD9-81ED-4DB2-BD59-A6C34878D82A}">
-                    <a16:rowId xmlns:a16="http://schemas.microsoft.com/office/drawing/2014/main" val="1353163784"/>
-                  </a:ext>
-                </a:extLst>
-              </a:tr>
-              <a:tr h="370840">
-                <a:tc>
-                  <a:txBody>
-                    <a:bodyPr/>
-                    <a:lstStyle/>
-                    <a:p>
-                      <a:r>
-                        <a:rPr lang="en-US" b="1" dirty="0"/>
-                        <a:t>Connectors</a:t>
-                      </a:r>
-                      <a:r>
-                        <a:rPr lang="en-US" dirty="0"/>
-                        <a:t>: Function calls</a:t>
-                      </a:r>
-                    </a:p>
-                  </a:txBody>
-                  <a:tcPr/>
-                </a:tc>
-                <a:extLst>
-                  <a:ext uri="{0D108BD9-81ED-4DB2-BD59-A6C34878D82A}">
-                    <a16:rowId xmlns:a16="http://schemas.microsoft.com/office/drawing/2014/main" val="1839859950"/>
-                  </a:ext>
-                </a:extLst>
-              </a:tr>
-              <a:tr h="370840">
-                <a:tc>
-                  <a:txBody>
-                    <a:bodyPr/>
-                    <a:lstStyle/>
-                    <a:p>
-                      <a:r>
-                        <a:rPr lang="en-US" b="1" dirty="0"/>
-                        <a:t>Data elements</a:t>
-                      </a:r>
-                      <a:r>
-                        <a:rPr lang="en-US" dirty="0"/>
-                        <a:t>: Function call parameters / global variables</a:t>
-                      </a:r>
-                    </a:p>
-                  </a:txBody>
-                  <a:tcPr/>
-                </a:tc>
-                <a:extLst>
-                  <a:ext uri="{0D108BD9-81ED-4DB2-BD59-A6C34878D82A}">
-                    <a16:rowId xmlns:a16="http://schemas.microsoft.com/office/drawing/2014/main" val="2559742039"/>
-                  </a:ext>
-                </a:extLst>
-              </a:tr>
-              <a:tr h="370840">
-                <a:tc>
-                  <a:txBody>
-                    <a:bodyPr/>
-                    <a:lstStyle/>
-                    <a:p>
-                      <a:r>
-                        <a:rPr lang="en-US" b="1" dirty="0"/>
-                        <a:t>Topology</a:t>
-                      </a:r>
-                      <a:r>
-                        <a:rPr lang="en-US" dirty="0"/>
-                        <a:t>: Hierarchical directed graph</a:t>
-                      </a:r>
-                    </a:p>
-                  </a:txBody>
-                  <a:tcPr/>
-                </a:tc>
-                <a:extLst>
-                  <a:ext uri="{0D108BD9-81ED-4DB2-BD59-A6C34878D82A}">
-                    <a16:rowId xmlns:a16="http://schemas.microsoft.com/office/drawing/2014/main" val="2071415196"/>
-                  </a:ext>
-                </a:extLst>
-              </a:tr>
-              <a:tr h="370840">
-                <a:tc>
-                  <a:txBody>
-                    <a:bodyPr/>
-                    <a:lstStyle/>
-                    <a:p>
-                      <a:r>
-                        <a:rPr lang="en-US" b="1" dirty="0"/>
-                        <a:t>Additional constraints</a:t>
-                      </a:r>
-                      <a:r>
-                        <a:rPr lang="en-US" dirty="0"/>
-                        <a:t>: None</a:t>
-                      </a:r>
-                    </a:p>
-                  </a:txBody>
-                  <a:tcPr/>
-                </a:tc>
-                <a:extLst>
-                  <a:ext uri="{0D108BD9-81ED-4DB2-BD59-A6C34878D82A}">
-                    <a16:rowId xmlns:a16="http://schemas.microsoft.com/office/drawing/2014/main" val="1844578667"/>
-                  </a:ext>
-                </a:extLst>
-              </a:tr>
-              <a:tr h="370840">
-                <a:tc>
-                  <a:txBody>
-                    <a:bodyPr/>
-                    <a:lstStyle/>
-                    <a:p>
-                      <a:r>
-                        <a:rPr lang="en-US" b="1" dirty="0"/>
-                        <a:t>Qualities</a:t>
-                      </a:r>
-                      <a:r>
-                        <a:rPr lang="en-US" dirty="0"/>
-                        <a:t>: Modularity – stick to the API and you can replace functions</a:t>
-                      </a:r>
-                    </a:p>
-                  </a:txBody>
-                  <a:tcPr/>
-                </a:tc>
-                <a:extLst>
-                  <a:ext uri="{0D108BD9-81ED-4DB2-BD59-A6C34878D82A}">
-                    <a16:rowId xmlns:a16="http://schemas.microsoft.com/office/drawing/2014/main" val="3672103038"/>
-                  </a:ext>
-                </a:extLst>
-              </a:tr>
-              <a:tr h="370840">
-                <a:tc>
-                  <a:txBody>
-                    <a:bodyPr/>
-                    <a:lstStyle/>
-                    <a:p>
-                      <a:endParaRPr lang="en-US" dirty="0"/>
-                    </a:p>
-                  </a:txBody>
-                  <a:tcPr/>
-                </a:tc>
-                <a:extLst>
-                  <a:ext uri="{0D108BD9-81ED-4DB2-BD59-A6C34878D82A}">
-                    <a16:rowId xmlns:a16="http://schemas.microsoft.com/office/drawing/2014/main" val="1459849202"/>
-                  </a:ext>
-                </a:extLst>
-              </a:tr>
-              <a:tr h="370840">
-                <a:tc>
-                  <a:txBody>
-                    <a:bodyPr/>
-                    <a:lstStyle/>
-                    <a:p>
-                      <a:r>
-                        <a:rPr lang="en-US" b="1" dirty="0"/>
-                        <a:t>Typical uses</a:t>
-                      </a:r>
-                      <a:r>
-                        <a:rPr lang="en-US" dirty="0"/>
-                        <a:t>: Small programs, pedagogical</a:t>
-                      </a:r>
-                    </a:p>
-                  </a:txBody>
-                  <a:tcPr/>
-                </a:tc>
-                <a:extLst>
-                  <a:ext uri="{0D108BD9-81ED-4DB2-BD59-A6C34878D82A}">
-                    <a16:rowId xmlns:a16="http://schemas.microsoft.com/office/drawing/2014/main" val="2052877018"/>
-                  </a:ext>
-                </a:extLst>
-              </a:tr>
-              <a:tr h="370840">
-                <a:tc>
-                  <a:txBody>
-                    <a:bodyPr/>
-                    <a:lstStyle/>
-                    <a:p>
-                      <a:r>
-                        <a:rPr lang="en-US" b="1" dirty="0"/>
-                        <a:t>Cautions</a:t>
-                      </a:r>
-                      <a:r>
-                        <a:rPr lang="en-US" dirty="0"/>
-                        <a:t>: Typically fails to scale, ignores data structures. Unpredictable enhancement effort</a:t>
-                      </a:r>
-                    </a:p>
-                  </a:txBody>
-                  <a:tcPr/>
-                </a:tc>
-                <a:extLst>
-                  <a:ext uri="{0D108BD9-81ED-4DB2-BD59-A6C34878D82A}">
-                    <a16:rowId xmlns:a16="http://schemas.microsoft.com/office/drawing/2014/main" val="231181336"/>
-                  </a:ext>
-                </a:extLst>
-              </a:tr>
-              <a:tr h="370840">
-                <a:tc>
-                  <a:txBody>
-                    <a:bodyPr/>
-                    <a:lstStyle/>
-                    <a:p>
-                      <a:r>
-                        <a:rPr lang="en-US" b="1" dirty="0"/>
-                        <a:t>Lang. / </a:t>
-                      </a:r>
-                      <a:r>
-                        <a:rPr lang="en-US" b="1" dirty="0" err="1"/>
-                        <a:t>env</a:t>
-                      </a:r>
-                      <a:r>
-                        <a:rPr lang="en-US" b="1" dirty="0"/>
-                        <a:t>. relationships</a:t>
-                      </a:r>
-                      <a:r>
-                        <a:rPr lang="en-US" dirty="0"/>
-                        <a:t>: Typically imperative languages</a:t>
-                      </a:r>
-                    </a:p>
-                  </a:txBody>
-                  <a:tcPr/>
-                </a:tc>
-                <a:extLst>
-                  <a:ext uri="{0D108BD9-81ED-4DB2-BD59-A6C34878D82A}">
-                    <a16:rowId xmlns:a16="http://schemas.microsoft.com/office/drawing/2014/main" val="857360620"/>
-                  </a:ext>
-                </a:extLst>
-              </a:tr>
-            </a:tbl>
-          </a:graphicData>
-        </a:graphic>
-      </p:graphicFrame>
+          </p:nvPr>
+        </p:nvSpPr>
+        <p:spPr/>
+        <p:txBody>
+          <a:bodyPr>
+            <a:normAutofit/>
+          </a:bodyPr>
+          <a:lstStyle/>
+          <a:p>
+            <a:pPr marL="0" indent="0">
+              <a:buNone/>
+            </a:pPr>
+            <a:r>
+              <a:rPr lang="en-US" dirty="0"/>
+              <a:t>Basic strategy</a:t>
+            </a:r>
+          </a:p>
+          <a:p>
+            <a:pPr marL="457200" lvl="1" indent="0">
+              <a:buNone/>
+            </a:pPr>
+            <a:r>
+              <a:rPr lang="en-US" dirty="0">
+                <a:solidFill>
+                  <a:schemeClr val="bg1">
+                    <a:lumMod val="50000"/>
+                  </a:schemeClr>
+                </a:solidFill>
+              </a:rPr>
+              <a:t>Diverge</a:t>
+            </a:r>
+          </a:p>
+          <a:p>
+            <a:pPr marL="457200" lvl="1" indent="0">
+              <a:buNone/>
+            </a:pPr>
+            <a:r>
+              <a:rPr lang="en-US" dirty="0">
+                <a:solidFill>
+                  <a:schemeClr val="bg1">
+                    <a:lumMod val="50000"/>
+                  </a:schemeClr>
+                </a:solidFill>
+              </a:rPr>
+              <a:t>Transform</a:t>
+            </a:r>
+          </a:p>
+          <a:p>
+            <a:pPr marL="457200" lvl="1" indent="0">
+              <a:buNone/>
+            </a:pPr>
+            <a:r>
+              <a:rPr lang="en-US" dirty="0">
+                <a:solidFill>
+                  <a:schemeClr val="bg1">
+                    <a:lumMod val="50000"/>
+                  </a:schemeClr>
+                </a:solidFill>
+              </a:rPr>
+              <a:t>Converge</a:t>
+            </a:r>
+          </a:p>
+          <a:p>
+            <a:pPr marL="0" indent="0">
+              <a:buNone/>
+            </a:pPr>
+            <a:r>
+              <a:rPr lang="en-US" dirty="0"/>
+              <a:t>Detailed strategies</a:t>
+            </a:r>
+          </a:p>
+          <a:p>
+            <a:pPr marL="457200" lvl="1" indent="0">
+              <a:buNone/>
+            </a:pPr>
+            <a:r>
+              <a:rPr lang="en-US" dirty="0">
+                <a:solidFill>
+                  <a:schemeClr val="bg1">
+                    <a:lumMod val="50000"/>
+                  </a:schemeClr>
+                </a:solidFill>
+              </a:rPr>
+              <a:t>Analogy searching</a:t>
+            </a:r>
+          </a:p>
+          <a:p>
+            <a:pPr marL="457200" lvl="1" indent="0">
+              <a:buNone/>
+            </a:pPr>
+            <a:r>
+              <a:rPr lang="en-US" dirty="0">
+                <a:solidFill>
+                  <a:schemeClr val="bg1">
+                    <a:lumMod val="50000"/>
+                  </a:schemeClr>
+                </a:solidFill>
+              </a:rPr>
+              <a:t>Brainstorming</a:t>
+            </a:r>
+          </a:p>
+          <a:p>
+            <a:pPr marL="457200" lvl="1" indent="0">
+              <a:buNone/>
+            </a:pPr>
+            <a:r>
+              <a:rPr lang="en-US" dirty="0">
+                <a:solidFill>
+                  <a:schemeClr val="bg1">
+                    <a:lumMod val="50000"/>
+                  </a:schemeClr>
+                </a:solidFill>
+              </a:rPr>
+              <a:t>Literature searching</a:t>
+            </a:r>
+          </a:p>
+          <a:p>
+            <a:pPr marL="457200" lvl="1" indent="0">
+              <a:buNone/>
+            </a:pPr>
+            <a:r>
+              <a:rPr lang="en-US" dirty="0">
+                <a:solidFill>
+                  <a:schemeClr val="bg1">
+                    <a:lumMod val="50000"/>
+                  </a:schemeClr>
+                </a:solidFill>
+              </a:rPr>
+              <a:t>Morphological charts</a:t>
+            </a:r>
+          </a:p>
+          <a:p>
+            <a:pPr marL="457200" lvl="1" indent="0">
+              <a:buNone/>
+            </a:pPr>
+            <a:r>
+              <a:rPr lang="en-US" dirty="0">
+                <a:solidFill>
+                  <a:schemeClr val="bg1">
+                    <a:lumMod val="50000"/>
+                  </a:schemeClr>
+                </a:solidFill>
+              </a:rPr>
+              <a:t>Removing mental blocks</a:t>
+            </a:r>
+          </a:p>
+        </p:txBody>
+      </p:sp>
     </p:spTree>
     <p:extLst>
       <p:ext uri="{BB962C8B-B14F-4D97-AF65-F5344CB8AC3E}">
-        <p14:creationId xmlns:p14="http://schemas.microsoft.com/office/powerpoint/2010/main" val="2232408344"/>
-      </p:ext>
-    </p:extLst>
-  </p:cSld>
-  <p:clrMapOvr>
-    <a:masterClrMapping/>
-  </p:clrMapOvr>
-</p:sld>
-</file>
-
-<file path=ppt/slides/slide25.xml><?xml version="1.0" encoding="utf-8"?>
-<p:sld xmlns:a="http://schemas.openxmlformats.org/drawingml/2006/main" xmlns:r="http://schemas.openxmlformats.org/officeDocument/2006/relationships" xmlns:p="http://schemas.openxmlformats.org/presentationml/2006/main">
-  <p:cSld>
-    <p:spTree>
-      <p:nvGrpSpPr>
-        <p:cNvPr id="1" name=""/>
-        <p:cNvGrpSpPr/>
-        <p:nvPr/>
-      </p:nvGrpSpPr>
-      <p:grpSpPr>
-        <a:xfrm>
-          <a:off x="0" y="0"/>
-          <a:ext cx="0" cy="0"/>
-          <a:chOff x="0" y="0"/>
-          <a:chExt cx="0" cy="0"/>
-        </a:xfrm>
-      </p:grpSpPr>
-      <p:sp>
-        <p:nvSpPr>
-          <p:cNvPr id="5" name="Title 4">
-            <a:extLst>
-              <a:ext uri="{FF2B5EF4-FFF2-40B4-BE49-F238E27FC236}">
-                <a16:creationId xmlns:a16="http://schemas.microsoft.com/office/drawing/2014/main" id="{6D2F4C59-1A85-2241-BA63-597393865818}"/>
-              </a:ext>
-            </a:extLst>
-          </p:cNvPr>
-          <p:cNvSpPr>
-            <a:spLocks noGrp="1"/>
-          </p:cNvSpPr>
-          <p:nvPr>
-            <p:ph type="title"/>
-          </p:nvPr>
-        </p:nvSpPr>
-        <p:spPr/>
-        <p:txBody>
-          <a:bodyPr/>
-          <a:lstStyle/>
-          <a:p>
-            <a:r>
-              <a:rPr lang="en-US" b="1" dirty="0"/>
-              <a:t>Style</a:t>
-            </a:r>
-            <a:r>
-              <a:rPr lang="en-US" dirty="0"/>
-              <a:t>: Object-oriented</a:t>
-            </a:r>
-          </a:p>
-        </p:txBody>
-      </p:sp>
-      <p:graphicFrame>
-        <p:nvGraphicFramePr>
-          <p:cNvPr id="7" name="Content Placeholder 6">
-            <a:extLst>
-              <a:ext uri="{FF2B5EF4-FFF2-40B4-BE49-F238E27FC236}">
-                <a16:creationId xmlns:a16="http://schemas.microsoft.com/office/drawing/2014/main" id="{40A46DD3-E595-E649-960B-8B9F1334CA29}"/>
-              </a:ext>
-            </a:extLst>
-          </p:cNvPr>
-          <p:cNvGraphicFramePr>
-            <a:graphicFrameLocks noGrp="1"/>
-          </p:cNvGraphicFramePr>
-          <p:nvPr>
-            <p:ph idx="1"/>
-            <p:extLst>
-              <p:ext uri="{D42A27DB-BD31-4B8C-83A1-F6EECF244321}">
-                <p14:modId xmlns:p14="http://schemas.microsoft.com/office/powerpoint/2010/main" val="2654516382"/>
-              </p:ext>
-            </p:extLst>
-          </p:nvPr>
-        </p:nvGraphicFramePr>
-        <p:xfrm>
-          <a:off x="838200" y="1825625"/>
-          <a:ext cx="10515600" cy="4079240"/>
-        </p:xfrm>
-        <a:graphic>
-          <a:graphicData uri="http://schemas.openxmlformats.org/drawingml/2006/table">
-            <a:tbl>
-              <a:tblPr bandRow="1">
-                <a:tableStyleId>{C083E6E3-FA7D-4D7B-A595-EF9225AFEA82}</a:tableStyleId>
-              </a:tblPr>
-              <a:tblGrid>
-                <a:gridCol w="10515600">
-                  <a:extLst>
-                    <a:ext uri="{9D8B030D-6E8A-4147-A177-3AD203B41FA5}">
-                      <a16:colId xmlns:a16="http://schemas.microsoft.com/office/drawing/2014/main" val="3565431365"/>
-                    </a:ext>
-                  </a:extLst>
-                </a:gridCol>
-              </a:tblGrid>
-              <a:tr h="370840">
-                <a:tc>
-                  <a:txBody>
-                    <a:bodyPr/>
-                    <a:lstStyle/>
-                    <a:p>
-                      <a:r>
-                        <a:rPr lang="en-US" b="1" dirty="0"/>
-                        <a:t>Summary</a:t>
-                      </a:r>
-                      <a:r>
-                        <a:rPr lang="en-US" dirty="0"/>
-                        <a:t>: State strongly encapsulated with functions that operate on that state</a:t>
-                      </a:r>
-                    </a:p>
-                  </a:txBody>
-                  <a:tcPr/>
-                </a:tc>
-                <a:extLst>
-                  <a:ext uri="{0D108BD9-81ED-4DB2-BD59-A6C34878D82A}">
-                    <a16:rowId xmlns:a16="http://schemas.microsoft.com/office/drawing/2014/main" val="1920818122"/>
-                  </a:ext>
-                </a:extLst>
-              </a:tr>
-              <a:tr h="370840">
-                <a:tc>
-                  <a:txBody>
-                    <a:bodyPr/>
-                    <a:lstStyle/>
-                    <a:p>
-                      <a:r>
-                        <a:rPr lang="en-US" b="1" dirty="0"/>
-                        <a:t>Components</a:t>
-                      </a:r>
-                      <a:r>
-                        <a:rPr lang="en-US" dirty="0"/>
-                        <a:t>: Objects</a:t>
-                      </a:r>
-                    </a:p>
-                  </a:txBody>
-                  <a:tcPr/>
-                </a:tc>
-                <a:extLst>
-                  <a:ext uri="{0D108BD9-81ED-4DB2-BD59-A6C34878D82A}">
-                    <a16:rowId xmlns:a16="http://schemas.microsoft.com/office/drawing/2014/main" val="1353163784"/>
-                  </a:ext>
-                </a:extLst>
-              </a:tr>
-              <a:tr h="370840">
-                <a:tc>
-                  <a:txBody>
-                    <a:bodyPr/>
-                    <a:lstStyle/>
-                    <a:p>
-                      <a:r>
-                        <a:rPr lang="en-US" b="1" dirty="0"/>
-                        <a:t>Connectors</a:t>
-                      </a:r>
-                      <a:r>
-                        <a:rPr lang="en-US" dirty="0"/>
-                        <a:t>: Method invocation (function calls)</a:t>
-                      </a:r>
-                    </a:p>
-                  </a:txBody>
-                  <a:tcPr/>
-                </a:tc>
-                <a:extLst>
-                  <a:ext uri="{0D108BD9-81ED-4DB2-BD59-A6C34878D82A}">
-                    <a16:rowId xmlns:a16="http://schemas.microsoft.com/office/drawing/2014/main" val="1839859950"/>
-                  </a:ext>
-                </a:extLst>
-              </a:tr>
-              <a:tr h="370840">
-                <a:tc>
-                  <a:txBody>
-                    <a:bodyPr/>
-                    <a:lstStyle/>
-                    <a:p>
-                      <a:r>
-                        <a:rPr lang="en-US" b="1" dirty="0"/>
-                        <a:t>Data elements</a:t>
-                      </a:r>
-                      <a:r>
-                        <a:rPr lang="en-US" dirty="0"/>
-                        <a:t>: Function call parameters</a:t>
-                      </a:r>
-                    </a:p>
-                  </a:txBody>
-                  <a:tcPr/>
-                </a:tc>
-                <a:extLst>
-                  <a:ext uri="{0D108BD9-81ED-4DB2-BD59-A6C34878D82A}">
-                    <a16:rowId xmlns:a16="http://schemas.microsoft.com/office/drawing/2014/main" val="2559742039"/>
-                  </a:ext>
-                </a:extLst>
-              </a:tr>
-              <a:tr h="370840">
-                <a:tc>
-                  <a:txBody>
-                    <a:bodyPr/>
-                    <a:lstStyle/>
-                    <a:p>
-                      <a:r>
-                        <a:rPr lang="en-US" b="1" dirty="0"/>
-                        <a:t>Topology</a:t>
-                      </a:r>
-                      <a:r>
-                        <a:rPr lang="en-US" dirty="0"/>
-                        <a:t>: Can vary arbitrarily</a:t>
-                      </a:r>
-                    </a:p>
-                  </a:txBody>
-                  <a:tcPr/>
-                </a:tc>
-                <a:extLst>
-                  <a:ext uri="{0D108BD9-81ED-4DB2-BD59-A6C34878D82A}">
-                    <a16:rowId xmlns:a16="http://schemas.microsoft.com/office/drawing/2014/main" val="2071415196"/>
-                  </a:ext>
-                </a:extLst>
-              </a:tr>
-              <a:tr h="370840">
-                <a:tc>
-                  <a:txBody>
-                    <a:bodyPr/>
-                    <a:lstStyle/>
-                    <a:p>
-                      <a:r>
-                        <a:rPr lang="en-US" b="1" dirty="0"/>
-                        <a:t>Additional constraints</a:t>
-                      </a:r>
-                      <a:r>
-                        <a:rPr lang="en-US" dirty="0"/>
-                        <a:t>: Commonly shared-memory single-threaded</a:t>
-                      </a:r>
-                    </a:p>
-                  </a:txBody>
-                  <a:tcPr/>
-                </a:tc>
-                <a:extLst>
-                  <a:ext uri="{0D108BD9-81ED-4DB2-BD59-A6C34878D82A}">
-                    <a16:rowId xmlns:a16="http://schemas.microsoft.com/office/drawing/2014/main" val="1844578667"/>
-                  </a:ext>
-                </a:extLst>
-              </a:tr>
-              <a:tr h="370840">
-                <a:tc>
-                  <a:txBody>
-                    <a:bodyPr/>
-                    <a:lstStyle/>
-                    <a:p>
-                      <a:r>
-                        <a:rPr lang="en-US" b="1" dirty="0"/>
-                        <a:t>Qualities</a:t>
-                      </a:r>
-                      <a:r>
-                        <a:rPr lang="en-US" dirty="0"/>
-                        <a:t>: Encapsulation and abstraction</a:t>
-                      </a:r>
-                    </a:p>
-                  </a:txBody>
-                  <a:tcPr/>
-                </a:tc>
-                <a:extLst>
-                  <a:ext uri="{0D108BD9-81ED-4DB2-BD59-A6C34878D82A}">
-                    <a16:rowId xmlns:a16="http://schemas.microsoft.com/office/drawing/2014/main" val="3672103038"/>
-                  </a:ext>
-                </a:extLst>
-              </a:tr>
-              <a:tr h="370840">
-                <a:tc>
-                  <a:txBody>
-                    <a:bodyPr/>
-                    <a:lstStyle/>
-                    <a:p>
-                      <a:endParaRPr lang="en-US" dirty="0"/>
-                    </a:p>
-                  </a:txBody>
-                  <a:tcPr/>
-                </a:tc>
-                <a:extLst>
-                  <a:ext uri="{0D108BD9-81ED-4DB2-BD59-A6C34878D82A}">
-                    <a16:rowId xmlns:a16="http://schemas.microsoft.com/office/drawing/2014/main" val="1459849202"/>
-                  </a:ext>
-                </a:extLst>
-              </a:tr>
-              <a:tr h="370840">
-                <a:tc>
-                  <a:txBody>
-                    <a:bodyPr/>
-                    <a:lstStyle/>
-                    <a:p>
-                      <a:r>
-                        <a:rPr lang="en-US" b="1" dirty="0"/>
-                        <a:t>Typical uses</a:t>
-                      </a:r>
-                      <a:r>
-                        <a:rPr lang="en-US" dirty="0"/>
-                        <a:t>: Programs with close relationship between data structures and real-world concepts</a:t>
-                      </a:r>
-                    </a:p>
-                  </a:txBody>
-                  <a:tcPr/>
-                </a:tc>
-                <a:extLst>
-                  <a:ext uri="{0D108BD9-81ED-4DB2-BD59-A6C34878D82A}">
-                    <a16:rowId xmlns:a16="http://schemas.microsoft.com/office/drawing/2014/main" val="2052877018"/>
-                  </a:ext>
-                </a:extLst>
-              </a:tr>
-              <a:tr h="370840">
-                <a:tc>
-                  <a:txBody>
-                    <a:bodyPr/>
-                    <a:lstStyle/>
-                    <a:p>
-                      <a:r>
-                        <a:rPr lang="en-US" b="1" dirty="0"/>
-                        <a:t>Cautions</a:t>
-                      </a:r>
-                      <a:r>
-                        <a:rPr lang="en-US" dirty="0"/>
-                        <a:t>: Use in distributed applications requires extensive middleware</a:t>
-                      </a:r>
-                    </a:p>
-                  </a:txBody>
-                  <a:tcPr/>
-                </a:tc>
-                <a:extLst>
-                  <a:ext uri="{0D108BD9-81ED-4DB2-BD59-A6C34878D82A}">
-                    <a16:rowId xmlns:a16="http://schemas.microsoft.com/office/drawing/2014/main" val="231181336"/>
-                  </a:ext>
-                </a:extLst>
-              </a:tr>
-              <a:tr h="370840">
-                <a:tc>
-                  <a:txBody>
-                    <a:bodyPr/>
-                    <a:lstStyle/>
-                    <a:p>
-                      <a:r>
-                        <a:rPr lang="en-US" b="1" dirty="0"/>
-                        <a:t>Lang. / </a:t>
-                      </a:r>
-                      <a:r>
-                        <a:rPr lang="en-US" b="1" dirty="0" err="1"/>
-                        <a:t>env</a:t>
-                      </a:r>
-                      <a:r>
-                        <a:rPr lang="en-US" b="1" dirty="0"/>
-                        <a:t>. relationships</a:t>
-                      </a:r>
-                      <a:r>
-                        <a:rPr lang="en-US" dirty="0"/>
-                        <a:t>: OO languages: Java, C#, C++</a:t>
-                      </a:r>
-                    </a:p>
-                  </a:txBody>
-                  <a:tcPr/>
-                </a:tc>
-                <a:extLst>
-                  <a:ext uri="{0D108BD9-81ED-4DB2-BD59-A6C34878D82A}">
-                    <a16:rowId xmlns:a16="http://schemas.microsoft.com/office/drawing/2014/main" val="857360620"/>
-                  </a:ext>
-                </a:extLst>
-              </a:tr>
-            </a:tbl>
-          </a:graphicData>
-        </a:graphic>
-      </p:graphicFrame>
-    </p:spTree>
-    <p:extLst>
-      <p:ext uri="{BB962C8B-B14F-4D97-AF65-F5344CB8AC3E}">
-        <p14:creationId xmlns:p14="http://schemas.microsoft.com/office/powerpoint/2010/main" val="3345161356"/>
-      </p:ext>
-    </p:extLst>
-  </p:cSld>
-  <p:clrMapOvr>
-    <a:masterClrMapping/>
-  </p:clrMapOvr>
-</p:sld>
-</file>
-
-<file path=ppt/slides/slide26.xml><?xml version="1.0" encoding="utf-8"?>
-<p:sld xmlns:a="http://schemas.openxmlformats.org/drawingml/2006/main" xmlns:r="http://schemas.openxmlformats.org/officeDocument/2006/relationships" xmlns:p="http://schemas.openxmlformats.org/presentationml/2006/main">
-  <p:cSld>
-    <p:spTree>
-      <p:nvGrpSpPr>
-        <p:cNvPr id="1" name=""/>
-        <p:cNvGrpSpPr/>
-        <p:nvPr/>
-      </p:nvGrpSpPr>
-      <p:grpSpPr>
-        <a:xfrm>
-          <a:off x="0" y="0"/>
-          <a:ext cx="0" cy="0"/>
-          <a:chOff x="0" y="0"/>
-          <a:chExt cx="0" cy="0"/>
-        </a:xfrm>
-      </p:grpSpPr>
-      <p:sp>
-        <p:nvSpPr>
-          <p:cNvPr id="5" name="Title 4">
-            <a:extLst>
-              <a:ext uri="{FF2B5EF4-FFF2-40B4-BE49-F238E27FC236}">
-                <a16:creationId xmlns:a16="http://schemas.microsoft.com/office/drawing/2014/main" id="{6D2F4C59-1A85-2241-BA63-597393865818}"/>
-              </a:ext>
-            </a:extLst>
-          </p:cNvPr>
-          <p:cNvSpPr>
-            <a:spLocks noGrp="1"/>
-          </p:cNvSpPr>
-          <p:nvPr>
-            <p:ph type="title"/>
-          </p:nvPr>
-        </p:nvSpPr>
-        <p:spPr/>
-        <p:txBody>
-          <a:bodyPr/>
-          <a:lstStyle/>
-          <a:p>
-            <a:r>
-              <a:rPr lang="en-US" b="1" dirty="0"/>
-              <a:t>Style</a:t>
-            </a:r>
-            <a:r>
-              <a:rPr lang="en-US" dirty="0"/>
-              <a:t>: Virtual machines</a:t>
-            </a:r>
-          </a:p>
-        </p:txBody>
-      </p:sp>
-      <p:graphicFrame>
-        <p:nvGraphicFramePr>
-          <p:cNvPr id="7" name="Content Placeholder 6">
-            <a:extLst>
-              <a:ext uri="{FF2B5EF4-FFF2-40B4-BE49-F238E27FC236}">
-                <a16:creationId xmlns:a16="http://schemas.microsoft.com/office/drawing/2014/main" id="{40A46DD3-E595-E649-960B-8B9F1334CA29}"/>
-              </a:ext>
-            </a:extLst>
-          </p:cNvPr>
-          <p:cNvGraphicFramePr>
-            <a:graphicFrameLocks noGrp="1"/>
-          </p:cNvGraphicFramePr>
-          <p:nvPr>
-            <p:ph idx="1"/>
-            <p:extLst>
-              <p:ext uri="{D42A27DB-BD31-4B8C-83A1-F6EECF244321}">
-                <p14:modId xmlns:p14="http://schemas.microsoft.com/office/powerpoint/2010/main" val="789231804"/>
-              </p:ext>
-            </p:extLst>
-          </p:nvPr>
-        </p:nvGraphicFramePr>
-        <p:xfrm>
-          <a:off x="838200" y="1825625"/>
-          <a:ext cx="10515600" cy="4079240"/>
-        </p:xfrm>
-        <a:graphic>
-          <a:graphicData uri="http://schemas.openxmlformats.org/drawingml/2006/table">
-            <a:tbl>
-              <a:tblPr bandRow="1">
-                <a:tableStyleId>{C083E6E3-FA7D-4D7B-A595-EF9225AFEA82}</a:tableStyleId>
-              </a:tblPr>
-              <a:tblGrid>
-                <a:gridCol w="10515600">
-                  <a:extLst>
-                    <a:ext uri="{9D8B030D-6E8A-4147-A177-3AD203B41FA5}">
-                      <a16:colId xmlns:a16="http://schemas.microsoft.com/office/drawing/2014/main" val="3565431365"/>
-                    </a:ext>
-                  </a:extLst>
-                </a:gridCol>
-              </a:tblGrid>
-              <a:tr h="370840">
-                <a:tc>
-                  <a:txBody>
-                    <a:bodyPr/>
-                    <a:lstStyle/>
-                    <a:p>
-                      <a:r>
-                        <a:rPr lang="en-US" b="1" dirty="0"/>
-                        <a:t>Summary</a:t>
-                      </a:r>
-                      <a:r>
-                        <a:rPr lang="en-US" dirty="0"/>
-                        <a:t>: Consists of an ordered sequence of layers offering a set of services</a:t>
-                      </a:r>
-                    </a:p>
-                  </a:txBody>
-                  <a:tcPr/>
-                </a:tc>
-                <a:extLst>
-                  <a:ext uri="{0D108BD9-81ED-4DB2-BD59-A6C34878D82A}">
-                    <a16:rowId xmlns:a16="http://schemas.microsoft.com/office/drawing/2014/main" val="1920818122"/>
-                  </a:ext>
-                </a:extLst>
-              </a:tr>
-              <a:tr h="370840">
-                <a:tc>
-                  <a:txBody>
-                    <a:bodyPr/>
-                    <a:lstStyle/>
-                    <a:p>
-                      <a:r>
-                        <a:rPr lang="en-US" b="1" dirty="0"/>
-                        <a:t>Components</a:t>
-                      </a:r>
-                      <a:r>
-                        <a:rPr lang="en-US" dirty="0"/>
-                        <a:t>: Layers offering services, typically comprising several programs</a:t>
-                      </a:r>
-                    </a:p>
-                  </a:txBody>
-                  <a:tcPr/>
-                </a:tc>
-                <a:extLst>
-                  <a:ext uri="{0D108BD9-81ED-4DB2-BD59-A6C34878D82A}">
-                    <a16:rowId xmlns:a16="http://schemas.microsoft.com/office/drawing/2014/main" val="1353163784"/>
-                  </a:ext>
-                </a:extLst>
-              </a:tr>
-              <a:tr h="370840">
-                <a:tc>
-                  <a:txBody>
-                    <a:bodyPr/>
-                    <a:lstStyle/>
-                    <a:p>
-                      <a:r>
-                        <a:rPr lang="en-US" b="1" dirty="0"/>
-                        <a:t>Connectors</a:t>
-                      </a:r>
-                      <a:r>
-                        <a:rPr lang="en-US" dirty="0"/>
-                        <a:t>: Typically procedure calls</a:t>
-                      </a:r>
-                    </a:p>
-                  </a:txBody>
-                  <a:tcPr/>
-                </a:tc>
-                <a:extLst>
-                  <a:ext uri="{0D108BD9-81ED-4DB2-BD59-A6C34878D82A}">
-                    <a16:rowId xmlns:a16="http://schemas.microsoft.com/office/drawing/2014/main" val="1839859950"/>
-                  </a:ext>
-                </a:extLst>
-              </a:tr>
-              <a:tr h="370840">
-                <a:tc>
-                  <a:txBody>
-                    <a:bodyPr/>
-                    <a:lstStyle/>
-                    <a:p>
-                      <a:r>
-                        <a:rPr lang="en-US" b="1" dirty="0"/>
-                        <a:t>Data elements</a:t>
-                      </a:r>
-                      <a:r>
-                        <a:rPr lang="en-US" dirty="0"/>
-                        <a:t>: Parameters passed between layers</a:t>
-                      </a:r>
-                    </a:p>
-                  </a:txBody>
-                  <a:tcPr/>
-                </a:tc>
-                <a:extLst>
-                  <a:ext uri="{0D108BD9-81ED-4DB2-BD59-A6C34878D82A}">
-                    <a16:rowId xmlns:a16="http://schemas.microsoft.com/office/drawing/2014/main" val="2559742039"/>
-                  </a:ext>
-                </a:extLst>
-              </a:tr>
-              <a:tr h="370840">
-                <a:tc>
-                  <a:txBody>
-                    <a:bodyPr/>
-                    <a:lstStyle/>
-                    <a:p>
-                      <a:r>
-                        <a:rPr lang="en-US" b="1" dirty="0"/>
-                        <a:t>Topology</a:t>
-                      </a:r>
-                      <a:r>
-                        <a:rPr lang="en-US" dirty="0"/>
-                        <a:t>: Typically linear, can be directed acyclic graph</a:t>
-                      </a:r>
-                    </a:p>
-                  </a:txBody>
-                  <a:tcPr/>
-                </a:tc>
-                <a:extLst>
-                  <a:ext uri="{0D108BD9-81ED-4DB2-BD59-A6C34878D82A}">
-                    <a16:rowId xmlns:a16="http://schemas.microsoft.com/office/drawing/2014/main" val="2071415196"/>
-                  </a:ext>
-                </a:extLst>
-              </a:tr>
-              <a:tr h="370840">
-                <a:tc>
-                  <a:txBody>
-                    <a:bodyPr/>
-                    <a:lstStyle/>
-                    <a:p>
-                      <a:r>
-                        <a:rPr lang="en-US" b="1" dirty="0"/>
-                        <a:t>Additional constraints</a:t>
-                      </a:r>
-                      <a:r>
-                        <a:rPr lang="en-US" dirty="0"/>
-                        <a:t>: None</a:t>
-                      </a:r>
-                    </a:p>
-                  </a:txBody>
-                  <a:tcPr/>
-                </a:tc>
-                <a:extLst>
-                  <a:ext uri="{0D108BD9-81ED-4DB2-BD59-A6C34878D82A}">
-                    <a16:rowId xmlns:a16="http://schemas.microsoft.com/office/drawing/2014/main" val="1844578667"/>
-                  </a:ext>
-                </a:extLst>
-              </a:tr>
-              <a:tr h="370840">
-                <a:tc>
-                  <a:txBody>
-                    <a:bodyPr/>
-                    <a:lstStyle/>
-                    <a:p>
-                      <a:r>
-                        <a:rPr lang="en-US" b="1" dirty="0"/>
-                        <a:t>Qualities</a:t>
-                      </a:r>
-                      <a:r>
-                        <a:rPr lang="en-US" dirty="0"/>
-                        <a:t>: Clear dependence structure; independence of layers assuming invariant specifications</a:t>
-                      </a:r>
-                    </a:p>
-                  </a:txBody>
-                  <a:tcPr/>
-                </a:tc>
-                <a:extLst>
-                  <a:ext uri="{0D108BD9-81ED-4DB2-BD59-A6C34878D82A}">
-                    <a16:rowId xmlns:a16="http://schemas.microsoft.com/office/drawing/2014/main" val="3672103038"/>
-                  </a:ext>
-                </a:extLst>
-              </a:tr>
-              <a:tr h="370840">
-                <a:tc>
-                  <a:txBody>
-                    <a:bodyPr/>
-                    <a:lstStyle/>
-                    <a:p>
-                      <a:endParaRPr lang="en-US" dirty="0"/>
-                    </a:p>
-                  </a:txBody>
-                  <a:tcPr/>
-                </a:tc>
-                <a:extLst>
-                  <a:ext uri="{0D108BD9-81ED-4DB2-BD59-A6C34878D82A}">
-                    <a16:rowId xmlns:a16="http://schemas.microsoft.com/office/drawing/2014/main" val="1459849202"/>
-                  </a:ext>
-                </a:extLst>
-              </a:tr>
-              <a:tr h="370840">
-                <a:tc>
-                  <a:txBody>
-                    <a:bodyPr/>
-                    <a:lstStyle/>
-                    <a:p>
-                      <a:r>
-                        <a:rPr lang="en-US" b="1" dirty="0"/>
-                        <a:t>Typical uses</a:t>
-                      </a:r>
-                      <a:r>
-                        <a:rPr lang="en-US" dirty="0"/>
-                        <a:t>: Operating system design; network stacks</a:t>
-                      </a:r>
-                    </a:p>
-                  </a:txBody>
-                  <a:tcPr/>
-                </a:tc>
-                <a:extLst>
-                  <a:ext uri="{0D108BD9-81ED-4DB2-BD59-A6C34878D82A}">
-                    <a16:rowId xmlns:a16="http://schemas.microsoft.com/office/drawing/2014/main" val="2052877018"/>
-                  </a:ext>
-                </a:extLst>
-              </a:tr>
-              <a:tr h="370840">
-                <a:tc>
-                  <a:txBody>
-                    <a:bodyPr/>
-                    <a:lstStyle/>
-                    <a:p>
-                      <a:r>
-                        <a:rPr lang="en-US" b="1" dirty="0"/>
-                        <a:t>Cautions</a:t>
-                      </a:r>
-                      <a:r>
-                        <a:rPr lang="en-US" dirty="0"/>
-                        <a:t>: Strict machines with many layers can be inefficient</a:t>
-                      </a:r>
-                    </a:p>
-                  </a:txBody>
-                  <a:tcPr/>
-                </a:tc>
-                <a:extLst>
-                  <a:ext uri="{0D108BD9-81ED-4DB2-BD59-A6C34878D82A}">
-                    <a16:rowId xmlns:a16="http://schemas.microsoft.com/office/drawing/2014/main" val="231181336"/>
-                  </a:ext>
-                </a:extLst>
-              </a:tr>
-              <a:tr h="370840">
-                <a:tc>
-                  <a:txBody>
-                    <a:bodyPr/>
-                    <a:lstStyle/>
-                    <a:p>
-                      <a:r>
-                        <a:rPr lang="en-US" b="1" dirty="0"/>
-                        <a:t>Lang. / </a:t>
-                      </a:r>
-                      <a:r>
-                        <a:rPr lang="en-US" b="1" dirty="0" err="1"/>
-                        <a:t>env</a:t>
-                      </a:r>
-                      <a:r>
-                        <a:rPr lang="en-US" b="1" dirty="0"/>
-                        <a:t>. relationships</a:t>
-                      </a:r>
-                      <a:r>
-                        <a:rPr lang="en-US" dirty="0"/>
-                        <a:t>:</a:t>
-                      </a:r>
-                    </a:p>
-                  </a:txBody>
-                  <a:tcPr/>
-                </a:tc>
-                <a:extLst>
-                  <a:ext uri="{0D108BD9-81ED-4DB2-BD59-A6C34878D82A}">
-                    <a16:rowId xmlns:a16="http://schemas.microsoft.com/office/drawing/2014/main" val="857360620"/>
-                  </a:ext>
-                </a:extLst>
-              </a:tr>
-            </a:tbl>
-          </a:graphicData>
-        </a:graphic>
-      </p:graphicFrame>
-    </p:spTree>
-    <p:extLst>
-      <p:ext uri="{BB962C8B-B14F-4D97-AF65-F5344CB8AC3E}">
-        <p14:creationId xmlns:p14="http://schemas.microsoft.com/office/powerpoint/2010/main" val="3849660161"/>
-      </p:ext>
-    </p:extLst>
-  </p:cSld>
-  <p:clrMapOvr>
-    <a:masterClrMapping/>
-  </p:clrMapOvr>
-</p:sld>
-</file>
-
-<file path=ppt/slides/slide27.xml><?xml version="1.0" encoding="utf-8"?>
-<p:sld xmlns:a="http://schemas.openxmlformats.org/drawingml/2006/main" xmlns:r="http://schemas.openxmlformats.org/officeDocument/2006/relationships" xmlns:p="http://schemas.openxmlformats.org/presentationml/2006/main">
-  <p:cSld>
-    <p:spTree>
-      <p:nvGrpSpPr>
-        <p:cNvPr id="1" name=""/>
-        <p:cNvGrpSpPr/>
-        <p:nvPr/>
-      </p:nvGrpSpPr>
-      <p:grpSpPr>
-        <a:xfrm>
-          <a:off x="0" y="0"/>
-          <a:ext cx="0" cy="0"/>
-          <a:chOff x="0" y="0"/>
-          <a:chExt cx="0" cy="0"/>
-        </a:xfrm>
-      </p:grpSpPr>
-      <p:sp>
-        <p:nvSpPr>
-          <p:cNvPr id="5" name="Title 4">
-            <a:extLst>
-              <a:ext uri="{FF2B5EF4-FFF2-40B4-BE49-F238E27FC236}">
-                <a16:creationId xmlns:a16="http://schemas.microsoft.com/office/drawing/2014/main" id="{6D2F4C59-1A85-2241-BA63-597393865818}"/>
-              </a:ext>
-            </a:extLst>
-          </p:cNvPr>
-          <p:cNvSpPr>
-            <a:spLocks noGrp="1"/>
-          </p:cNvSpPr>
-          <p:nvPr>
-            <p:ph type="title"/>
-          </p:nvPr>
-        </p:nvSpPr>
-        <p:spPr/>
-        <p:txBody>
-          <a:bodyPr/>
-          <a:lstStyle/>
-          <a:p>
-            <a:r>
-              <a:rPr lang="en-US" b="1" dirty="0"/>
-              <a:t>Style</a:t>
-            </a:r>
-            <a:r>
-              <a:rPr lang="en-US" dirty="0"/>
-              <a:t>: Client-server</a:t>
-            </a:r>
-          </a:p>
-        </p:txBody>
-      </p:sp>
-      <p:graphicFrame>
-        <p:nvGraphicFramePr>
-          <p:cNvPr id="7" name="Content Placeholder 6">
-            <a:extLst>
-              <a:ext uri="{FF2B5EF4-FFF2-40B4-BE49-F238E27FC236}">
-                <a16:creationId xmlns:a16="http://schemas.microsoft.com/office/drawing/2014/main" id="{40A46DD3-E595-E649-960B-8B9F1334CA29}"/>
-              </a:ext>
-            </a:extLst>
-          </p:cNvPr>
-          <p:cNvGraphicFramePr>
-            <a:graphicFrameLocks noGrp="1"/>
-          </p:cNvGraphicFramePr>
-          <p:nvPr>
-            <p:ph idx="1"/>
-            <p:extLst>
-              <p:ext uri="{D42A27DB-BD31-4B8C-83A1-F6EECF244321}">
-                <p14:modId xmlns:p14="http://schemas.microsoft.com/office/powerpoint/2010/main" val="2669972005"/>
-              </p:ext>
-            </p:extLst>
-          </p:nvPr>
-        </p:nvGraphicFramePr>
-        <p:xfrm>
-          <a:off x="838200" y="1825625"/>
-          <a:ext cx="10515600" cy="4079240"/>
-        </p:xfrm>
-        <a:graphic>
-          <a:graphicData uri="http://schemas.openxmlformats.org/drawingml/2006/table">
-            <a:tbl>
-              <a:tblPr bandRow="1">
-                <a:tableStyleId>{C083E6E3-FA7D-4D7B-A595-EF9225AFEA82}</a:tableStyleId>
-              </a:tblPr>
-              <a:tblGrid>
-                <a:gridCol w="10515600">
-                  <a:extLst>
-                    <a:ext uri="{9D8B030D-6E8A-4147-A177-3AD203B41FA5}">
-                      <a16:colId xmlns:a16="http://schemas.microsoft.com/office/drawing/2014/main" val="3565431365"/>
-                    </a:ext>
-                  </a:extLst>
-                </a:gridCol>
-              </a:tblGrid>
-              <a:tr h="370840">
-                <a:tc>
-                  <a:txBody>
-                    <a:bodyPr/>
-                    <a:lstStyle/>
-                    <a:p>
-                      <a:r>
-                        <a:rPr lang="en-US" b="1" dirty="0"/>
-                        <a:t>Summary</a:t>
-                      </a:r>
-                      <a:r>
-                        <a:rPr lang="en-US" dirty="0"/>
-                        <a:t>: Clients send requests to servers, which perform the action. Client-initiated interaction</a:t>
-                      </a:r>
-                    </a:p>
-                  </a:txBody>
-                  <a:tcPr/>
-                </a:tc>
-                <a:extLst>
-                  <a:ext uri="{0D108BD9-81ED-4DB2-BD59-A6C34878D82A}">
-                    <a16:rowId xmlns:a16="http://schemas.microsoft.com/office/drawing/2014/main" val="1920818122"/>
-                  </a:ext>
-                </a:extLst>
-              </a:tr>
-              <a:tr h="370840">
-                <a:tc>
-                  <a:txBody>
-                    <a:bodyPr/>
-                    <a:lstStyle/>
-                    <a:p>
-                      <a:r>
-                        <a:rPr lang="en-US" b="1" dirty="0"/>
-                        <a:t>Components</a:t>
-                      </a:r>
-                      <a:r>
-                        <a:rPr lang="en-US" dirty="0"/>
-                        <a:t>: Clients and servers</a:t>
-                      </a:r>
-                    </a:p>
-                  </a:txBody>
-                  <a:tcPr/>
-                </a:tc>
-                <a:extLst>
-                  <a:ext uri="{0D108BD9-81ED-4DB2-BD59-A6C34878D82A}">
-                    <a16:rowId xmlns:a16="http://schemas.microsoft.com/office/drawing/2014/main" val="1353163784"/>
-                  </a:ext>
-                </a:extLst>
-              </a:tr>
-              <a:tr h="370840">
-                <a:tc>
-                  <a:txBody>
-                    <a:bodyPr/>
-                    <a:lstStyle/>
-                    <a:p>
-                      <a:r>
-                        <a:rPr lang="en-US" b="1" dirty="0"/>
-                        <a:t>Connectors</a:t>
-                      </a:r>
-                      <a:r>
-                        <a:rPr lang="en-US" dirty="0"/>
-                        <a:t>: Remote procedure calls, network protocols</a:t>
-                      </a:r>
-                    </a:p>
-                  </a:txBody>
-                  <a:tcPr/>
-                </a:tc>
-                <a:extLst>
-                  <a:ext uri="{0D108BD9-81ED-4DB2-BD59-A6C34878D82A}">
-                    <a16:rowId xmlns:a16="http://schemas.microsoft.com/office/drawing/2014/main" val="1839859950"/>
-                  </a:ext>
-                </a:extLst>
-              </a:tr>
-              <a:tr h="370840">
-                <a:tc>
-                  <a:txBody>
-                    <a:bodyPr/>
-                    <a:lstStyle/>
-                    <a:p>
-                      <a:r>
-                        <a:rPr lang="en-US" b="1" dirty="0"/>
-                        <a:t>Data elements</a:t>
-                      </a:r>
-                      <a:r>
-                        <a:rPr lang="en-US" dirty="0"/>
-                        <a:t>: Parameters and return values as sent by connectors</a:t>
-                      </a:r>
-                    </a:p>
-                  </a:txBody>
-                  <a:tcPr/>
-                </a:tc>
-                <a:extLst>
-                  <a:ext uri="{0D108BD9-81ED-4DB2-BD59-A6C34878D82A}">
-                    <a16:rowId xmlns:a16="http://schemas.microsoft.com/office/drawing/2014/main" val="2559742039"/>
-                  </a:ext>
-                </a:extLst>
-              </a:tr>
-              <a:tr h="370840">
-                <a:tc>
-                  <a:txBody>
-                    <a:bodyPr/>
-                    <a:lstStyle/>
-                    <a:p>
-                      <a:r>
-                        <a:rPr lang="en-US" b="1" dirty="0"/>
-                        <a:t>Topology</a:t>
-                      </a:r>
-                      <a:r>
-                        <a:rPr lang="en-US" dirty="0"/>
-                        <a:t>: Two-level with multiple clients making requests to server</a:t>
-                      </a:r>
-                    </a:p>
-                  </a:txBody>
-                  <a:tcPr/>
-                </a:tc>
-                <a:extLst>
-                  <a:ext uri="{0D108BD9-81ED-4DB2-BD59-A6C34878D82A}">
-                    <a16:rowId xmlns:a16="http://schemas.microsoft.com/office/drawing/2014/main" val="2071415196"/>
-                  </a:ext>
-                </a:extLst>
-              </a:tr>
-              <a:tr h="370840">
-                <a:tc>
-                  <a:txBody>
-                    <a:bodyPr/>
-                    <a:lstStyle/>
-                    <a:p>
-                      <a:r>
-                        <a:rPr lang="en-US" b="1" dirty="0"/>
-                        <a:t>Additional constraints</a:t>
-                      </a:r>
-                      <a:r>
-                        <a:rPr lang="en-US" dirty="0"/>
-                        <a:t>: Client-to-client communication prohibited</a:t>
-                      </a:r>
-                    </a:p>
-                  </a:txBody>
-                  <a:tcPr/>
-                </a:tc>
-                <a:extLst>
-                  <a:ext uri="{0D108BD9-81ED-4DB2-BD59-A6C34878D82A}">
-                    <a16:rowId xmlns:a16="http://schemas.microsoft.com/office/drawing/2014/main" val="1844578667"/>
-                  </a:ext>
-                </a:extLst>
-              </a:tr>
-              <a:tr h="370840">
-                <a:tc>
-                  <a:txBody>
-                    <a:bodyPr/>
-                    <a:lstStyle/>
-                    <a:p>
-                      <a:r>
-                        <a:rPr lang="en-US" b="1" dirty="0"/>
-                        <a:t>Qualities</a:t>
-                      </a:r>
-                      <a:r>
-                        <a:rPr lang="en-US" dirty="0"/>
-                        <a:t>: Centralized computation and data; single big server can serve many clients</a:t>
-                      </a:r>
-                    </a:p>
-                  </a:txBody>
-                  <a:tcPr/>
-                </a:tc>
-                <a:extLst>
-                  <a:ext uri="{0D108BD9-81ED-4DB2-BD59-A6C34878D82A}">
-                    <a16:rowId xmlns:a16="http://schemas.microsoft.com/office/drawing/2014/main" val="3672103038"/>
-                  </a:ext>
-                </a:extLst>
-              </a:tr>
-              <a:tr h="370840">
-                <a:tc>
-                  <a:txBody>
-                    <a:bodyPr/>
-                    <a:lstStyle/>
-                    <a:p>
-                      <a:endParaRPr lang="en-US" dirty="0"/>
-                    </a:p>
-                  </a:txBody>
-                  <a:tcPr/>
-                </a:tc>
-                <a:extLst>
-                  <a:ext uri="{0D108BD9-81ED-4DB2-BD59-A6C34878D82A}">
-                    <a16:rowId xmlns:a16="http://schemas.microsoft.com/office/drawing/2014/main" val="1459849202"/>
-                  </a:ext>
-                </a:extLst>
-              </a:tr>
-              <a:tr h="370840">
-                <a:tc>
-                  <a:txBody>
-                    <a:bodyPr/>
-                    <a:lstStyle/>
-                    <a:p>
-                      <a:r>
-                        <a:rPr lang="en-US" b="1" dirty="0"/>
-                        <a:t>Typical uses</a:t>
-                      </a:r>
-                      <a:r>
-                        <a:rPr lang="en-US" dirty="0"/>
-                        <a:t>: Applications with centralized data requirement, or where client is simple interaction model</a:t>
-                      </a:r>
-                    </a:p>
-                  </a:txBody>
-                  <a:tcPr/>
-                </a:tc>
-                <a:extLst>
-                  <a:ext uri="{0D108BD9-81ED-4DB2-BD59-A6C34878D82A}">
-                    <a16:rowId xmlns:a16="http://schemas.microsoft.com/office/drawing/2014/main" val="2052877018"/>
-                  </a:ext>
-                </a:extLst>
-              </a:tr>
-              <a:tr h="370840">
-                <a:tc>
-                  <a:txBody>
-                    <a:bodyPr/>
-                    <a:lstStyle/>
-                    <a:p>
-                      <a:r>
-                        <a:rPr lang="en-US" b="1" dirty="0"/>
-                        <a:t>Cautions</a:t>
-                      </a:r>
-                      <a:r>
-                        <a:rPr lang="en-US" dirty="0"/>
-                        <a:t>: Network bandwidth constrains number of clients and response latency</a:t>
-                      </a:r>
-                    </a:p>
-                  </a:txBody>
-                  <a:tcPr/>
-                </a:tc>
-                <a:extLst>
-                  <a:ext uri="{0D108BD9-81ED-4DB2-BD59-A6C34878D82A}">
-                    <a16:rowId xmlns:a16="http://schemas.microsoft.com/office/drawing/2014/main" val="231181336"/>
-                  </a:ext>
-                </a:extLst>
-              </a:tr>
-              <a:tr h="370840">
-                <a:tc>
-                  <a:txBody>
-                    <a:bodyPr/>
-                    <a:lstStyle/>
-                    <a:p>
-                      <a:r>
-                        <a:rPr lang="en-US" b="1" dirty="0"/>
-                        <a:t>Lang. / </a:t>
-                      </a:r>
-                      <a:r>
-                        <a:rPr lang="en-US" b="1" dirty="0" err="1"/>
-                        <a:t>env</a:t>
-                      </a:r>
-                      <a:r>
-                        <a:rPr lang="en-US" b="1" dirty="0"/>
-                        <a:t>. relationships</a:t>
-                      </a:r>
-                      <a:r>
-                        <a:rPr lang="en-US" dirty="0"/>
-                        <a:t>:</a:t>
-                      </a:r>
-                    </a:p>
-                  </a:txBody>
-                  <a:tcPr/>
-                </a:tc>
-                <a:extLst>
-                  <a:ext uri="{0D108BD9-81ED-4DB2-BD59-A6C34878D82A}">
-                    <a16:rowId xmlns:a16="http://schemas.microsoft.com/office/drawing/2014/main" val="857360620"/>
-                  </a:ext>
-                </a:extLst>
-              </a:tr>
-            </a:tbl>
-          </a:graphicData>
-        </a:graphic>
-      </p:graphicFrame>
-    </p:spTree>
-    <p:extLst>
-      <p:ext uri="{BB962C8B-B14F-4D97-AF65-F5344CB8AC3E}">
-        <p14:creationId xmlns:p14="http://schemas.microsoft.com/office/powerpoint/2010/main" val="2959760314"/>
-      </p:ext>
-    </p:extLst>
-  </p:cSld>
-  <p:clrMapOvr>
-    <a:masterClrMapping/>
-  </p:clrMapOvr>
-</p:sld>
-</file>
-
-<file path=ppt/slides/slide28.xml><?xml version="1.0" encoding="utf-8"?>
-<p:sld xmlns:a="http://schemas.openxmlformats.org/drawingml/2006/main" xmlns:r="http://schemas.openxmlformats.org/officeDocument/2006/relationships" xmlns:p="http://schemas.openxmlformats.org/presentationml/2006/main">
-  <p:cSld>
-    <p:spTree>
-      <p:nvGrpSpPr>
-        <p:cNvPr id="1" name=""/>
-        <p:cNvGrpSpPr/>
-        <p:nvPr/>
-      </p:nvGrpSpPr>
-      <p:grpSpPr>
-        <a:xfrm>
-          <a:off x="0" y="0"/>
-          <a:ext cx="0" cy="0"/>
-          <a:chOff x="0" y="0"/>
-          <a:chExt cx="0" cy="0"/>
-        </a:xfrm>
-      </p:grpSpPr>
-      <p:sp>
-        <p:nvSpPr>
-          <p:cNvPr id="5" name="Title 4">
-            <a:extLst>
-              <a:ext uri="{FF2B5EF4-FFF2-40B4-BE49-F238E27FC236}">
-                <a16:creationId xmlns:a16="http://schemas.microsoft.com/office/drawing/2014/main" id="{6D2F4C59-1A85-2241-BA63-597393865818}"/>
-              </a:ext>
-            </a:extLst>
-          </p:cNvPr>
-          <p:cNvSpPr>
-            <a:spLocks noGrp="1"/>
-          </p:cNvSpPr>
-          <p:nvPr>
-            <p:ph type="title"/>
-          </p:nvPr>
-        </p:nvSpPr>
-        <p:spPr/>
-        <p:txBody>
-          <a:bodyPr/>
-          <a:lstStyle/>
-          <a:p>
-            <a:r>
-              <a:rPr lang="en-US" b="1" dirty="0"/>
-              <a:t>Style</a:t>
-            </a:r>
-            <a:r>
-              <a:rPr lang="en-US" dirty="0"/>
-              <a:t>: Batch sequential</a:t>
-            </a:r>
-          </a:p>
-        </p:txBody>
-      </p:sp>
-      <p:graphicFrame>
-        <p:nvGraphicFramePr>
-          <p:cNvPr id="7" name="Content Placeholder 6">
-            <a:extLst>
-              <a:ext uri="{FF2B5EF4-FFF2-40B4-BE49-F238E27FC236}">
-                <a16:creationId xmlns:a16="http://schemas.microsoft.com/office/drawing/2014/main" id="{40A46DD3-E595-E649-960B-8B9F1334CA29}"/>
-              </a:ext>
-            </a:extLst>
-          </p:cNvPr>
-          <p:cNvGraphicFramePr>
-            <a:graphicFrameLocks noGrp="1"/>
-          </p:cNvGraphicFramePr>
-          <p:nvPr>
-            <p:ph idx="1"/>
-            <p:extLst>
-              <p:ext uri="{D42A27DB-BD31-4B8C-83A1-F6EECF244321}">
-                <p14:modId xmlns:p14="http://schemas.microsoft.com/office/powerpoint/2010/main" val="224171471"/>
-              </p:ext>
-            </p:extLst>
-          </p:nvPr>
-        </p:nvGraphicFramePr>
-        <p:xfrm>
-          <a:off x="838200" y="1825625"/>
-          <a:ext cx="10515600" cy="4079240"/>
-        </p:xfrm>
-        <a:graphic>
-          <a:graphicData uri="http://schemas.openxmlformats.org/drawingml/2006/table">
-            <a:tbl>
-              <a:tblPr bandRow="1">
-                <a:tableStyleId>{C083E6E3-FA7D-4D7B-A595-EF9225AFEA82}</a:tableStyleId>
-              </a:tblPr>
-              <a:tblGrid>
-                <a:gridCol w="10515600">
-                  <a:extLst>
-                    <a:ext uri="{9D8B030D-6E8A-4147-A177-3AD203B41FA5}">
-                      <a16:colId xmlns:a16="http://schemas.microsoft.com/office/drawing/2014/main" val="3565431365"/>
-                    </a:ext>
-                  </a:extLst>
-                </a:gridCol>
-              </a:tblGrid>
-              <a:tr h="370840">
-                <a:tc>
-                  <a:txBody>
-                    <a:bodyPr/>
-                    <a:lstStyle/>
-                    <a:p>
-                      <a:r>
-                        <a:rPr lang="en-US" b="1" dirty="0"/>
-                        <a:t>Summary</a:t>
-                      </a:r>
-                      <a:r>
-                        <a:rPr lang="en-US" dirty="0"/>
-                        <a:t>: Separate programs are executed in order, data passed as aggregate between programs</a:t>
-                      </a:r>
-                    </a:p>
-                  </a:txBody>
-                  <a:tcPr/>
-                </a:tc>
-                <a:extLst>
-                  <a:ext uri="{0D108BD9-81ED-4DB2-BD59-A6C34878D82A}">
-                    <a16:rowId xmlns:a16="http://schemas.microsoft.com/office/drawing/2014/main" val="1920818122"/>
-                  </a:ext>
-                </a:extLst>
-              </a:tr>
-              <a:tr h="370840">
-                <a:tc>
-                  <a:txBody>
-                    <a:bodyPr/>
-                    <a:lstStyle/>
-                    <a:p>
-                      <a:r>
-                        <a:rPr lang="en-US" b="1" dirty="0"/>
-                        <a:t>Components</a:t>
-                      </a:r>
-                      <a:r>
-                        <a:rPr lang="en-US" dirty="0"/>
-                        <a:t>: Independent programs</a:t>
-                      </a:r>
-                    </a:p>
-                  </a:txBody>
-                  <a:tcPr/>
-                </a:tc>
-                <a:extLst>
-                  <a:ext uri="{0D108BD9-81ED-4DB2-BD59-A6C34878D82A}">
-                    <a16:rowId xmlns:a16="http://schemas.microsoft.com/office/drawing/2014/main" val="1353163784"/>
-                  </a:ext>
-                </a:extLst>
-              </a:tr>
-              <a:tr h="370840">
-                <a:tc>
-                  <a:txBody>
-                    <a:bodyPr/>
-                    <a:lstStyle/>
-                    <a:p>
-                      <a:r>
-                        <a:rPr lang="en-US" b="1" dirty="0"/>
-                        <a:t>Connectors</a:t>
-                      </a:r>
-                      <a:r>
-                        <a:rPr lang="en-US" dirty="0"/>
-                        <a:t>: The human hand carrying data between invocations – a.k.a. sneaker net</a:t>
-                      </a:r>
-                    </a:p>
-                  </a:txBody>
-                  <a:tcPr/>
-                </a:tc>
-                <a:extLst>
-                  <a:ext uri="{0D108BD9-81ED-4DB2-BD59-A6C34878D82A}">
-                    <a16:rowId xmlns:a16="http://schemas.microsoft.com/office/drawing/2014/main" val="1839859950"/>
-                  </a:ext>
-                </a:extLst>
-              </a:tr>
-              <a:tr h="370840">
-                <a:tc>
-                  <a:txBody>
-                    <a:bodyPr/>
-                    <a:lstStyle/>
-                    <a:p>
-                      <a:r>
-                        <a:rPr lang="en-US" b="1" dirty="0"/>
-                        <a:t>Data elements</a:t>
-                      </a:r>
-                      <a:r>
-                        <a:rPr lang="en-US" dirty="0"/>
-                        <a:t>: Explicit, aggregate elements passed from one program to the next</a:t>
-                      </a:r>
-                    </a:p>
-                  </a:txBody>
-                  <a:tcPr/>
-                </a:tc>
-                <a:extLst>
-                  <a:ext uri="{0D108BD9-81ED-4DB2-BD59-A6C34878D82A}">
-                    <a16:rowId xmlns:a16="http://schemas.microsoft.com/office/drawing/2014/main" val="2559742039"/>
-                  </a:ext>
-                </a:extLst>
-              </a:tr>
-              <a:tr h="370840">
-                <a:tc>
-                  <a:txBody>
-                    <a:bodyPr/>
-                    <a:lstStyle/>
-                    <a:p>
-                      <a:r>
-                        <a:rPr lang="en-US" b="1" dirty="0"/>
-                        <a:t>Topology</a:t>
-                      </a:r>
-                      <a:r>
-                        <a:rPr lang="en-US" dirty="0"/>
-                        <a:t>: Linear</a:t>
-                      </a:r>
-                    </a:p>
-                  </a:txBody>
-                  <a:tcPr/>
-                </a:tc>
-                <a:extLst>
-                  <a:ext uri="{0D108BD9-81ED-4DB2-BD59-A6C34878D82A}">
-                    <a16:rowId xmlns:a16="http://schemas.microsoft.com/office/drawing/2014/main" val="2071415196"/>
-                  </a:ext>
-                </a:extLst>
-              </a:tr>
-              <a:tr h="370840">
-                <a:tc>
-                  <a:txBody>
-                    <a:bodyPr/>
-                    <a:lstStyle/>
-                    <a:p>
-                      <a:r>
-                        <a:rPr lang="en-US" b="1" dirty="0"/>
-                        <a:t>Additional constraints</a:t>
-                      </a:r>
-                      <a:r>
-                        <a:rPr lang="en-US" dirty="0"/>
-                        <a:t>: One program at a time, to completion</a:t>
-                      </a:r>
-                    </a:p>
-                  </a:txBody>
-                  <a:tcPr/>
-                </a:tc>
-                <a:extLst>
-                  <a:ext uri="{0D108BD9-81ED-4DB2-BD59-A6C34878D82A}">
-                    <a16:rowId xmlns:a16="http://schemas.microsoft.com/office/drawing/2014/main" val="1844578667"/>
-                  </a:ext>
-                </a:extLst>
-              </a:tr>
-              <a:tr h="370840">
-                <a:tc>
-                  <a:txBody>
-                    <a:bodyPr/>
-                    <a:lstStyle/>
-                    <a:p>
-                      <a:r>
-                        <a:rPr lang="en-US" b="1" dirty="0"/>
-                        <a:t>Qualities</a:t>
-                      </a:r>
-                      <a:r>
-                        <a:rPr lang="en-US" dirty="0"/>
-                        <a:t>: Several execution, simplicity</a:t>
-                      </a:r>
-                    </a:p>
-                  </a:txBody>
-                  <a:tcPr/>
-                </a:tc>
-                <a:extLst>
-                  <a:ext uri="{0D108BD9-81ED-4DB2-BD59-A6C34878D82A}">
-                    <a16:rowId xmlns:a16="http://schemas.microsoft.com/office/drawing/2014/main" val="3672103038"/>
-                  </a:ext>
-                </a:extLst>
-              </a:tr>
-              <a:tr h="370840">
-                <a:tc>
-                  <a:txBody>
-                    <a:bodyPr/>
-                    <a:lstStyle/>
-                    <a:p>
-                      <a:endParaRPr lang="en-US" dirty="0"/>
-                    </a:p>
-                  </a:txBody>
-                  <a:tcPr/>
-                </a:tc>
-                <a:extLst>
-                  <a:ext uri="{0D108BD9-81ED-4DB2-BD59-A6C34878D82A}">
-                    <a16:rowId xmlns:a16="http://schemas.microsoft.com/office/drawing/2014/main" val="1459849202"/>
-                  </a:ext>
-                </a:extLst>
-              </a:tr>
-              <a:tr h="370840">
-                <a:tc>
-                  <a:txBody>
-                    <a:bodyPr/>
-                    <a:lstStyle/>
-                    <a:p>
-                      <a:r>
-                        <a:rPr lang="en-US" b="1" dirty="0"/>
-                        <a:t>Typical uses</a:t>
-                      </a:r>
-                      <a:r>
-                        <a:rPr lang="en-US" dirty="0"/>
-                        <a:t>: Transaction processing in large financial systems</a:t>
-                      </a:r>
-                    </a:p>
-                  </a:txBody>
-                  <a:tcPr/>
-                </a:tc>
-                <a:extLst>
-                  <a:ext uri="{0D108BD9-81ED-4DB2-BD59-A6C34878D82A}">
-                    <a16:rowId xmlns:a16="http://schemas.microsoft.com/office/drawing/2014/main" val="2052877018"/>
-                  </a:ext>
-                </a:extLst>
-              </a:tr>
-              <a:tr h="370840">
-                <a:tc>
-                  <a:txBody>
-                    <a:bodyPr/>
-                    <a:lstStyle/>
-                    <a:p>
-                      <a:r>
-                        <a:rPr lang="en-US" b="1" dirty="0"/>
-                        <a:t>Cautions</a:t>
-                      </a:r>
-                      <a:r>
-                        <a:rPr lang="en-US" dirty="0"/>
-                        <a:t>: When components need to interact; when concurrency is possible or required</a:t>
-                      </a:r>
-                    </a:p>
-                  </a:txBody>
-                  <a:tcPr/>
-                </a:tc>
-                <a:extLst>
-                  <a:ext uri="{0D108BD9-81ED-4DB2-BD59-A6C34878D82A}">
-                    <a16:rowId xmlns:a16="http://schemas.microsoft.com/office/drawing/2014/main" val="231181336"/>
-                  </a:ext>
-                </a:extLst>
-              </a:tr>
-              <a:tr h="370840">
-                <a:tc>
-                  <a:txBody>
-                    <a:bodyPr/>
-                    <a:lstStyle/>
-                    <a:p>
-                      <a:r>
-                        <a:rPr lang="en-US" b="1" dirty="0"/>
-                        <a:t>Lang. / </a:t>
-                      </a:r>
-                      <a:r>
-                        <a:rPr lang="en-US" b="1" dirty="0" err="1"/>
-                        <a:t>env</a:t>
-                      </a:r>
-                      <a:r>
-                        <a:rPr lang="en-US" b="1" dirty="0"/>
-                        <a:t>. relationships</a:t>
-                      </a:r>
-                      <a:r>
-                        <a:rPr lang="en-US" dirty="0"/>
-                        <a:t>:</a:t>
-                      </a:r>
-                    </a:p>
-                  </a:txBody>
-                  <a:tcPr/>
-                </a:tc>
-                <a:extLst>
-                  <a:ext uri="{0D108BD9-81ED-4DB2-BD59-A6C34878D82A}">
-                    <a16:rowId xmlns:a16="http://schemas.microsoft.com/office/drawing/2014/main" val="857360620"/>
-                  </a:ext>
-                </a:extLst>
-              </a:tr>
-            </a:tbl>
-          </a:graphicData>
-        </a:graphic>
-      </p:graphicFrame>
-    </p:spTree>
-    <p:extLst>
-      <p:ext uri="{BB962C8B-B14F-4D97-AF65-F5344CB8AC3E}">
-        <p14:creationId xmlns:p14="http://schemas.microsoft.com/office/powerpoint/2010/main" val="1325207041"/>
-      </p:ext>
-    </p:extLst>
-  </p:cSld>
-  <p:clrMapOvr>
-    <a:masterClrMapping/>
-  </p:clrMapOvr>
-</p:sld>
-</file>
-
-<file path=ppt/slides/slide29.xml><?xml version="1.0" encoding="utf-8"?>
-<p:sld xmlns:a="http://schemas.openxmlformats.org/drawingml/2006/main" xmlns:r="http://schemas.openxmlformats.org/officeDocument/2006/relationships" xmlns:p="http://schemas.openxmlformats.org/presentationml/2006/main">
-  <p:cSld>
-    <p:spTree>
-      <p:nvGrpSpPr>
-        <p:cNvPr id="1" name=""/>
-        <p:cNvGrpSpPr/>
-        <p:nvPr/>
-      </p:nvGrpSpPr>
-      <p:grpSpPr>
-        <a:xfrm>
-          <a:off x="0" y="0"/>
-          <a:ext cx="0" cy="0"/>
-          <a:chOff x="0" y="0"/>
-          <a:chExt cx="0" cy="0"/>
-        </a:xfrm>
-      </p:grpSpPr>
-      <p:sp>
-        <p:nvSpPr>
-          <p:cNvPr id="5" name="Title 4">
-            <a:extLst>
-              <a:ext uri="{FF2B5EF4-FFF2-40B4-BE49-F238E27FC236}">
-                <a16:creationId xmlns:a16="http://schemas.microsoft.com/office/drawing/2014/main" id="{6D2F4C59-1A85-2241-BA63-597393865818}"/>
-              </a:ext>
-            </a:extLst>
-          </p:cNvPr>
-          <p:cNvSpPr>
-            <a:spLocks noGrp="1"/>
-          </p:cNvSpPr>
-          <p:nvPr>
-            <p:ph type="title"/>
-          </p:nvPr>
-        </p:nvSpPr>
-        <p:spPr/>
-        <p:txBody>
-          <a:bodyPr/>
-          <a:lstStyle/>
-          <a:p>
-            <a:r>
-              <a:rPr lang="en-US" b="1" dirty="0"/>
-              <a:t>Style</a:t>
-            </a:r>
-            <a:r>
-              <a:rPr lang="en-US" dirty="0"/>
-              <a:t>: Pipe-and-filter</a:t>
-            </a:r>
-          </a:p>
-        </p:txBody>
-      </p:sp>
-      <p:graphicFrame>
-        <p:nvGraphicFramePr>
-          <p:cNvPr id="7" name="Content Placeholder 6">
-            <a:extLst>
-              <a:ext uri="{FF2B5EF4-FFF2-40B4-BE49-F238E27FC236}">
-                <a16:creationId xmlns:a16="http://schemas.microsoft.com/office/drawing/2014/main" id="{40A46DD3-E595-E649-960B-8B9F1334CA29}"/>
-              </a:ext>
-            </a:extLst>
-          </p:cNvPr>
-          <p:cNvGraphicFramePr>
-            <a:graphicFrameLocks noGrp="1"/>
-          </p:cNvGraphicFramePr>
-          <p:nvPr>
-            <p:ph idx="1"/>
-            <p:extLst>
-              <p:ext uri="{D42A27DB-BD31-4B8C-83A1-F6EECF244321}">
-                <p14:modId xmlns:p14="http://schemas.microsoft.com/office/powerpoint/2010/main" val="1483335111"/>
-              </p:ext>
-            </p:extLst>
-          </p:nvPr>
-        </p:nvGraphicFramePr>
-        <p:xfrm>
-          <a:off x="838200" y="1825625"/>
-          <a:ext cx="10515600" cy="4079240"/>
-        </p:xfrm>
-        <a:graphic>
-          <a:graphicData uri="http://schemas.openxmlformats.org/drawingml/2006/table">
-            <a:tbl>
-              <a:tblPr bandRow="1">
-                <a:tableStyleId>{C083E6E3-FA7D-4D7B-A595-EF9225AFEA82}</a:tableStyleId>
-              </a:tblPr>
-              <a:tblGrid>
-                <a:gridCol w="10515600">
-                  <a:extLst>
-                    <a:ext uri="{9D8B030D-6E8A-4147-A177-3AD203B41FA5}">
-                      <a16:colId xmlns:a16="http://schemas.microsoft.com/office/drawing/2014/main" val="3565431365"/>
-                    </a:ext>
-                  </a:extLst>
-                </a:gridCol>
-              </a:tblGrid>
-              <a:tr h="370840">
-                <a:tc>
-                  <a:txBody>
-                    <a:bodyPr/>
-                    <a:lstStyle/>
-                    <a:p>
-                      <a:r>
-                        <a:rPr lang="en-US" b="1" dirty="0"/>
-                        <a:t>Summary</a:t>
-                      </a:r>
-                      <a:r>
-                        <a:rPr lang="en-US" dirty="0"/>
-                        <a:t>: Separate programs are executed, potentially concurrently, data passed as stream</a:t>
-                      </a:r>
-                    </a:p>
-                  </a:txBody>
-                  <a:tcPr/>
-                </a:tc>
-                <a:extLst>
-                  <a:ext uri="{0D108BD9-81ED-4DB2-BD59-A6C34878D82A}">
-                    <a16:rowId xmlns:a16="http://schemas.microsoft.com/office/drawing/2014/main" val="1920818122"/>
-                  </a:ext>
-                </a:extLst>
-              </a:tr>
-              <a:tr h="370840">
-                <a:tc>
-                  <a:txBody>
-                    <a:bodyPr/>
-                    <a:lstStyle/>
-                    <a:p>
-                      <a:r>
-                        <a:rPr lang="en-US" b="1" dirty="0"/>
-                        <a:t>Components</a:t>
-                      </a:r>
-                      <a:r>
-                        <a:rPr lang="en-US" dirty="0"/>
-                        <a:t>: Independent programs, known as filters</a:t>
-                      </a:r>
-                    </a:p>
-                  </a:txBody>
-                  <a:tcPr/>
-                </a:tc>
-                <a:extLst>
-                  <a:ext uri="{0D108BD9-81ED-4DB2-BD59-A6C34878D82A}">
-                    <a16:rowId xmlns:a16="http://schemas.microsoft.com/office/drawing/2014/main" val="1353163784"/>
-                  </a:ext>
-                </a:extLst>
-              </a:tr>
-              <a:tr h="370840">
-                <a:tc>
-                  <a:txBody>
-                    <a:bodyPr/>
-                    <a:lstStyle/>
-                    <a:p>
-                      <a:r>
-                        <a:rPr lang="en-US" b="1" dirty="0"/>
-                        <a:t>Connectors</a:t>
-                      </a:r>
-                      <a:r>
-                        <a:rPr lang="en-US" dirty="0"/>
-                        <a:t>: Explicit routers of data streams; many times with operating system support</a:t>
-                      </a:r>
-                    </a:p>
-                  </a:txBody>
-                  <a:tcPr/>
-                </a:tc>
-                <a:extLst>
-                  <a:ext uri="{0D108BD9-81ED-4DB2-BD59-A6C34878D82A}">
-                    <a16:rowId xmlns:a16="http://schemas.microsoft.com/office/drawing/2014/main" val="1839859950"/>
-                  </a:ext>
-                </a:extLst>
-              </a:tr>
-              <a:tr h="370840">
-                <a:tc>
-                  <a:txBody>
-                    <a:bodyPr/>
-                    <a:lstStyle/>
-                    <a:p>
-                      <a:r>
-                        <a:rPr lang="en-US" b="1" dirty="0"/>
-                        <a:t>Data elements</a:t>
-                      </a:r>
-                      <a:r>
-                        <a:rPr lang="en-US" dirty="0"/>
-                        <a:t>: Not explicit, must be (linear) data streams. Typically text via </a:t>
-                      </a:r>
-                      <a:r>
-                        <a:rPr lang="en-US" dirty="0" err="1"/>
-                        <a:t>stdio</a:t>
-                      </a:r>
-                      <a:endParaRPr lang="en-US" dirty="0"/>
-                    </a:p>
-                  </a:txBody>
-                  <a:tcPr/>
-                </a:tc>
-                <a:extLst>
-                  <a:ext uri="{0D108BD9-81ED-4DB2-BD59-A6C34878D82A}">
-                    <a16:rowId xmlns:a16="http://schemas.microsoft.com/office/drawing/2014/main" val="2559742039"/>
-                  </a:ext>
-                </a:extLst>
-              </a:tr>
-              <a:tr h="370840">
-                <a:tc>
-                  <a:txBody>
-                    <a:bodyPr/>
-                    <a:lstStyle/>
-                    <a:p>
-                      <a:r>
-                        <a:rPr lang="en-US" b="1" dirty="0"/>
-                        <a:t>Topology</a:t>
-                      </a:r>
-                      <a:r>
-                        <a:rPr lang="en-US" dirty="0"/>
-                        <a:t>: Pipeline, thought it’s possible to have T fittings</a:t>
-                      </a:r>
-                    </a:p>
-                  </a:txBody>
-                  <a:tcPr/>
-                </a:tc>
-                <a:extLst>
-                  <a:ext uri="{0D108BD9-81ED-4DB2-BD59-A6C34878D82A}">
-                    <a16:rowId xmlns:a16="http://schemas.microsoft.com/office/drawing/2014/main" val="2071415196"/>
-                  </a:ext>
-                </a:extLst>
-              </a:tr>
-              <a:tr h="370840">
-                <a:tc>
-                  <a:txBody>
-                    <a:bodyPr/>
-                    <a:lstStyle/>
-                    <a:p>
-                      <a:r>
-                        <a:rPr lang="en-US" b="1" dirty="0"/>
-                        <a:t>Additional constraints</a:t>
-                      </a:r>
-                      <a:r>
-                        <a:rPr lang="en-US" dirty="0"/>
-                        <a:t>:</a:t>
-                      </a:r>
-                    </a:p>
-                  </a:txBody>
-                  <a:tcPr/>
-                </a:tc>
-                <a:extLst>
-                  <a:ext uri="{0D108BD9-81ED-4DB2-BD59-A6C34878D82A}">
-                    <a16:rowId xmlns:a16="http://schemas.microsoft.com/office/drawing/2014/main" val="1844578667"/>
-                  </a:ext>
-                </a:extLst>
-              </a:tr>
-              <a:tr h="370840">
-                <a:tc>
-                  <a:txBody>
-                    <a:bodyPr/>
-                    <a:lstStyle/>
-                    <a:p>
-                      <a:r>
-                        <a:rPr lang="en-US" b="1" dirty="0"/>
-                        <a:t>Qualities</a:t>
-                      </a:r>
-                      <a:r>
-                        <a:rPr lang="en-US" dirty="0"/>
-                        <a:t>: Filters are mutually independent. Simple structure facilitates novel combinations</a:t>
-                      </a:r>
-                    </a:p>
-                  </a:txBody>
-                  <a:tcPr/>
-                </a:tc>
-                <a:extLst>
-                  <a:ext uri="{0D108BD9-81ED-4DB2-BD59-A6C34878D82A}">
-                    <a16:rowId xmlns:a16="http://schemas.microsoft.com/office/drawing/2014/main" val="3672103038"/>
-                  </a:ext>
-                </a:extLst>
-              </a:tr>
-              <a:tr h="370840">
-                <a:tc>
-                  <a:txBody>
-                    <a:bodyPr/>
-                    <a:lstStyle/>
-                    <a:p>
-                      <a:endParaRPr lang="en-US" dirty="0"/>
-                    </a:p>
-                  </a:txBody>
-                  <a:tcPr/>
-                </a:tc>
-                <a:extLst>
-                  <a:ext uri="{0D108BD9-81ED-4DB2-BD59-A6C34878D82A}">
-                    <a16:rowId xmlns:a16="http://schemas.microsoft.com/office/drawing/2014/main" val="1459849202"/>
-                  </a:ext>
-                </a:extLst>
-              </a:tr>
-              <a:tr h="370840">
-                <a:tc>
-                  <a:txBody>
-                    <a:bodyPr/>
-                    <a:lstStyle/>
-                    <a:p>
-                      <a:r>
-                        <a:rPr lang="en-US" b="1" dirty="0"/>
-                        <a:t>Typical uses</a:t>
-                      </a:r>
-                      <a:r>
-                        <a:rPr lang="en-US" dirty="0"/>
-                        <a:t>: Ubiquitous in operating system application programming</a:t>
-                      </a:r>
-                    </a:p>
-                  </a:txBody>
-                  <a:tcPr/>
-                </a:tc>
-                <a:extLst>
-                  <a:ext uri="{0D108BD9-81ED-4DB2-BD59-A6C34878D82A}">
-                    <a16:rowId xmlns:a16="http://schemas.microsoft.com/office/drawing/2014/main" val="2052877018"/>
-                  </a:ext>
-                </a:extLst>
-              </a:tr>
-              <a:tr h="370840">
-                <a:tc>
-                  <a:txBody>
-                    <a:bodyPr/>
-                    <a:lstStyle/>
-                    <a:p>
-                      <a:r>
-                        <a:rPr lang="en-US" b="1" dirty="0"/>
-                        <a:t>Cautions</a:t>
-                      </a:r>
-                      <a:r>
-                        <a:rPr lang="en-US" dirty="0"/>
-                        <a:t>: Watch for complex data structure exchange</a:t>
-                      </a:r>
-                    </a:p>
-                  </a:txBody>
-                  <a:tcPr/>
-                </a:tc>
-                <a:extLst>
-                  <a:ext uri="{0D108BD9-81ED-4DB2-BD59-A6C34878D82A}">
-                    <a16:rowId xmlns:a16="http://schemas.microsoft.com/office/drawing/2014/main" val="231181336"/>
-                  </a:ext>
-                </a:extLst>
-              </a:tr>
-              <a:tr h="370840">
-                <a:tc>
-                  <a:txBody>
-                    <a:bodyPr/>
-                    <a:lstStyle/>
-                    <a:p>
-                      <a:r>
-                        <a:rPr lang="en-US" b="1" dirty="0"/>
-                        <a:t>Lang. / </a:t>
-                      </a:r>
-                      <a:r>
-                        <a:rPr lang="en-US" b="1" dirty="0" err="1"/>
-                        <a:t>env</a:t>
-                      </a:r>
-                      <a:r>
-                        <a:rPr lang="en-US" b="1" dirty="0"/>
-                        <a:t>. relationships</a:t>
-                      </a:r>
-                      <a:r>
-                        <a:rPr lang="en-US" dirty="0"/>
-                        <a:t>: Prevalent (required?) in UNIX shells</a:t>
-                      </a:r>
-                    </a:p>
-                  </a:txBody>
-                  <a:tcPr/>
-                </a:tc>
-                <a:extLst>
-                  <a:ext uri="{0D108BD9-81ED-4DB2-BD59-A6C34878D82A}">
-                    <a16:rowId xmlns:a16="http://schemas.microsoft.com/office/drawing/2014/main" val="857360620"/>
-                  </a:ext>
-                </a:extLst>
-              </a:tr>
-            </a:tbl>
-          </a:graphicData>
-        </a:graphic>
-      </p:graphicFrame>
-    </p:spTree>
-    <p:extLst>
-      <p:ext uri="{BB962C8B-B14F-4D97-AF65-F5344CB8AC3E}">
-        <p14:creationId xmlns:p14="http://schemas.microsoft.com/office/powerpoint/2010/main" val="2201321733"/>
+        <p14:creationId xmlns:p14="http://schemas.microsoft.com/office/powerpoint/2010/main" val="1376343058"/>
       </p:ext>
     </p:extLst>
   </p:cSld>
@@ -12012,3391 +9831,6 @@
     <p:extLst>
       <p:ext uri="{BB962C8B-B14F-4D97-AF65-F5344CB8AC3E}">
         <p14:creationId xmlns:p14="http://schemas.microsoft.com/office/powerpoint/2010/main" val="1638160788"/>
-      </p:ext>
-    </p:extLst>
-  </p:cSld>
-  <p:clrMapOvr>
-    <a:masterClrMapping/>
-  </p:clrMapOvr>
-</p:sld>
-</file>
-
-<file path=ppt/slides/slide30.xml><?xml version="1.0" encoding="utf-8"?>
-<p:sld xmlns:a="http://schemas.openxmlformats.org/drawingml/2006/main" xmlns:r="http://schemas.openxmlformats.org/officeDocument/2006/relationships" xmlns:p="http://schemas.openxmlformats.org/presentationml/2006/main">
-  <p:cSld>
-    <p:spTree>
-      <p:nvGrpSpPr>
-        <p:cNvPr id="1" name=""/>
-        <p:cNvGrpSpPr/>
-        <p:nvPr/>
-      </p:nvGrpSpPr>
-      <p:grpSpPr>
-        <a:xfrm>
-          <a:off x="0" y="0"/>
-          <a:ext cx="0" cy="0"/>
-          <a:chOff x="0" y="0"/>
-          <a:chExt cx="0" cy="0"/>
-        </a:xfrm>
-      </p:grpSpPr>
-      <p:sp>
-        <p:nvSpPr>
-          <p:cNvPr id="5" name="Title 4">
-            <a:extLst>
-              <a:ext uri="{FF2B5EF4-FFF2-40B4-BE49-F238E27FC236}">
-                <a16:creationId xmlns:a16="http://schemas.microsoft.com/office/drawing/2014/main" id="{6D2F4C59-1A85-2241-BA63-597393865818}"/>
-              </a:ext>
-            </a:extLst>
-          </p:cNvPr>
-          <p:cNvSpPr>
-            <a:spLocks noGrp="1"/>
-          </p:cNvSpPr>
-          <p:nvPr>
-            <p:ph type="title"/>
-          </p:nvPr>
-        </p:nvSpPr>
-        <p:spPr/>
-        <p:txBody>
-          <a:bodyPr/>
-          <a:lstStyle/>
-          <a:p>
-            <a:r>
-              <a:rPr lang="en-US" b="1" dirty="0"/>
-              <a:t>Style</a:t>
-            </a:r>
-            <a:r>
-              <a:rPr lang="en-US" dirty="0"/>
-              <a:t>: Blackboard</a:t>
-            </a:r>
-          </a:p>
-        </p:txBody>
-      </p:sp>
-      <p:graphicFrame>
-        <p:nvGraphicFramePr>
-          <p:cNvPr id="7" name="Content Placeholder 6">
-            <a:extLst>
-              <a:ext uri="{FF2B5EF4-FFF2-40B4-BE49-F238E27FC236}">
-                <a16:creationId xmlns:a16="http://schemas.microsoft.com/office/drawing/2014/main" id="{40A46DD3-E595-E649-960B-8B9F1334CA29}"/>
-              </a:ext>
-            </a:extLst>
-          </p:cNvPr>
-          <p:cNvGraphicFramePr>
-            <a:graphicFrameLocks noGrp="1"/>
-          </p:cNvGraphicFramePr>
-          <p:nvPr>
-            <p:ph idx="1"/>
-            <p:extLst>
-              <p:ext uri="{D42A27DB-BD31-4B8C-83A1-F6EECF244321}">
-                <p14:modId xmlns:p14="http://schemas.microsoft.com/office/powerpoint/2010/main" val="4159110318"/>
-              </p:ext>
-            </p:extLst>
-          </p:nvPr>
-        </p:nvGraphicFramePr>
-        <p:xfrm>
-          <a:off x="838200" y="1825625"/>
-          <a:ext cx="10515600" cy="4079240"/>
-        </p:xfrm>
-        <a:graphic>
-          <a:graphicData uri="http://schemas.openxmlformats.org/drawingml/2006/table">
-            <a:tbl>
-              <a:tblPr bandRow="1">
-                <a:tableStyleId>{C083E6E3-FA7D-4D7B-A595-EF9225AFEA82}</a:tableStyleId>
-              </a:tblPr>
-              <a:tblGrid>
-                <a:gridCol w="10515600">
-                  <a:extLst>
-                    <a:ext uri="{9D8B030D-6E8A-4147-A177-3AD203B41FA5}">
-                      <a16:colId xmlns:a16="http://schemas.microsoft.com/office/drawing/2014/main" val="3565431365"/>
-                    </a:ext>
-                  </a:extLst>
-                </a:gridCol>
-              </a:tblGrid>
-              <a:tr h="370840">
-                <a:tc>
-                  <a:txBody>
-                    <a:bodyPr/>
-                    <a:lstStyle/>
-                    <a:p>
-                      <a:r>
-                        <a:rPr lang="en-US" b="1" dirty="0"/>
-                        <a:t>Summary</a:t>
-                      </a:r>
-                      <a:r>
-                        <a:rPr lang="en-US" dirty="0"/>
-                        <a:t>: Independent programs access and communicate through global repository known as blackboard</a:t>
-                      </a:r>
-                    </a:p>
-                  </a:txBody>
-                  <a:tcPr/>
-                </a:tc>
-                <a:extLst>
-                  <a:ext uri="{0D108BD9-81ED-4DB2-BD59-A6C34878D82A}">
-                    <a16:rowId xmlns:a16="http://schemas.microsoft.com/office/drawing/2014/main" val="1920818122"/>
-                  </a:ext>
-                </a:extLst>
-              </a:tr>
-              <a:tr h="370840">
-                <a:tc>
-                  <a:txBody>
-                    <a:bodyPr/>
-                    <a:lstStyle/>
-                    <a:p>
-                      <a:r>
-                        <a:rPr lang="en-US" b="1" dirty="0"/>
-                        <a:t>Components</a:t>
-                      </a:r>
-                      <a:r>
-                        <a:rPr lang="en-US" dirty="0"/>
-                        <a:t>: Independent programs (knowledge sources); blackboard</a:t>
-                      </a:r>
-                    </a:p>
-                  </a:txBody>
-                  <a:tcPr/>
-                </a:tc>
-                <a:extLst>
-                  <a:ext uri="{0D108BD9-81ED-4DB2-BD59-A6C34878D82A}">
-                    <a16:rowId xmlns:a16="http://schemas.microsoft.com/office/drawing/2014/main" val="1353163784"/>
-                  </a:ext>
-                </a:extLst>
-              </a:tr>
-              <a:tr h="370840">
-                <a:tc>
-                  <a:txBody>
-                    <a:bodyPr/>
-                    <a:lstStyle/>
-                    <a:p>
-                      <a:r>
-                        <a:rPr lang="en-US" b="1" dirty="0"/>
-                        <a:t>Connectors</a:t>
-                      </a:r>
-                      <a:r>
-                        <a:rPr lang="en-US" dirty="0"/>
-                        <a:t>: Access may be direct memory, RPC, or database query</a:t>
-                      </a:r>
-                    </a:p>
-                  </a:txBody>
-                  <a:tcPr/>
-                </a:tc>
-                <a:extLst>
-                  <a:ext uri="{0D108BD9-81ED-4DB2-BD59-A6C34878D82A}">
-                    <a16:rowId xmlns:a16="http://schemas.microsoft.com/office/drawing/2014/main" val="1839859950"/>
-                  </a:ext>
-                </a:extLst>
-              </a:tr>
-              <a:tr h="370840">
-                <a:tc>
-                  <a:txBody>
-                    <a:bodyPr/>
-                    <a:lstStyle/>
-                    <a:p>
-                      <a:r>
-                        <a:rPr lang="en-US" b="1" dirty="0"/>
-                        <a:t>Data elements</a:t>
-                      </a:r>
-                      <a:r>
-                        <a:rPr lang="en-US" dirty="0"/>
-                        <a:t>: Data stored in the blackboard</a:t>
-                      </a:r>
-                    </a:p>
-                  </a:txBody>
-                  <a:tcPr/>
-                </a:tc>
-                <a:extLst>
-                  <a:ext uri="{0D108BD9-81ED-4DB2-BD59-A6C34878D82A}">
-                    <a16:rowId xmlns:a16="http://schemas.microsoft.com/office/drawing/2014/main" val="2559742039"/>
-                  </a:ext>
-                </a:extLst>
-              </a:tr>
-              <a:tr h="370840">
-                <a:tc>
-                  <a:txBody>
-                    <a:bodyPr/>
-                    <a:lstStyle/>
-                    <a:p>
-                      <a:r>
-                        <a:rPr lang="en-US" b="1" dirty="0"/>
-                        <a:t>Topology</a:t>
-                      </a:r>
-                      <a:r>
-                        <a:rPr lang="en-US" dirty="0"/>
-                        <a:t>: Star topology with blackboard at the center</a:t>
-                      </a:r>
-                    </a:p>
-                  </a:txBody>
-                  <a:tcPr/>
-                </a:tc>
-                <a:extLst>
-                  <a:ext uri="{0D108BD9-81ED-4DB2-BD59-A6C34878D82A}">
-                    <a16:rowId xmlns:a16="http://schemas.microsoft.com/office/drawing/2014/main" val="2071415196"/>
-                  </a:ext>
-                </a:extLst>
-              </a:tr>
-              <a:tr h="370840">
-                <a:tc>
-                  <a:txBody>
-                    <a:bodyPr/>
-                    <a:lstStyle/>
-                    <a:p>
-                      <a:r>
-                        <a:rPr lang="en-US" b="1" dirty="0"/>
-                        <a:t>Variants</a:t>
-                      </a:r>
-                      <a:r>
-                        <a:rPr lang="en-US" dirty="0"/>
-                        <a:t>: Clients poll blackboard for changes; blackboard notifies clients of changes</a:t>
-                      </a:r>
-                    </a:p>
-                  </a:txBody>
-                  <a:tcPr/>
-                </a:tc>
-                <a:extLst>
-                  <a:ext uri="{0D108BD9-81ED-4DB2-BD59-A6C34878D82A}">
-                    <a16:rowId xmlns:a16="http://schemas.microsoft.com/office/drawing/2014/main" val="1844578667"/>
-                  </a:ext>
-                </a:extLst>
-              </a:tr>
-              <a:tr h="370840">
-                <a:tc>
-                  <a:txBody>
-                    <a:bodyPr/>
-                    <a:lstStyle/>
-                    <a:p>
-                      <a:r>
-                        <a:rPr lang="en-US" b="1" dirty="0"/>
-                        <a:t>Qualities</a:t>
-                      </a:r>
-                      <a:r>
-                        <a:rPr lang="en-US" dirty="0"/>
-                        <a:t>: Complete solutions do not have to be preplanned.</a:t>
-                      </a:r>
-                    </a:p>
-                  </a:txBody>
-                  <a:tcPr/>
-                </a:tc>
-                <a:extLst>
-                  <a:ext uri="{0D108BD9-81ED-4DB2-BD59-A6C34878D82A}">
-                    <a16:rowId xmlns:a16="http://schemas.microsoft.com/office/drawing/2014/main" val="3672103038"/>
-                  </a:ext>
-                </a:extLst>
-              </a:tr>
-              <a:tr h="370840">
-                <a:tc>
-                  <a:txBody>
-                    <a:bodyPr/>
-                    <a:lstStyle/>
-                    <a:p>
-                      <a:endParaRPr lang="en-US" dirty="0"/>
-                    </a:p>
-                  </a:txBody>
-                  <a:tcPr/>
-                </a:tc>
-                <a:extLst>
-                  <a:ext uri="{0D108BD9-81ED-4DB2-BD59-A6C34878D82A}">
-                    <a16:rowId xmlns:a16="http://schemas.microsoft.com/office/drawing/2014/main" val="1459849202"/>
-                  </a:ext>
-                </a:extLst>
-              </a:tr>
-              <a:tr h="370840">
-                <a:tc>
-                  <a:txBody>
-                    <a:bodyPr/>
-                    <a:lstStyle/>
-                    <a:p>
-                      <a:r>
-                        <a:rPr lang="en-US" b="1" dirty="0"/>
-                        <a:t>Typical uses</a:t>
-                      </a:r>
-                      <a:r>
-                        <a:rPr lang="en-US" dirty="0"/>
-                        <a:t>: Heuristic problem solving in AI applications</a:t>
-                      </a:r>
-                    </a:p>
-                  </a:txBody>
-                  <a:tcPr/>
-                </a:tc>
-                <a:extLst>
-                  <a:ext uri="{0D108BD9-81ED-4DB2-BD59-A6C34878D82A}">
-                    <a16:rowId xmlns:a16="http://schemas.microsoft.com/office/drawing/2014/main" val="2052877018"/>
-                  </a:ext>
-                </a:extLst>
-              </a:tr>
-              <a:tr h="370840">
-                <a:tc>
-                  <a:txBody>
-                    <a:bodyPr/>
-                    <a:lstStyle/>
-                    <a:p>
-                      <a:r>
-                        <a:rPr lang="en-US" b="1" dirty="0"/>
-                        <a:t>Cautions</a:t>
-                      </a:r>
-                      <a:r>
-                        <a:rPr lang="en-US" dirty="0"/>
-                        <a:t>: When a well-structured solution is available; when interactions require regulation</a:t>
-                      </a:r>
-                    </a:p>
-                  </a:txBody>
-                  <a:tcPr/>
-                </a:tc>
-                <a:extLst>
-                  <a:ext uri="{0D108BD9-81ED-4DB2-BD59-A6C34878D82A}">
-                    <a16:rowId xmlns:a16="http://schemas.microsoft.com/office/drawing/2014/main" val="231181336"/>
-                  </a:ext>
-                </a:extLst>
-              </a:tr>
-              <a:tr h="370840">
-                <a:tc>
-                  <a:txBody>
-                    <a:bodyPr/>
-                    <a:lstStyle/>
-                    <a:p>
-                      <a:r>
-                        <a:rPr lang="en-US" b="1" dirty="0"/>
-                        <a:t>Lang. / </a:t>
-                      </a:r>
-                      <a:r>
-                        <a:rPr lang="en-US" b="1" dirty="0" err="1"/>
-                        <a:t>env</a:t>
-                      </a:r>
-                      <a:r>
-                        <a:rPr lang="en-US" b="1" dirty="0"/>
-                        <a:t>. relationships</a:t>
-                      </a:r>
-                      <a:r>
-                        <a:rPr lang="en-US" dirty="0"/>
-                        <a:t>: Languages require concurrency primitives for access control</a:t>
-                      </a:r>
-                    </a:p>
-                  </a:txBody>
-                  <a:tcPr/>
-                </a:tc>
-                <a:extLst>
-                  <a:ext uri="{0D108BD9-81ED-4DB2-BD59-A6C34878D82A}">
-                    <a16:rowId xmlns:a16="http://schemas.microsoft.com/office/drawing/2014/main" val="857360620"/>
-                  </a:ext>
-                </a:extLst>
-              </a:tr>
-            </a:tbl>
-          </a:graphicData>
-        </a:graphic>
-      </p:graphicFrame>
-    </p:spTree>
-    <p:extLst>
-      <p:ext uri="{BB962C8B-B14F-4D97-AF65-F5344CB8AC3E}">
-        <p14:creationId xmlns:p14="http://schemas.microsoft.com/office/powerpoint/2010/main" val="2374613016"/>
-      </p:ext>
-    </p:extLst>
-  </p:cSld>
-  <p:clrMapOvr>
-    <a:masterClrMapping/>
-  </p:clrMapOvr>
-</p:sld>
-</file>
-
-<file path=ppt/slides/slide31.xml><?xml version="1.0" encoding="utf-8"?>
-<p:sld xmlns:a="http://schemas.openxmlformats.org/drawingml/2006/main" xmlns:r="http://schemas.openxmlformats.org/officeDocument/2006/relationships" xmlns:p="http://schemas.openxmlformats.org/presentationml/2006/main">
-  <p:cSld>
-    <p:spTree>
-      <p:nvGrpSpPr>
-        <p:cNvPr id="1" name=""/>
-        <p:cNvGrpSpPr/>
-        <p:nvPr/>
-      </p:nvGrpSpPr>
-      <p:grpSpPr>
-        <a:xfrm>
-          <a:off x="0" y="0"/>
-          <a:ext cx="0" cy="0"/>
-          <a:chOff x="0" y="0"/>
-          <a:chExt cx="0" cy="0"/>
-        </a:xfrm>
-      </p:grpSpPr>
-      <p:sp>
-        <p:nvSpPr>
-          <p:cNvPr id="5" name="Title 4">
-            <a:extLst>
-              <a:ext uri="{FF2B5EF4-FFF2-40B4-BE49-F238E27FC236}">
-                <a16:creationId xmlns:a16="http://schemas.microsoft.com/office/drawing/2014/main" id="{6D2F4C59-1A85-2241-BA63-597393865818}"/>
-              </a:ext>
-            </a:extLst>
-          </p:cNvPr>
-          <p:cNvSpPr>
-            <a:spLocks noGrp="1"/>
-          </p:cNvSpPr>
-          <p:nvPr>
-            <p:ph type="title"/>
-          </p:nvPr>
-        </p:nvSpPr>
-        <p:spPr/>
-        <p:txBody>
-          <a:bodyPr/>
-          <a:lstStyle/>
-          <a:p>
-            <a:r>
-              <a:rPr lang="en-US" b="1" dirty="0"/>
-              <a:t>Style</a:t>
-            </a:r>
-            <a:r>
-              <a:rPr lang="en-US" dirty="0"/>
-              <a:t>: Rule-based / expert system</a:t>
-            </a:r>
-          </a:p>
-        </p:txBody>
-      </p:sp>
-      <p:graphicFrame>
-        <p:nvGraphicFramePr>
-          <p:cNvPr id="7" name="Content Placeholder 6">
-            <a:extLst>
-              <a:ext uri="{FF2B5EF4-FFF2-40B4-BE49-F238E27FC236}">
-                <a16:creationId xmlns:a16="http://schemas.microsoft.com/office/drawing/2014/main" id="{40A46DD3-E595-E649-960B-8B9F1334CA29}"/>
-              </a:ext>
-            </a:extLst>
-          </p:cNvPr>
-          <p:cNvGraphicFramePr>
-            <a:graphicFrameLocks noGrp="1"/>
-          </p:cNvGraphicFramePr>
-          <p:nvPr>
-            <p:ph idx="1"/>
-            <p:extLst>
-              <p:ext uri="{D42A27DB-BD31-4B8C-83A1-F6EECF244321}">
-                <p14:modId xmlns:p14="http://schemas.microsoft.com/office/powerpoint/2010/main" val="1436506914"/>
-              </p:ext>
-            </p:extLst>
-          </p:nvPr>
-        </p:nvGraphicFramePr>
-        <p:xfrm>
-          <a:off x="838200" y="1825625"/>
-          <a:ext cx="10515600" cy="4079240"/>
-        </p:xfrm>
-        <a:graphic>
-          <a:graphicData uri="http://schemas.openxmlformats.org/drawingml/2006/table">
-            <a:tbl>
-              <a:tblPr bandRow="1">
-                <a:tableStyleId>{C083E6E3-FA7D-4D7B-A595-EF9225AFEA82}</a:tableStyleId>
-              </a:tblPr>
-              <a:tblGrid>
-                <a:gridCol w="10515600">
-                  <a:extLst>
-                    <a:ext uri="{9D8B030D-6E8A-4147-A177-3AD203B41FA5}">
-                      <a16:colId xmlns:a16="http://schemas.microsoft.com/office/drawing/2014/main" val="3565431365"/>
-                    </a:ext>
-                  </a:extLst>
-                </a:gridCol>
-              </a:tblGrid>
-              <a:tr h="370840">
-                <a:tc>
-                  <a:txBody>
-                    <a:bodyPr/>
-                    <a:lstStyle/>
-                    <a:p>
-                      <a:r>
-                        <a:rPr lang="en-US" b="1" dirty="0"/>
-                        <a:t>Summary</a:t>
-                      </a:r>
-                      <a:r>
-                        <a:rPr lang="en-US" dirty="0"/>
-                        <a:t>: Inference engine parses user input, determines type (fact/query) and acts on input</a:t>
-                      </a:r>
-                    </a:p>
-                  </a:txBody>
-                  <a:tcPr/>
-                </a:tc>
-                <a:extLst>
-                  <a:ext uri="{0D108BD9-81ED-4DB2-BD59-A6C34878D82A}">
-                    <a16:rowId xmlns:a16="http://schemas.microsoft.com/office/drawing/2014/main" val="1920818122"/>
-                  </a:ext>
-                </a:extLst>
-              </a:tr>
-              <a:tr h="370840">
-                <a:tc>
-                  <a:txBody>
-                    <a:bodyPr/>
-                    <a:lstStyle/>
-                    <a:p>
-                      <a:r>
-                        <a:rPr lang="en-US" b="1" dirty="0"/>
-                        <a:t>Components</a:t>
-                      </a:r>
-                      <a:r>
-                        <a:rPr lang="en-US" dirty="0"/>
-                        <a:t>: User interface, inference engine, knowledge base</a:t>
-                      </a:r>
-                    </a:p>
-                  </a:txBody>
-                  <a:tcPr/>
-                </a:tc>
-                <a:extLst>
-                  <a:ext uri="{0D108BD9-81ED-4DB2-BD59-A6C34878D82A}">
-                    <a16:rowId xmlns:a16="http://schemas.microsoft.com/office/drawing/2014/main" val="1353163784"/>
-                  </a:ext>
-                </a:extLst>
-              </a:tr>
-              <a:tr h="370840">
-                <a:tc>
-                  <a:txBody>
-                    <a:bodyPr/>
-                    <a:lstStyle/>
-                    <a:p>
-                      <a:r>
-                        <a:rPr lang="en-US" b="1" dirty="0"/>
-                        <a:t>Connectors</a:t>
-                      </a:r>
-                      <a:r>
-                        <a:rPr lang="en-US" dirty="0"/>
-                        <a:t>: Components are tightly interconnected with LPC or shared data access</a:t>
-                      </a:r>
-                    </a:p>
-                  </a:txBody>
-                  <a:tcPr/>
-                </a:tc>
-                <a:extLst>
-                  <a:ext uri="{0D108BD9-81ED-4DB2-BD59-A6C34878D82A}">
-                    <a16:rowId xmlns:a16="http://schemas.microsoft.com/office/drawing/2014/main" val="1839859950"/>
-                  </a:ext>
-                </a:extLst>
-              </a:tr>
-              <a:tr h="370840">
-                <a:tc>
-                  <a:txBody>
-                    <a:bodyPr/>
-                    <a:lstStyle/>
-                    <a:p>
-                      <a:r>
-                        <a:rPr lang="en-US" b="1" dirty="0"/>
-                        <a:t>Data elements</a:t>
-                      </a:r>
-                      <a:r>
-                        <a:rPr lang="en-US" dirty="0"/>
-                        <a:t>: Facts and queries</a:t>
-                      </a:r>
-                    </a:p>
-                  </a:txBody>
-                  <a:tcPr/>
-                </a:tc>
-                <a:extLst>
-                  <a:ext uri="{0D108BD9-81ED-4DB2-BD59-A6C34878D82A}">
-                    <a16:rowId xmlns:a16="http://schemas.microsoft.com/office/drawing/2014/main" val="2559742039"/>
-                  </a:ext>
-                </a:extLst>
-              </a:tr>
-              <a:tr h="370840">
-                <a:tc>
-                  <a:txBody>
-                    <a:bodyPr/>
-                    <a:lstStyle/>
-                    <a:p>
-                      <a:r>
-                        <a:rPr lang="en-US" b="1" dirty="0"/>
-                        <a:t>Topology</a:t>
-                      </a:r>
-                      <a:r>
-                        <a:rPr lang="en-US" dirty="0"/>
-                        <a:t>: Tightly-coupled three-tier</a:t>
-                      </a:r>
-                    </a:p>
-                  </a:txBody>
-                  <a:tcPr/>
-                </a:tc>
-                <a:extLst>
-                  <a:ext uri="{0D108BD9-81ED-4DB2-BD59-A6C34878D82A}">
-                    <a16:rowId xmlns:a16="http://schemas.microsoft.com/office/drawing/2014/main" val="2071415196"/>
-                  </a:ext>
-                </a:extLst>
-              </a:tr>
-              <a:tr h="370840">
-                <a:tc>
-                  <a:txBody>
-                    <a:bodyPr/>
-                    <a:lstStyle/>
-                    <a:p>
-                      <a:r>
-                        <a:rPr lang="en-US" b="1" dirty="0"/>
-                        <a:t>Additional constraints</a:t>
-                      </a:r>
-                      <a:r>
-                        <a:rPr lang="en-US" dirty="0"/>
-                        <a:t>: Behavior easily modified through modification of knowledge base</a:t>
-                      </a:r>
-                    </a:p>
-                  </a:txBody>
-                  <a:tcPr/>
-                </a:tc>
-                <a:extLst>
-                  <a:ext uri="{0D108BD9-81ED-4DB2-BD59-A6C34878D82A}">
-                    <a16:rowId xmlns:a16="http://schemas.microsoft.com/office/drawing/2014/main" val="1844578667"/>
-                  </a:ext>
-                </a:extLst>
-              </a:tr>
-              <a:tr h="370840">
-                <a:tc>
-                  <a:txBody>
-                    <a:bodyPr/>
-                    <a:lstStyle/>
-                    <a:p>
-                      <a:r>
-                        <a:rPr lang="en-US" b="1" dirty="0"/>
-                        <a:t>Qualities</a:t>
-                      </a:r>
-                      <a:r>
-                        <a:rPr lang="en-US" dirty="0"/>
-                        <a:t>:</a:t>
-                      </a:r>
-                    </a:p>
-                  </a:txBody>
-                  <a:tcPr/>
-                </a:tc>
-                <a:extLst>
-                  <a:ext uri="{0D108BD9-81ED-4DB2-BD59-A6C34878D82A}">
-                    <a16:rowId xmlns:a16="http://schemas.microsoft.com/office/drawing/2014/main" val="3672103038"/>
-                  </a:ext>
-                </a:extLst>
-              </a:tr>
-              <a:tr h="370840">
-                <a:tc>
-                  <a:txBody>
-                    <a:bodyPr/>
-                    <a:lstStyle/>
-                    <a:p>
-                      <a:endParaRPr lang="en-US" dirty="0"/>
-                    </a:p>
-                  </a:txBody>
-                  <a:tcPr/>
-                </a:tc>
-                <a:extLst>
-                  <a:ext uri="{0D108BD9-81ED-4DB2-BD59-A6C34878D82A}">
-                    <a16:rowId xmlns:a16="http://schemas.microsoft.com/office/drawing/2014/main" val="1459849202"/>
-                  </a:ext>
-                </a:extLst>
-              </a:tr>
-              <a:tr h="370840">
-                <a:tc>
-                  <a:txBody>
-                    <a:bodyPr/>
-                    <a:lstStyle/>
-                    <a:p>
-                      <a:r>
-                        <a:rPr lang="en-US" b="1" dirty="0"/>
-                        <a:t>Typical uses</a:t>
-                      </a:r>
-                      <a:r>
-                        <a:rPr lang="en-US" dirty="0"/>
-                        <a:t>: When the problem can be understood as a set of repeating predicate resolutions</a:t>
-                      </a:r>
-                    </a:p>
-                  </a:txBody>
-                  <a:tcPr/>
-                </a:tc>
-                <a:extLst>
-                  <a:ext uri="{0D108BD9-81ED-4DB2-BD59-A6C34878D82A}">
-                    <a16:rowId xmlns:a16="http://schemas.microsoft.com/office/drawing/2014/main" val="2052877018"/>
-                  </a:ext>
-                </a:extLst>
-              </a:tr>
-              <a:tr h="370840">
-                <a:tc>
-                  <a:txBody>
-                    <a:bodyPr/>
-                    <a:lstStyle/>
-                    <a:p>
-                      <a:r>
-                        <a:rPr lang="en-US" b="1" dirty="0"/>
-                        <a:t>Cautions</a:t>
-                      </a:r>
-                      <a:r>
-                        <a:rPr lang="en-US" dirty="0"/>
-                        <a:t>: Large number </a:t>
-                      </a:r>
-                      <a:r>
-                        <a:rPr lang="en-US"/>
-                        <a:t>of rules; </a:t>
-                      </a:r>
-                      <a:endParaRPr lang="en-US" dirty="0"/>
-                    </a:p>
-                  </a:txBody>
-                  <a:tcPr/>
-                </a:tc>
-                <a:extLst>
-                  <a:ext uri="{0D108BD9-81ED-4DB2-BD59-A6C34878D82A}">
-                    <a16:rowId xmlns:a16="http://schemas.microsoft.com/office/drawing/2014/main" val="231181336"/>
-                  </a:ext>
-                </a:extLst>
-              </a:tr>
-              <a:tr h="370840">
-                <a:tc>
-                  <a:txBody>
-                    <a:bodyPr/>
-                    <a:lstStyle/>
-                    <a:p>
-                      <a:r>
-                        <a:rPr lang="en-US" b="1" dirty="0"/>
-                        <a:t>Lang. / </a:t>
-                      </a:r>
-                      <a:r>
-                        <a:rPr lang="en-US" b="1" dirty="0" err="1"/>
-                        <a:t>env</a:t>
-                      </a:r>
-                      <a:r>
-                        <a:rPr lang="en-US" b="1" dirty="0"/>
-                        <a:t>. relationships</a:t>
-                      </a:r>
-                      <a:r>
-                        <a:rPr lang="en-US" dirty="0"/>
-                        <a:t>: Prolog is a common language used for expert systems</a:t>
-                      </a:r>
-                    </a:p>
-                  </a:txBody>
-                  <a:tcPr/>
-                </a:tc>
-                <a:extLst>
-                  <a:ext uri="{0D108BD9-81ED-4DB2-BD59-A6C34878D82A}">
-                    <a16:rowId xmlns:a16="http://schemas.microsoft.com/office/drawing/2014/main" val="857360620"/>
-                  </a:ext>
-                </a:extLst>
-              </a:tr>
-            </a:tbl>
-          </a:graphicData>
-        </a:graphic>
-      </p:graphicFrame>
-    </p:spTree>
-    <p:extLst>
-      <p:ext uri="{BB962C8B-B14F-4D97-AF65-F5344CB8AC3E}">
-        <p14:creationId xmlns:p14="http://schemas.microsoft.com/office/powerpoint/2010/main" val="4093314078"/>
-      </p:ext>
-    </p:extLst>
-  </p:cSld>
-  <p:clrMapOvr>
-    <a:masterClrMapping/>
-  </p:clrMapOvr>
-</p:sld>
-</file>
-
-<file path=ppt/slides/slide32.xml><?xml version="1.0" encoding="utf-8"?>
-<p:sld xmlns:a="http://schemas.openxmlformats.org/drawingml/2006/main" xmlns:r="http://schemas.openxmlformats.org/officeDocument/2006/relationships" xmlns:p="http://schemas.openxmlformats.org/presentationml/2006/main">
-  <p:cSld>
-    <p:spTree>
-      <p:nvGrpSpPr>
-        <p:cNvPr id="1" name=""/>
-        <p:cNvGrpSpPr/>
-        <p:nvPr/>
-      </p:nvGrpSpPr>
-      <p:grpSpPr>
-        <a:xfrm>
-          <a:off x="0" y="0"/>
-          <a:ext cx="0" cy="0"/>
-          <a:chOff x="0" y="0"/>
-          <a:chExt cx="0" cy="0"/>
-        </a:xfrm>
-      </p:grpSpPr>
-      <p:sp>
-        <p:nvSpPr>
-          <p:cNvPr id="5" name="Title 4">
-            <a:extLst>
-              <a:ext uri="{FF2B5EF4-FFF2-40B4-BE49-F238E27FC236}">
-                <a16:creationId xmlns:a16="http://schemas.microsoft.com/office/drawing/2014/main" id="{6D2F4C59-1A85-2241-BA63-597393865818}"/>
-              </a:ext>
-            </a:extLst>
-          </p:cNvPr>
-          <p:cNvSpPr>
-            <a:spLocks noGrp="1"/>
-          </p:cNvSpPr>
-          <p:nvPr>
-            <p:ph type="title"/>
-          </p:nvPr>
-        </p:nvSpPr>
-        <p:spPr/>
-        <p:txBody>
-          <a:bodyPr/>
-          <a:lstStyle/>
-          <a:p>
-            <a:r>
-              <a:rPr lang="en-US" b="1" dirty="0"/>
-              <a:t>Style</a:t>
-            </a:r>
-            <a:r>
-              <a:rPr lang="en-US" dirty="0"/>
-              <a:t>: Interpreter</a:t>
-            </a:r>
-          </a:p>
-        </p:txBody>
-      </p:sp>
-      <p:graphicFrame>
-        <p:nvGraphicFramePr>
-          <p:cNvPr id="7" name="Content Placeholder 6">
-            <a:extLst>
-              <a:ext uri="{FF2B5EF4-FFF2-40B4-BE49-F238E27FC236}">
-                <a16:creationId xmlns:a16="http://schemas.microsoft.com/office/drawing/2014/main" id="{40A46DD3-E595-E649-960B-8B9F1334CA29}"/>
-              </a:ext>
-            </a:extLst>
-          </p:cNvPr>
-          <p:cNvGraphicFramePr>
-            <a:graphicFrameLocks noGrp="1"/>
-          </p:cNvGraphicFramePr>
-          <p:nvPr>
-            <p:ph idx="1"/>
-            <p:extLst>
-              <p:ext uri="{D42A27DB-BD31-4B8C-83A1-F6EECF244321}">
-                <p14:modId xmlns:p14="http://schemas.microsoft.com/office/powerpoint/2010/main" val="2535758783"/>
-              </p:ext>
-            </p:extLst>
-          </p:nvPr>
-        </p:nvGraphicFramePr>
-        <p:xfrm>
-          <a:off x="838200" y="1825625"/>
-          <a:ext cx="10515600" cy="4079240"/>
-        </p:xfrm>
-        <a:graphic>
-          <a:graphicData uri="http://schemas.openxmlformats.org/drawingml/2006/table">
-            <a:tbl>
-              <a:tblPr bandRow="1">
-                <a:tableStyleId>{C083E6E3-FA7D-4D7B-A595-EF9225AFEA82}</a:tableStyleId>
-              </a:tblPr>
-              <a:tblGrid>
-                <a:gridCol w="10515600">
-                  <a:extLst>
-                    <a:ext uri="{9D8B030D-6E8A-4147-A177-3AD203B41FA5}">
-                      <a16:colId xmlns:a16="http://schemas.microsoft.com/office/drawing/2014/main" val="3565431365"/>
-                    </a:ext>
-                  </a:extLst>
-                </a:gridCol>
-              </a:tblGrid>
-              <a:tr h="370840">
-                <a:tc>
-                  <a:txBody>
-                    <a:bodyPr/>
-                    <a:lstStyle/>
-                    <a:p>
-                      <a:r>
-                        <a:rPr lang="en-US" b="1" dirty="0"/>
-                        <a:t>Summary</a:t>
-                      </a:r>
-                      <a:r>
-                        <a:rPr lang="en-US" dirty="0"/>
-                        <a:t>: Interpreter parses and executes input commands, updating state</a:t>
-                      </a:r>
-                    </a:p>
-                  </a:txBody>
-                  <a:tcPr/>
-                </a:tc>
-                <a:extLst>
-                  <a:ext uri="{0D108BD9-81ED-4DB2-BD59-A6C34878D82A}">
-                    <a16:rowId xmlns:a16="http://schemas.microsoft.com/office/drawing/2014/main" val="1920818122"/>
-                  </a:ext>
-                </a:extLst>
-              </a:tr>
-              <a:tr h="370840">
-                <a:tc>
-                  <a:txBody>
-                    <a:bodyPr/>
-                    <a:lstStyle/>
-                    <a:p>
-                      <a:r>
-                        <a:rPr lang="en-US" b="1" dirty="0"/>
-                        <a:t>Components</a:t>
-                      </a:r>
-                      <a:r>
-                        <a:rPr lang="en-US" dirty="0"/>
-                        <a:t>: Command interpreter, program / interpreter state, user interface</a:t>
-                      </a:r>
-                    </a:p>
-                  </a:txBody>
-                  <a:tcPr/>
-                </a:tc>
-                <a:extLst>
-                  <a:ext uri="{0D108BD9-81ED-4DB2-BD59-A6C34878D82A}">
-                    <a16:rowId xmlns:a16="http://schemas.microsoft.com/office/drawing/2014/main" val="1353163784"/>
-                  </a:ext>
-                </a:extLst>
-              </a:tr>
-              <a:tr h="370840">
-                <a:tc>
-                  <a:txBody>
-                    <a:bodyPr/>
-                    <a:lstStyle/>
-                    <a:p>
-                      <a:r>
-                        <a:rPr lang="en-US" b="1" dirty="0"/>
-                        <a:t>Connectors</a:t>
-                      </a:r>
-                      <a:r>
-                        <a:rPr lang="en-US" dirty="0"/>
-                        <a:t>: Typically closely bound with direct procedure calls</a:t>
-                      </a:r>
-                    </a:p>
-                  </a:txBody>
-                  <a:tcPr/>
-                </a:tc>
-                <a:extLst>
-                  <a:ext uri="{0D108BD9-81ED-4DB2-BD59-A6C34878D82A}">
-                    <a16:rowId xmlns:a16="http://schemas.microsoft.com/office/drawing/2014/main" val="1839859950"/>
-                  </a:ext>
-                </a:extLst>
-              </a:tr>
-              <a:tr h="370840">
-                <a:tc>
-                  <a:txBody>
-                    <a:bodyPr/>
-                    <a:lstStyle/>
-                    <a:p>
-                      <a:r>
-                        <a:rPr lang="en-US" b="1" dirty="0"/>
-                        <a:t>Data elements</a:t>
-                      </a:r>
-                      <a:r>
-                        <a:rPr lang="en-US" dirty="0"/>
-                        <a:t>: Commands</a:t>
-                      </a:r>
-                    </a:p>
-                  </a:txBody>
-                  <a:tcPr/>
-                </a:tc>
-                <a:extLst>
-                  <a:ext uri="{0D108BD9-81ED-4DB2-BD59-A6C34878D82A}">
-                    <a16:rowId xmlns:a16="http://schemas.microsoft.com/office/drawing/2014/main" val="2559742039"/>
-                  </a:ext>
-                </a:extLst>
-              </a:tr>
-              <a:tr h="370840">
-                <a:tc>
-                  <a:txBody>
-                    <a:bodyPr/>
-                    <a:lstStyle/>
-                    <a:p>
-                      <a:r>
-                        <a:rPr lang="en-US" b="1" dirty="0"/>
-                        <a:t>Topology</a:t>
-                      </a:r>
-                      <a:r>
-                        <a:rPr lang="en-US" dirty="0"/>
-                        <a:t>: Tightly-coupled three-tier</a:t>
-                      </a:r>
-                    </a:p>
-                  </a:txBody>
-                  <a:tcPr/>
-                </a:tc>
-                <a:extLst>
-                  <a:ext uri="{0D108BD9-81ED-4DB2-BD59-A6C34878D82A}">
-                    <a16:rowId xmlns:a16="http://schemas.microsoft.com/office/drawing/2014/main" val="2071415196"/>
-                  </a:ext>
-                </a:extLst>
-              </a:tr>
-              <a:tr h="370840">
-                <a:tc>
-                  <a:txBody>
-                    <a:bodyPr/>
-                    <a:lstStyle/>
-                    <a:p>
-                      <a:r>
-                        <a:rPr lang="en-US" b="1" dirty="0"/>
-                        <a:t>Additional constraints</a:t>
-                      </a:r>
-                      <a:r>
-                        <a:rPr lang="en-US" dirty="0"/>
-                        <a:t>: </a:t>
-                      </a:r>
-                    </a:p>
-                  </a:txBody>
-                  <a:tcPr/>
-                </a:tc>
-                <a:extLst>
-                  <a:ext uri="{0D108BD9-81ED-4DB2-BD59-A6C34878D82A}">
-                    <a16:rowId xmlns:a16="http://schemas.microsoft.com/office/drawing/2014/main" val="1844578667"/>
-                  </a:ext>
-                </a:extLst>
-              </a:tr>
-              <a:tr h="370840">
-                <a:tc>
-                  <a:txBody>
-                    <a:bodyPr/>
-                    <a:lstStyle/>
-                    <a:p>
-                      <a:r>
-                        <a:rPr lang="en-US" b="1" dirty="0"/>
-                        <a:t>Qualities</a:t>
-                      </a:r>
-                      <a:r>
-                        <a:rPr lang="en-US" dirty="0"/>
-                        <a:t>: Highly-dynamic behavior is possible, parsed input may exhibit extensions</a:t>
-                      </a:r>
-                    </a:p>
-                  </a:txBody>
-                  <a:tcPr/>
-                </a:tc>
-                <a:extLst>
-                  <a:ext uri="{0D108BD9-81ED-4DB2-BD59-A6C34878D82A}">
-                    <a16:rowId xmlns:a16="http://schemas.microsoft.com/office/drawing/2014/main" val="3672103038"/>
-                  </a:ext>
-                </a:extLst>
-              </a:tr>
-              <a:tr h="370840">
-                <a:tc>
-                  <a:txBody>
-                    <a:bodyPr/>
-                    <a:lstStyle/>
-                    <a:p>
-                      <a:endParaRPr lang="en-US" dirty="0"/>
-                    </a:p>
-                  </a:txBody>
-                  <a:tcPr/>
-                </a:tc>
-                <a:extLst>
-                  <a:ext uri="{0D108BD9-81ED-4DB2-BD59-A6C34878D82A}">
-                    <a16:rowId xmlns:a16="http://schemas.microsoft.com/office/drawing/2014/main" val="1459849202"/>
-                  </a:ext>
-                </a:extLst>
-              </a:tr>
-              <a:tr h="370840">
-                <a:tc>
-                  <a:txBody>
-                    <a:bodyPr/>
-                    <a:lstStyle/>
-                    <a:p>
-                      <a:r>
-                        <a:rPr lang="en-US" b="1" dirty="0"/>
-                        <a:t>Typical uses</a:t>
-                      </a:r>
-                      <a:r>
-                        <a:rPr lang="en-US" dirty="0"/>
-                        <a:t>: Superb for end user programmability</a:t>
-                      </a:r>
-                    </a:p>
-                  </a:txBody>
-                  <a:tcPr/>
-                </a:tc>
-                <a:extLst>
-                  <a:ext uri="{0D108BD9-81ED-4DB2-BD59-A6C34878D82A}">
-                    <a16:rowId xmlns:a16="http://schemas.microsoft.com/office/drawing/2014/main" val="2052877018"/>
-                  </a:ext>
-                </a:extLst>
-              </a:tr>
-              <a:tr h="370840">
-                <a:tc>
-                  <a:txBody>
-                    <a:bodyPr/>
-                    <a:lstStyle/>
-                    <a:p>
-                      <a:r>
-                        <a:rPr lang="en-US" b="1" dirty="0"/>
-                        <a:t>Cautions</a:t>
-                      </a:r>
-                      <a:r>
-                        <a:rPr lang="en-US" dirty="0"/>
-                        <a:t>: May be slower to execute, memory management may be an issue</a:t>
-                      </a:r>
-                    </a:p>
-                  </a:txBody>
-                  <a:tcPr/>
-                </a:tc>
-                <a:extLst>
-                  <a:ext uri="{0D108BD9-81ED-4DB2-BD59-A6C34878D82A}">
-                    <a16:rowId xmlns:a16="http://schemas.microsoft.com/office/drawing/2014/main" val="231181336"/>
-                  </a:ext>
-                </a:extLst>
-              </a:tr>
-              <a:tr h="370840">
-                <a:tc>
-                  <a:txBody>
-                    <a:bodyPr/>
-                    <a:lstStyle/>
-                    <a:p>
-                      <a:r>
-                        <a:rPr lang="en-US" b="1" dirty="0"/>
-                        <a:t>Lang. / </a:t>
-                      </a:r>
-                      <a:r>
-                        <a:rPr lang="en-US" b="1" dirty="0" err="1"/>
-                        <a:t>env</a:t>
-                      </a:r>
-                      <a:r>
-                        <a:rPr lang="en-US" b="1" dirty="0"/>
-                        <a:t>. relationships</a:t>
-                      </a:r>
-                      <a:r>
-                        <a:rPr lang="en-US" dirty="0"/>
-                        <a:t>: LISP and scheme are interpreted languages, </a:t>
-                      </a:r>
-                      <a:r>
-                        <a:rPr lang="en-US" dirty="0" err="1"/>
-                        <a:t>javascript</a:t>
-                      </a:r>
-                      <a:r>
-                        <a:rPr lang="en-US" dirty="0"/>
-                        <a:t>, macros</a:t>
-                      </a:r>
-                    </a:p>
-                  </a:txBody>
-                  <a:tcPr/>
-                </a:tc>
-                <a:extLst>
-                  <a:ext uri="{0D108BD9-81ED-4DB2-BD59-A6C34878D82A}">
-                    <a16:rowId xmlns:a16="http://schemas.microsoft.com/office/drawing/2014/main" val="857360620"/>
-                  </a:ext>
-                </a:extLst>
-              </a:tr>
-            </a:tbl>
-          </a:graphicData>
-        </a:graphic>
-      </p:graphicFrame>
-    </p:spTree>
-    <p:extLst>
-      <p:ext uri="{BB962C8B-B14F-4D97-AF65-F5344CB8AC3E}">
-        <p14:creationId xmlns:p14="http://schemas.microsoft.com/office/powerpoint/2010/main" val="2755529997"/>
-      </p:ext>
-    </p:extLst>
-  </p:cSld>
-  <p:clrMapOvr>
-    <a:masterClrMapping/>
-  </p:clrMapOvr>
-</p:sld>
-</file>
-
-<file path=ppt/slides/slide33.xml><?xml version="1.0" encoding="utf-8"?>
-<p:sld xmlns:a="http://schemas.openxmlformats.org/drawingml/2006/main" xmlns:r="http://schemas.openxmlformats.org/officeDocument/2006/relationships" xmlns:p="http://schemas.openxmlformats.org/presentationml/2006/main">
-  <p:cSld>
-    <p:spTree>
-      <p:nvGrpSpPr>
-        <p:cNvPr id="1" name=""/>
-        <p:cNvGrpSpPr/>
-        <p:nvPr/>
-      </p:nvGrpSpPr>
-      <p:grpSpPr>
-        <a:xfrm>
-          <a:off x="0" y="0"/>
-          <a:ext cx="0" cy="0"/>
-          <a:chOff x="0" y="0"/>
-          <a:chExt cx="0" cy="0"/>
-        </a:xfrm>
-      </p:grpSpPr>
-      <p:sp>
-        <p:nvSpPr>
-          <p:cNvPr id="5" name="Title 4">
-            <a:extLst>
-              <a:ext uri="{FF2B5EF4-FFF2-40B4-BE49-F238E27FC236}">
-                <a16:creationId xmlns:a16="http://schemas.microsoft.com/office/drawing/2014/main" id="{6D2F4C59-1A85-2241-BA63-597393865818}"/>
-              </a:ext>
-            </a:extLst>
-          </p:cNvPr>
-          <p:cNvSpPr>
-            <a:spLocks noGrp="1"/>
-          </p:cNvSpPr>
-          <p:nvPr>
-            <p:ph type="title"/>
-          </p:nvPr>
-        </p:nvSpPr>
-        <p:spPr/>
-        <p:txBody>
-          <a:bodyPr/>
-          <a:lstStyle/>
-          <a:p>
-            <a:r>
-              <a:rPr lang="en-US" b="1" dirty="0"/>
-              <a:t>Style</a:t>
-            </a:r>
-            <a:r>
-              <a:rPr lang="en-US" dirty="0"/>
-              <a:t>: Mobile code</a:t>
-            </a:r>
-          </a:p>
-        </p:txBody>
-      </p:sp>
-      <p:graphicFrame>
-        <p:nvGraphicFramePr>
-          <p:cNvPr id="7" name="Content Placeholder 6">
-            <a:extLst>
-              <a:ext uri="{FF2B5EF4-FFF2-40B4-BE49-F238E27FC236}">
-                <a16:creationId xmlns:a16="http://schemas.microsoft.com/office/drawing/2014/main" id="{40A46DD3-E595-E649-960B-8B9F1334CA29}"/>
-              </a:ext>
-            </a:extLst>
-          </p:cNvPr>
-          <p:cNvGraphicFramePr>
-            <a:graphicFrameLocks noGrp="1"/>
-          </p:cNvGraphicFramePr>
-          <p:nvPr>
-            <p:ph idx="1"/>
-            <p:extLst>
-              <p:ext uri="{D42A27DB-BD31-4B8C-83A1-F6EECF244321}">
-                <p14:modId xmlns:p14="http://schemas.microsoft.com/office/powerpoint/2010/main" val="3065921353"/>
-              </p:ext>
-            </p:extLst>
-          </p:nvPr>
-        </p:nvGraphicFramePr>
-        <p:xfrm>
-          <a:off x="838200" y="1825625"/>
-          <a:ext cx="10515600" cy="4079240"/>
-        </p:xfrm>
-        <a:graphic>
-          <a:graphicData uri="http://schemas.openxmlformats.org/drawingml/2006/table">
-            <a:tbl>
-              <a:tblPr bandRow="1">
-                <a:tableStyleId>{C083E6E3-FA7D-4D7B-A595-EF9225AFEA82}</a:tableStyleId>
-              </a:tblPr>
-              <a:tblGrid>
-                <a:gridCol w="10515600">
-                  <a:extLst>
-                    <a:ext uri="{9D8B030D-6E8A-4147-A177-3AD203B41FA5}">
-                      <a16:colId xmlns:a16="http://schemas.microsoft.com/office/drawing/2014/main" val="3565431365"/>
-                    </a:ext>
-                  </a:extLst>
-                </a:gridCol>
-              </a:tblGrid>
-              <a:tr h="370840">
-                <a:tc>
-                  <a:txBody>
-                    <a:bodyPr/>
-                    <a:lstStyle/>
-                    <a:p>
-                      <a:r>
-                        <a:rPr lang="en-US" b="1" dirty="0"/>
-                        <a:t>Summary</a:t>
-                      </a:r>
-                      <a:r>
-                        <a:rPr lang="en-US" dirty="0"/>
-                        <a:t>: Code moves to be interpreted on another host, occasionally state does as well</a:t>
-                      </a:r>
-                    </a:p>
-                  </a:txBody>
-                  <a:tcPr/>
-                </a:tc>
-                <a:extLst>
-                  <a:ext uri="{0D108BD9-81ED-4DB2-BD59-A6C34878D82A}">
-                    <a16:rowId xmlns:a16="http://schemas.microsoft.com/office/drawing/2014/main" val="1920818122"/>
-                  </a:ext>
-                </a:extLst>
-              </a:tr>
-              <a:tr h="370840">
-                <a:tc>
-                  <a:txBody>
-                    <a:bodyPr/>
-                    <a:lstStyle/>
-                    <a:p>
-                      <a:r>
-                        <a:rPr lang="en-US" b="1" dirty="0"/>
-                        <a:t>Components</a:t>
-                      </a:r>
-                      <a:r>
-                        <a:rPr lang="en-US" dirty="0"/>
-                        <a:t>: Execution dock which handles receipt and deployment, compiler/interpreter</a:t>
-                      </a:r>
-                    </a:p>
-                  </a:txBody>
-                  <a:tcPr/>
-                </a:tc>
-                <a:extLst>
-                  <a:ext uri="{0D108BD9-81ED-4DB2-BD59-A6C34878D82A}">
-                    <a16:rowId xmlns:a16="http://schemas.microsoft.com/office/drawing/2014/main" val="1353163784"/>
-                  </a:ext>
-                </a:extLst>
-              </a:tr>
-              <a:tr h="370840">
-                <a:tc>
-                  <a:txBody>
-                    <a:bodyPr/>
-                    <a:lstStyle/>
-                    <a:p>
-                      <a:r>
-                        <a:rPr lang="en-US" b="1" dirty="0"/>
-                        <a:t>Connectors</a:t>
-                      </a:r>
-                      <a:r>
-                        <a:rPr lang="en-US" dirty="0"/>
-                        <a:t>: Network protocols and elements for packaging code</a:t>
-                      </a:r>
-                    </a:p>
-                  </a:txBody>
-                  <a:tcPr/>
-                </a:tc>
-                <a:extLst>
-                  <a:ext uri="{0D108BD9-81ED-4DB2-BD59-A6C34878D82A}">
-                    <a16:rowId xmlns:a16="http://schemas.microsoft.com/office/drawing/2014/main" val="1839859950"/>
-                  </a:ext>
-                </a:extLst>
-              </a:tr>
-              <a:tr h="370840">
-                <a:tc>
-                  <a:txBody>
-                    <a:bodyPr/>
-                    <a:lstStyle/>
-                    <a:p>
-                      <a:r>
-                        <a:rPr lang="en-US" b="1" dirty="0"/>
-                        <a:t>Data elements</a:t>
-                      </a:r>
-                      <a:r>
-                        <a:rPr lang="en-US" dirty="0"/>
-                        <a:t>: Representation of code as data; program data; state</a:t>
-                      </a:r>
-                    </a:p>
-                  </a:txBody>
-                  <a:tcPr/>
-                </a:tc>
-                <a:extLst>
-                  <a:ext uri="{0D108BD9-81ED-4DB2-BD59-A6C34878D82A}">
-                    <a16:rowId xmlns:a16="http://schemas.microsoft.com/office/drawing/2014/main" val="2559742039"/>
-                  </a:ext>
-                </a:extLst>
-              </a:tr>
-              <a:tr h="370840">
-                <a:tc>
-                  <a:txBody>
-                    <a:bodyPr/>
-                    <a:lstStyle/>
-                    <a:p>
-                      <a:r>
-                        <a:rPr lang="en-US" b="1" dirty="0"/>
-                        <a:t>Topology</a:t>
-                      </a:r>
-                      <a:r>
-                        <a:rPr lang="en-US" dirty="0"/>
-                        <a:t>: Network</a:t>
-                      </a:r>
-                    </a:p>
-                  </a:txBody>
-                  <a:tcPr/>
-                </a:tc>
-                <a:extLst>
-                  <a:ext uri="{0D108BD9-81ED-4DB2-BD59-A6C34878D82A}">
-                    <a16:rowId xmlns:a16="http://schemas.microsoft.com/office/drawing/2014/main" val="2071415196"/>
-                  </a:ext>
-                </a:extLst>
-              </a:tr>
-              <a:tr h="370840">
-                <a:tc>
-                  <a:txBody>
-                    <a:bodyPr/>
-                    <a:lstStyle/>
-                    <a:p>
-                      <a:r>
-                        <a:rPr lang="en-US" b="1" dirty="0"/>
-                        <a:t>Variants</a:t>
-                      </a:r>
-                      <a:r>
-                        <a:rPr lang="en-US" dirty="0"/>
-                        <a:t>: Code-on-demand; remove evaluation; mobile agent</a:t>
-                      </a:r>
-                    </a:p>
-                  </a:txBody>
-                  <a:tcPr/>
-                </a:tc>
-                <a:extLst>
-                  <a:ext uri="{0D108BD9-81ED-4DB2-BD59-A6C34878D82A}">
-                    <a16:rowId xmlns:a16="http://schemas.microsoft.com/office/drawing/2014/main" val="1844578667"/>
-                  </a:ext>
-                </a:extLst>
-              </a:tr>
-              <a:tr h="370840">
-                <a:tc>
-                  <a:txBody>
-                    <a:bodyPr/>
-                    <a:lstStyle/>
-                    <a:p>
-                      <a:r>
-                        <a:rPr lang="en-US" b="1" dirty="0"/>
-                        <a:t>Qualities</a:t>
-                      </a:r>
-                      <a:r>
-                        <a:rPr lang="en-US" dirty="0"/>
-                        <a:t>: Dynamic adaptability; move processing to available power</a:t>
-                      </a:r>
-                    </a:p>
-                  </a:txBody>
-                  <a:tcPr/>
-                </a:tc>
-                <a:extLst>
-                  <a:ext uri="{0D108BD9-81ED-4DB2-BD59-A6C34878D82A}">
-                    <a16:rowId xmlns:a16="http://schemas.microsoft.com/office/drawing/2014/main" val="3672103038"/>
-                  </a:ext>
-                </a:extLst>
-              </a:tr>
-              <a:tr h="370840">
-                <a:tc>
-                  <a:txBody>
-                    <a:bodyPr/>
-                    <a:lstStyle/>
-                    <a:p>
-                      <a:endParaRPr lang="en-US" dirty="0"/>
-                    </a:p>
-                  </a:txBody>
-                  <a:tcPr/>
-                </a:tc>
-                <a:extLst>
-                  <a:ext uri="{0D108BD9-81ED-4DB2-BD59-A6C34878D82A}">
-                    <a16:rowId xmlns:a16="http://schemas.microsoft.com/office/drawing/2014/main" val="1459849202"/>
-                  </a:ext>
-                </a:extLst>
-              </a:tr>
-              <a:tr h="370840">
-                <a:tc>
-                  <a:txBody>
-                    <a:bodyPr/>
-                    <a:lstStyle/>
-                    <a:p>
-                      <a:r>
-                        <a:rPr lang="en-US" b="1" dirty="0"/>
-                        <a:t>Typical uses</a:t>
-                      </a:r>
-                      <a:r>
-                        <a:rPr lang="en-US" dirty="0"/>
-                        <a:t>: When processing large data sets it’s more efficient to move the code to the data</a:t>
-                      </a:r>
-                    </a:p>
-                  </a:txBody>
-                  <a:tcPr/>
-                </a:tc>
-                <a:extLst>
-                  <a:ext uri="{0D108BD9-81ED-4DB2-BD59-A6C34878D82A}">
-                    <a16:rowId xmlns:a16="http://schemas.microsoft.com/office/drawing/2014/main" val="2052877018"/>
-                  </a:ext>
-                </a:extLst>
-              </a:tr>
-              <a:tr h="370840">
-                <a:tc>
-                  <a:txBody>
-                    <a:bodyPr/>
-                    <a:lstStyle/>
-                    <a:p>
-                      <a:r>
-                        <a:rPr lang="en-US" b="1" dirty="0"/>
-                        <a:t>Cautions</a:t>
-                      </a:r>
-                      <a:r>
-                        <a:rPr lang="en-US" dirty="0"/>
-                        <a:t>: Security issues – execution of remote code may escape sandbox; network cost to distribute</a:t>
-                      </a:r>
-                    </a:p>
-                  </a:txBody>
-                  <a:tcPr/>
-                </a:tc>
-                <a:extLst>
-                  <a:ext uri="{0D108BD9-81ED-4DB2-BD59-A6C34878D82A}">
-                    <a16:rowId xmlns:a16="http://schemas.microsoft.com/office/drawing/2014/main" val="231181336"/>
-                  </a:ext>
-                </a:extLst>
-              </a:tr>
-              <a:tr h="370840">
-                <a:tc>
-                  <a:txBody>
-                    <a:bodyPr/>
-                    <a:lstStyle/>
-                    <a:p>
-                      <a:r>
-                        <a:rPr lang="en-US" b="1" dirty="0"/>
-                        <a:t>Lang. / </a:t>
-                      </a:r>
-                      <a:r>
-                        <a:rPr lang="en-US" b="1" dirty="0" err="1"/>
-                        <a:t>env</a:t>
-                      </a:r>
-                      <a:r>
-                        <a:rPr lang="en-US" b="1" dirty="0"/>
-                        <a:t>. relationships</a:t>
-                      </a:r>
-                      <a:r>
-                        <a:rPr lang="en-US" dirty="0"/>
-                        <a:t>: Scripting languages, grid computing</a:t>
-                      </a:r>
-                    </a:p>
-                  </a:txBody>
-                  <a:tcPr/>
-                </a:tc>
-                <a:extLst>
-                  <a:ext uri="{0D108BD9-81ED-4DB2-BD59-A6C34878D82A}">
-                    <a16:rowId xmlns:a16="http://schemas.microsoft.com/office/drawing/2014/main" val="857360620"/>
-                  </a:ext>
-                </a:extLst>
-              </a:tr>
-            </a:tbl>
-          </a:graphicData>
-        </a:graphic>
-      </p:graphicFrame>
-    </p:spTree>
-    <p:extLst>
-      <p:ext uri="{BB962C8B-B14F-4D97-AF65-F5344CB8AC3E}">
-        <p14:creationId xmlns:p14="http://schemas.microsoft.com/office/powerpoint/2010/main" val="3858807955"/>
-      </p:ext>
-    </p:extLst>
-  </p:cSld>
-  <p:clrMapOvr>
-    <a:masterClrMapping/>
-  </p:clrMapOvr>
-</p:sld>
-</file>
-
-<file path=ppt/slides/slide34.xml><?xml version="1.0" encoding="utf-8"?>
-<p:sld xmlns:a="http://schemas.openxmlformats.org/drawingml/2006/main" xmlns:r="http://schemas.openxmlformats.org/officeDocument/2006/relationships" xmlns:p="http://schemas.openxmlformats.org/presentationml/2006/main">
-  <p:cSld>
-    <p:spTree>
-      <p:nvGrpSpPr>
-        <p:cNvPr id="1" name=""/>
-        <p:cNvGrpSpPr/>
-        <p:nvPr/>
-      </p:nvGrpSpPr>
-      <p:grpSpPr>
-        <a:xfrm>
-          <a:off x="0" y="0"/>
-          <a:ext cx="0" cy="0"/>
-          <a:chOff x="0" y="0"/>
-          <a:chExt cx="0" cy="0"/>
-        </a:xfrm>
-      </p:grpSpPr>
-      <p:sp>
-        <p:nvSpPr>
-          <p:cNvPr id="5" name="Title 4">
-            <a:extLst>
-              <a:ext uri="{FF2B5EF4-FFF2-40B4-BE49-F238E27FC236}">
-                <a16:creationId xmlns:a16="http://schemas.microsoft.com/office/drawing/2014/main" id="{6D2F4C59-1A85-2241-BA63-597393865818}"/>
-              </a:ext>
-            </a:extLst>
-          </p:cNvPr>
-          <p:cNvSpPr>
-            <a:spLocks noGrp="1"/>
-          </p:cNvSpPr>
-          <p:nvPr>
-            <p:ph type="title"/>
-          </p:nvPr>
-        </p:nvSpPr>
-        <p:spPr/>
-        <p:txBody>
-          <a:bodyPr/>
-          <a:lstStyle/>
-          <a:p>
-            <a:r>
-              <a:rPr lang="en-US" b="1" dirty="0"/>
-              <a:t>Style</a:t>
-            </a:r>
-            <a:r>
-              <a:rPr lang="en-US" dirty="0"/>
-              <a:t>: Publish-subscribe</a:t>
-            </a:r>
-          </a:p>
-        </p:txBody>
-      </p:sp>
-      <p:graphicFrame>
-        <p:nvGraphicFramePr>
-          <p:cNvPr id="7" name="Content Placeholder 6">
-            <a:extLst>
-              <a:ext uri="{FF2B5EF4-FFF2-40B4-BE49-F238E27FC236}">
-                <a16:creationId xmlns:a16="http://schemas.microsoft.com/office/drawing/2014/main" id="{40A46DD3-E595-E649-960B-8B9F1334CA29}"/>
-              </a:ext>
-            </a:extLst>
-          </p:cNvPr>
-          <p:cNvGraphicFramePr>
-            <a:graphicFrameLocks noGrp="1"/>
-          </p:cNvGraphicFramePr>
-          <p:nvPr>
-            <p:ph idx="1"/>
-            <p:extLst>
-              <p:ext uri="{D42A27DB-BD31-4B8C-83A1-F6EECF244321}">
-                <p14:modId xmlns:p14="http://schemas.microsoft.com/office/powerpoint/2010/main" val="2347998220"/>
-              </p:ext>
-            </p:extLst>
-          </p:nvPr>
-        </p:nvGraphicFramePr>
-        <p:xfrm>
-          <a:off x="838200" y="1825625"/>
-          <a:ext cx="10515600" cy="4079240"/>
-        </p:xfrm>
-        <a:graphic>
-          <a:graphicData uri="http://schemas.openxmlformats.org/drawingml/2006/table">
-            <a:tbl>
-              <a:tblPr bandRow="1">
-                <a:tableStyleId>{C083E6E3-FA7D-4D7B-A595-EF9225AFEA82}</a:tableStyleId>
-              </a:tblPr>
-              <a:tblGrid>
-                <a:gridCol w="10515600">
-                  <a:extLst>
-                    <a:ext uri="{9D8B030D-6E8A-4147-A177-3AD203B41FA5}">
-                      <a16:colId xmlns:a16="http://schemas.microsoft.com/office/drawing/2014/main" val="3565431365"/>
-                    </a:ext>
-                  </a:extLst>
-                </a:gridCol>
-              </a:tblGrid>
-              <a:tr h="370840">
-                <a:tc>
-                  <a:txBody>
-                    <a:bodyPr/>
-                    <a:lstStyle/>
-                    <a:p>
-                      <a:r>
-                        <a:rPr lang="en-US" b="1" dirty="0"/>
-                        <a:t>Summary</a:t>
-                      </a:r>
-                      <a:r>
-                        <a:rPr lang="en-US" dirty="0"/>
-                        <a:t>: Subscribers register / unregister to receive specific messages; maintained subscriber list</a:t>
-                      </a:r>
-                    </a:p>
-                  </a:txBody>
-                  <a:tcPr/>
-                </a:tc>
-                <a:extLst>
-                  <a:ext uri="{0D108BD9-81ED-4DB2-BD59-A6C34878D82A}">
-                    <a16:rowId xmlns:a16="http://schemas.microsoft.com/office/drawing/2014/main" val="1920818122"/>
-                  </a:ext>
-                </a:extLst>
-              </a:tr>
-              <a:tr h="370840">
-                <a:tc>
-                  <a:txBody>
-                    <a:bodyPr/>
-                    <a:lstStyle/>
-                    <a:p>
-                      <a:r>
-                        <a:rPr lang="en-US" b="1" dirty="0"/>
-                        <a:t>Components</a:t>
-                      </a:r>
-                      <a:r>
-                        <a:rPr lang="en-US" dirty="0"/>
-                        <a:t>: Publisher, subscribers, proxies</a:t>
-                      </a:r>
-                    </a:p>
-                  </a:txBody>
-                  <a:tcPr/>
-                </a:tc>
-                <a:extLst>
-                  <a:ext uri="{0D108BD9-81ED-4DB2-BD59-A6C34878D82A}">
-                    <a16:rowId xmlns:a16="http://schemas.microsoft.com/office/drawing/2014/main" val="1353163784"/>
-                  </a:ext>
-                </a:extLst>
-              </a:tr>
-              <a:tr h="370840">
-                <a:tc>
-                  <a:txBody>
-                    <a:bodyPr/>
-                    <a:lstStyle/>
-                    <a:p>
-                      <a:r>
-                        <a:rPr lang="en-US" b="1" dirty="0"/>
-                        <a:t>Connectors</a:t>
-                      </a:r>
-                      <a:r>
-                        <a:rPr lang="en-US" dirty="0"/>
-                        <a:t>: May be LPC, more likely remote via network protocol; router</a:t>
-                      </a:r>
-                    </a:p>
-                  </a:txBody>
-                  <a:tcPr/>
-                </a:tc>
-                <a:extLst>
-                  <a:ext uri="{0D108BD9-81ED-4DB2-BD59-A6C34878D82A}">
-                    <a16:rowId xmlns:a16="http://schemas.microsoft.com/office/drawing/2014/main" val="1839859950"/>
-                  </a:ext>
-                </a:extLst>
-              </a:tr>
-              <a:tr h="370840">
-                <a:tc>
-                  <a:txBody>
-                    <a:bodyPr/>
-                    <a:lstStyle/>
-                    <a:p>
-                      <a:r>
-                        <a:rPr lang="en-US" b="1" dirty="0"/>
-                        <a:t>Data elements</a:t>
-                      </a:r>
-                      <a:r>
-                        <a:rPr lang="en-US" dirty="0"/>
-                        <a:t>: Subscriptions, notifications, published content</a:t>
-                      </a:r>
-                    </a:p>
-                  </a:txBody>
-                  <a:tcPr/>
-                </a:tc>
-                <a:extLst>
-                  <a:ext uri="{0D108BD9-81ED-4DB2-BD59-A6C34878D82A}">
-                    <a16:rowId xmlns:a16="http://schemas.microsoft.com/office/drawing/2014/main" val="2559742039"/>
-                  </a:ext>
-                </a:extLst>
-              </a:tr>
-              <a:tr h="370840">
-                <a:tc>
-                  <a:txBody>
-                    <a:bodyPr/>
-                    <a:lstStyle/>
-                    <a:p>
-                      <a:r>
-                        <a:rPr lang="en-US" b="1" dirty="0"/>
-                        <a:t>Topology</a:t>
-                      </a:r>
-                      <a:r>
-                        <a:rPr lang="en-US" dirty="0"/>
-                        <a:t>: Subscribers may connect directly or via network protocol and proxy / locator</a:t>
-                      </a:r>
-                    </a:p>
-                  </a:txBody>
-                  <a:tcPr/>
-                </a:tc>
-                <a:extLst>
-                  <a:ext uri="{0D108BD9-81ED-4DB2-BD59-A6C34878D82A}">
-                    <a16:rowId xmlns:a16="http://schemas.microsoft.com/office/drawing/2014/main" val="2071415196"/>
-                  </a:ext>
-                </a:extLst>
-              </a:tr>
-              <a:tr h="370840">
-                <a:tc>
-                  <a:txBody>
-                    <a:bodyPr/>
-                    <a:lstStyle/>
-                    <a:p>
-                      <a:r>
-                        <a:rPr lang="en-US" b="1" dirty="0"/>
-                        <a:t>Variants</a:t>
-                      </a:r>
-                      <a:r>
-                        <a:rPr lang="en-US" dirty="0"/>
-                        <a:t>: Differences in sub / unsub; complex message-based matching</a:t>
-                      </a:r>
-                    </a:p>
-                  </a:txBody>
-                  <a:tcPr/>
-                </a:tc>
-                <a:extLst>
-                  <a:ext uri="{0D108BD9-81ED-4DB2-BD59-A6C34878D82A}">
-                    <a16:rowId xmlns:a16="http://schemas.microsoft.com/office/drawing/2014/main" val="1844578667"/>
-                  </a:ext>
-                </a:extLst>
-              </a:tr>
-              <a:tr h="370840">
-                <a:tc>
-                  <a:txBody>
-                    <a:bodyPr/>
-                    <a:lstStyle/>
-                    <a:p>
-                      <a:r>
-                        <a:rPr lang="en-US" b="1" dirty="0"/>
-                        <a:t>Qualities</a:t>
-                      </a:r>
-                      <a:r>
-                        <a:rPr lang="en-US" dirty="0"/>
-                        <a:t>: Highly-efficient one-way delivery with very low coupling</a:t>
-                      </a:r>
-                    </a:p>
-                  </a:txBody>
-                  <a:tcPr/>
-                </a:tc>
-                <a:extLst>
-                  <a:ext uri="{0D108BD9-81ED-4DB2-BD59-A6C34878D82A}">
-                    <a16:rowId xmlns:a16="http://schemas.microsoft.com/office/drawing/2014/main" val="3672103038"/>
-                  </a:ext>
-                </a:extLst>
-              </a:tr>
-              <a:tr h="370840">
-                <a:tc>
-                  <a:txBody>
-                    <a:bodyPr/>
-                    <a:lstStyle/>
-                    <a:p>
-                      <a:endParaRPr lang="en-US" dirty="0"/>
-                    </a:p>
-                  </a:txBody>
-                  <a:tcPr/>
-                </a:tc>
-                <a:extLst>
-                  <a:ext uri="{0D108BD9-81ED-4DB2-BD59-A6C34878D82A}">
-                    <a16:rowId xmlns:a16="http://schemas.microsoft.com/office/drawing/2014/main" val="1459849202"/>
-                  </a:ext>
-                </a:extLst>
-              </a:tr>
-              <a:tr h="370840">
-                <a:tc>
-                  <a:txBody>
-                    <a:bodyPr/>
-                    <a:lstStyle/>
-                    <a:p>
-                      <a:r>
-                        <a:rPr lang="en-US" b="1" dirty="0"/>
-                        <a:t>Typical uses</a:t>
-                      </a:r>
-                      <a:r>
-                        <a:rPr lang="en-US" dirty="0"/>
-                        <a:t>: Graphics interfaces, multi-user games</a:t>
-                      </a:r>
-                    </a:p>
-                  </a:txBody>
-                  <a:tcPr/>
-                </a:tc>
-                <a:extLst>
-                  <a:ext uri="{0D108BD9-81ED-4DB2-BD59-A6C34878D82A}">
-                    <a16:rowId xmlns:a16="http://schemas.microsoft.com/office/drawing/2014/main" val="2052877018"/>
-                  </a:ext>
-                </a:extLst>
-              </a:tr>
-              <a:tr h="370840">
-                <a:tc>
-                  <a:txBody>
-                    <a:bodyPr/>
-                    <a:lstStyle/>
-                    <a:p>
-                      <a:r>
-                        <a:rPr lang="en-US" b="1" dirty="0"/>
-                        <a:t>Cautions</a:t>
-                      </a:r>
-                      <a:r>
-                        <a:rPr lang="en-US" dirty="0"/>
-                        <a:t>: When number of subscribers for a given message is large a custom broadcast may be required</a:t>
-                      </a:r>
-                    </a:p>
-                  </a:txBody>
-                  <a:tcPr/>
-                </a:tc>
-                <a:extLst>
-                  <a:ext uri="{0D108BD9-81ED-4DB2-BD59-A6C34878D82A}">
-                    <a16:rowId xmlns:a16="http://schemas.microsoft.com/office/drawing/2014/main" val="231181336"/>
-                  </a:ext>
-                </a:extLst>
-              </a:tr>
-              <a:tr h="370840">
-                <a:tc>
-                  <a:txBody>
-                    <a:bodyPr/>
-                    <a:lstStyle/>
-                    <a:p>
-                      <a:r>
-                        <a:rPr lang="en-US" b="1" dirty="0"/>
-                        <a:t>Lang. / </a:t>
-                      </a:r>
-                      <a:r>
-                        <a:rPr lang="en-US" b="1" dirty="0" err="1"/>
-                        <a:t>env</a:t>
-                      </a:r>
-                      <a:r>
-                        <a:rPr lang="en-US" b="1" dirty="0"/>
-                        <a:t>. relationships</a:t>
-                      </a:r>
-                      <a:r>
-                        <a:rPr lang="en-US" dirty="0"/>
-                        <a:t>: In large-scale system this is usually provided by middleware</a:t>
-                      </a:r>
-                    </a:p>
-                  </a:txBody>
-                  <a:tcPr/>
-                </a:tc>
-                <a:extLst>
-                  <a:ext uri="{0D108BD9-81ED-4DB2-BD59-A6C34878D82A}">
-                    <a16:rowId xmlns:a16="http://schemas.microsoft.com/office/drawing/2014/main" val="857360620"/>
-                  </a:ext>
-                </a:extLst>
-              </a:tr>
-            </a:tbl>
-          </a:graphicData>
-        </a:graphic>
-      </p:graphicFrame>
-    </p:spTree>
-    <p:extLst>
-      <p:ext uri="{BB962C8B-B14F-4D97-AF65-F5344CB8AC3E}">
-        <p14:creationId xmlns:p14="http://schemas.microsoft.com/office/powerpoint/2010/main" val="1412320450"/>
-      </p:ext>
-    </p:extLst>
-  </p:cSld>
-  <p:clrMapOvr>
-    <a:masterClrMapping/>
-  </p:clrMapOvr>
-</p:sld>
-</file>
-
-<file path=ppt/slides/slide35.xml><?xml version="1.0" encoding="utf-8"?>
-<p:sld xmlns:a="http://schemas.openxmlformats.org/drawingml/2006/main" xmlns:r="http://schemas.openxmlformats.org/officeDocument/2006/relationships" xmlns:p="http://schemas.openxmlformats.org/presentationml/2006/main">
-  <p:cSld>
-    <p:spTree>
-      <p:nvGrpSpPr>
-        <p:cNvPr id="1" name=""/>
-        <p:cNvGrpSpPr/>
-        <p:nvPr/>
-      </p:nvGrpSpPr>
-      <p:grpSpPr>
-        <a:xfrm>
-          <a:off x="0" y="0"/>
-          <a:ext cx="0" cy="0"/>
-          <a:chOff x="0" y="0"/>
-          <a:chExt cx="0" cy="0"/>
-        </a:xfrm>
-      </p:grpSpPr>
-      <p:sp>
-        <p:nvSpPr>
-          <p:cNvPr id="5" name="Title 4">
-            <a:extLst>
-              <a:ext uri="{FF2B5EF4-FFF2-40B4-BE49-F238E27FC236}">
-                <a16:creationId xmlns:a16="http://schemas.microsoft.com/office/drawing/2014/main" id="{6D2F4C59-1A85-2241-BA63-597393865818}"/>
-              </a:ext>
-            </a:extLst>
-          </p:cNvPr>
-          <p:cNvSpPr>
-            <a:spLocks noGrp="1"/>
-          </p:cNvSpPr>
-          <p:nvPr>
-            <p:ph type="title"/>
-          </p:nvPr>
-        </p:nvSpPr>
-        <p:spPr/>
-        <p:txBody>
-          <a:bodyPr/>
-          <a:lstStyle/>
-          <a:p>
-            <a:r>
-              <a:rPr lang="en-US" b="1" dirty="0"/>
-              <a:t>Style</a:t>
-            </a:r>
-            <a:r>
-              <a:rPr lang="en-US" dirty="0"/>
-              <a:t>: Event-based</a:t>
-            </a:r>
-          </a:p>
-        </p:txBody>
-      </p:sp>
-      <p:graphicFrame>
-        <p:nvGraphicFramePr>
-          <p:cNvPr id="7" name="Content Placeholder 6">
-            <a:extLst>
-              <a:ext uri="{FF2B5EF4-FFF2-40B4-BE49-F238E27FC236}">
-                <a16:creationId xmlns:a16="http://schemas.microsoft.com/office/drawing/2014/main" id="{40A46DD3-E595-E649-960B-8B9F1334CA29}"/>
-              </a:ext>
-            </a:extLst>
-          </p:cNvPr>
-          <p:cNvGraphicFramePr>
-            <a:graphicFrameLocks noGrp="1"/>
-          </p:cNvGraphicFramePr>
-          <p:nvPr>
-            <p:ph idx="1"/>
-            <p:extLst>
-              <p:ext uri="{D42A27DB-BD31-4B8C-83A1-F6EECF244321}">
-                <p14:modId xmlns:p14="http://schemas.microsoft.com/office/powerpoint/2010/main" val="4049875021"/>
-              </p:ext>
-            </p:extLst>
-          </p:nvPr>
-        </p:nvGraphicFramePr>
-        <p:xfrm>
-          <a:off x="838200" y="1825625"/>
-          <a:ext cx="10515600" cy="4079240"/>
-        </p:xfrm>
-        <a:graphic>
-          <a:graphicData uri="http://schemas.openxmlformats.org/drawingml/2006/table">
-            <a:tbl>
-              <a:tblPr bandRow="1">
-                <a:tableStyleId>{C083E6E3-FA7D-4D7B-A595-EF9225AFEA82}</a:tableStyleId>
-              </a:tblPr>
-              <a:tblGrid>
-                <a:gridCol w="10515600">
-                  <a:extLst>
-                    <a:ext uri="{9D8B030D-6E8A-4147-A177-3AD203B41FA5}">
-                      <a16:colId xmlns:a16="http://schemas.microsoft.com/office/drawing/2014/main" val="3565431365"/>
-                    </a:ext>
-                  </a:extLst>
-                </a:gridCol>
-              </a:tblGrid>
-              <a:tr h="370840">
-                <a:tc>
-                  <a:txBody>
-                    <a:bodyPr/>
-                    <a:lstStyle/>
-                    <a:p>
-                      <a:r>
-                        <a:rPr lang="en-US" b="1" dirty="0"/>
-                        <a:t>Summary</a:t>
-                      </a:r>
-                      <a:r>
-                        <a:rPr lang="en-US" dirty="0"/>
-                        <a:t>: Independent components asynchronously emit and receive events over a message bus</a:t>
-                      </a:r>
-                    </a:p>
-                  </a:txBody>
-                  <a:tcPr/>
-                </a:tc>
-                <a:extLst>
-                  <a:ext uri="{0D108BD9-81ED-4DB2-BD59-A6C34878D82A}">
-                    <a16:rowId xmlns:a16="http://schemas.microsoft.com/office/drawing/2014/main" val="1920818122"/>
-                  </a:ext>
-                </a:extLst>
-              </a:tr>
-              <a:tr h="370840">
-                <a:tc>
-                  <a:txBody>
-                    <a:bodyPr/>
-                    <a:lstStyle/>
-                    <a:p>
-                      <a:r>
-                        <a:rPr lang="en-US" b="1" dirty="0"/>
-                        <a:t>Components</a:t>
-                      </a:r>
-                      <a:r>
-                        <a:rPr lang="en-US" dirty="0"/>
-                        <a:t>: Independent, concurrent event generators and consumers</a:t>
-                      </a:r>
-                    </a:p>
-                  </a:txBody>
-                  <a:tcPr/>
-                </a:tc>
-                <a:extLst>
-                  <a:ext uri="{0D108BD9-81ED-4DB2-BD59-A6C34878D82A}">
-                    <a16:rowId xmlns:a16="http://schemas.microsoft.com/office/drawing/2014/main" val="1353163784"/>
-                  </a:ext>
-                </a:extLst>
-              </a:tr>
-              <a:tr h="370840">
-                <a:tc>
-                  <a:txBody>
-                    <a:bodyPr/>
-                    <a:lstStyle/>
-                    <a:p>
-                      <a:r>
-                        <a:rPr lang="en-US" b="1" dirty="0"/>
-                        <a:t>Connectors</a:t>
-                      </a:r>
-                      <a:r>
-                        <a:rPr lang="en-US" dirty="0"/>
-                        <a:t>: Event bus. In variants, more than one bus may be used</a:t>
-                      </a:r>
-                    </a:p>
-                  </a:txBody>
-                  <a:tcPr/>
-                </a:tc>
-                <a:extLst>
-                  <a:ext uri="{0D108BD9-81ED-4DB2-BD59-A6C34878D82A}">
-                    <a16:rowId xmlns:a16="http://schemas.microsoft.com/office/drawing/2014/main" val="1839859950"/>
-                  </a:ext>
-                </a:extLst>
-              </a:tr>
-              <a:tr h="370840">
-                <a:tc>
-                  <a:txBody>
-                    <a:bodyPr/>
-                    <a:lstStyle/>
-                    <a:p>
-                      <a:r>
-                        <a:rPr lang="en-US" b="1" dirty="0"/>
-                        <a:t>Data elements</a:t>
-                      </a:r>
-                      <a:r>
-                        <a:rPr lang="en-US" dirty="0"/>
-                        <a:t>: Events – data is a first-class entity</a:t>
-                      </a:r>
-                    </a:p>
-                  </a:txBody>
-                  <a:tcPr/>
-                </a:tc>
-                <a:extLst>
-                  <a:ext uri="{0D108BD9-81ED-4DB2-BD59-A6C34878D82A}">
-                    <a16:rowId xmlns:a16="http://schemas.microsoft.com/office/drawing/2014/main" val="2559742039"/>
-                  </a:ext>
-                </a:extLst>
-              </a:tr>
-              <a:tr h="370840">
-                <a:tc>
-                  <a:txBody>
-                    <a:bodyPr/>
-                    <a:lstStyle/>
-                    <a:p>
-                      <a:r>
-                        <a:rPr lang="en-US" b="1" dirty="0"/>
-                        <a:t>Topology</a:t>
-                      </a:r>
-                      <a:r>
-                        <a:rPr lang="en-US" dirty="0"/>
-                        <a:t>: Components communicate with the event bus, not with each other</a:t>
-                      </a:r>
-                    </a:p>
-                  </a:txBody>
-                  <a:tcPr/>
-                </a:tc>
-                <a:extLst>
-                  <a:ext uri="{0D108BD9-81ED-4DB2-BD59-A6C34878D82A}">
-                    <a16:rowId xmlns:a16="http://schemas.microsoft.com/office/drawing/2014/main" val="2071415196"/>
-                  </a:ext>
-                </a:extLst>
-              </a:tr>
-              <a:tr h="370840">
-                <a:tc>
-                  <a:txBody>
-                    <a:bodyPr/>
-                    <a:lstStyle/>
-                    <a:p>
-                      <a:r>
-                        <a:rPr lang="en-US" b="1" dirty="0"/>
-                        <a:t>Variants</a:t>
-                      </a:r>
-                      <a:r>
-                        <a:rPr lang="en-US" dirty="0"/>
-                        <a:t>: Communication with the bus may be either push or pull</a:t>
-                      </a:r>
-                    </a:p>
-                  </a:txBody>
-                  <a:tcPr/>
-                </a:tc>
-                <a:extLst>
-                  <a:ext uri="{0D108BD9-81ED-4DB2-BD59-A6C34878D82A}">
-                    <a16:rowId xmlns:a16="http://schemas.microsoft.com/office/drawing/2014/main" val="1844578667"/>
-                  </a:ext>
-                </a:extLst>
-              </a:tr>
-              <a:tr h="370840">
-                <a:tc>
-                  <a:txBody>
-                    <a:bodyPr/>
-                    <a:lstStyle/>
-                    <a:p>
-                      <a:r>
-                        <a:rPr lang="en-US" b="1" dirty="0"/>
-                        <a:t>Qualities</a:t>
-                      </a:r>
-                      <a:r>
-                        <a:rPr lang="en-US" dirty="0"/>
-                        <a:t>: Highly scalable, easy to evolve, effective for distribution in space and time</a:t>
-                      </a:r>
-                    </a:p>
-                  </a:txBody>
-                  <a:tcPr/>
-                </a:tc>
-                <a:extLst>
-                  <a:ext uri="{0D108BD9-81ED-4DB2-BD59-A6C34878D82A}">
-                    <a16:rowId xmlns:a16="http://schemas.microsoft.com/office/drawing/2014/main" val="3672103038"/>
-                  </a:ext>
-                </a:extLst>
-              </a:tr>
-              <a:tr h="370840">
-                <a:tc>
-                  <a:txBody>
-                    <a:bodyPr/>
-                    <a:lstStyle/>
-                    <a:p>
-                      <a:endParaRPr lang="en-US" dirty="0"/>
-                    </a:p>
-                  </a:txBody>
-                  <a:tcPr/>
-                </a:tc>
-                <a:extLst>
-                  <a:ext uri="{0D108BD9-81ED-4DB2-BD59-A6C34878D82A}">
-                    <a16:rowId xmlns:a16="http://schemas.microsoft.com/office/drawing/2014/main" val="1459849202"/>
-                  </a:ext>
-                </a:extLst>
-              </a:tr>
-              <a:tr h="370840">
-                <a:tc>
-                  <a:txBody>
-                    <a:bodyPr/>
-                    <a:lstStyle/>
-                    <a:p>
-                      <a:r>
-                        <a:rPr lang="en-US" b="1" dirty="0"/>
-                        <a:t>Typical uses</a:t>
-                      </a:r>
-                      <a:r>
-                        <a:rPr lang="en-US" dirty="0"/>
-                        <a:t>: UI software, wide-area applications involving independent parties (markets, sensors)</a:t>
-                      </a:r>
-                    </a:p>
-                  </a:txBody>
-                  <a:tcPr/>
-                </a:tc>
-                <a:extLst>
-                  <a:ext uri="{0D108BD9-81ED-4DB2-BD59-A6C34878D82A}">
-                    <a16:rowId xmlns:a16="http://schemas.microsoft.com/office/drawing/2014/main" val="2052877018"/>
-                  </a:ext>
-                </a:extLst>
-              </a:tr>
-              <a:tr h="370840">
-                <a:tc>
-                  <a:txBody>
-                    <a:bodyPr/>
-                    <a:lstStyle/>
-                    <a:p>
-                      <a:r>
-                        <a:rPr lang="en-US" b="1" dirty="0"/>
-                        <a:t>Cautions</a:t>
-                      </a:r>
-                      <a:r>
-                        <a:rPr lang="en-US" dirty="0"/>
-                        <a:t>: No guaranteed if or when a message will be processed</a:t>
-                      </a:r>
-                    </a:p>
-                  </a:txBody>
-                  <a:tcPr/>
-                </a:tc>
-                <a:extLst>
-                  <a:ext uri="{0D108BD9-81ED-4DB2-BD59-A6C34878D82A}">
-                    <a16:rowId xmlns:a16="http://schemas.microsoft.com/office/drawing/2014/main" val="231181336"/>
-                  </a:ext>
-                </a:extLst>
-              </a:tr>
-              <a:tr h="370840">
-                <a:tc>
-                  <a:txBody>
-                    <a:bodyPr/>
-                    <a:lstStyle/>
-                    <a:p>
-                      <a:r>
-                        <a:rPr lang="en-US" b="1" dirty="0"/>
-                        <a:t>Lang. / </a:t>
-                      </a:r>
-                      <a:r>
-                        <a:rPr lang="en-US" b="1" dirty="0" err="1"/>
-                        <a:t>env</a:t>
-                      </a:r>
-                      <a:r>
-                        <a:rPr lang="en-US" b="1" dirty="0"/>
-                        <a:t>. relationships</a:t>
-                      </a:r>
-                      <a:r>
-                        <a:rPr lang="en-US" dirty="0"/>
-                        <a:t>: Commercial message-oriented middleware</a:t>
-                      </a:r>
-                    </a:p>
-                  </a:txBody>
-                  <a:tcPr/>
-                </a:tc>
-                <a:extLst>
-                  <a:ext uri="{0D108BD9-81ED-4DB2-BD59-A6C34878D82A}">
-                    <a16:rowId xmlns:a16="http://schemas.microsoft.com/office/drawing/2014/main" val="857360620"/>
-                  </a:ext>
-                </a:extLst>
-              </a:tr>
-            </a:tbl>
-          </a:graphicData>
-        </a:graphic>
-      </p:graphicFrame>
-    </p:spTree>
-    <p:extLst>
-      <p:ext uri="{BB962C8B-B14F-4D97-AF65-F5344CB8AC3E}">
-        <p14:creationId xmlns:p14="http://schemas.microsoft.com/office/powerpoint/2010/main" val="2971640879"/>
-      </p:ext>
-    </p:extLst>
-  </p:cSld>
-  <p:clrMapOvr>
-    <a:masterClrMapping/>
-  </p:clrMapOvr>
-</p:sld>
-</file>
-
-<file path=ppt/slides/slide36.xml><?xml version="1.0" encoding="utf-8"?>
-<p:sld xmlns:a="http://schemas.openxmlformats.org/drawingml/2006/main" xmlns:r="http://schemas.openxmlformats.org/officeDocument/2006/relationships" xmlns:p="http://schemas.openxmlformats.org/presentationml/2006/main">
-  <p:cSld>
-    <p:spTree>
-      <p:nvGrpSpPr>
-        <p:cNvPr id="1" name=""/>
-        <p:cNvGrpSpPr/>
-        <p:nvPr/>
-      </p:nvGrpSpPr>
-      <p:grpSpPr>
-        <a:xfrm>
-          <a:off x="0" y="0"/>
-          <a:ext cx="0" cy="0"/>
-          <a:chOff x="0" y="0"/>
-          <a:chExt cx="0" cy="0"/>
-        </a:xfrm>
-      </p:grpSpPr>
-      <p:sp>
-        <p:nvSpPr>
-          <p:cNvPr id="5" name="Title 4">
-            <a:extLst>
-              <a:ext uri="{FF2B5EF4-FFF2-40B4-BE49-F238E27FC236}">
-                <a16:creationId xmlns:a16="http://schemas.microsoft.com/office/drawing/2014/main" id="{6D2F4C59-1A85-2241-BA63-597393865818}"/>
-              </a:ext>
-            </a:extLst>
-          </p:cNvPr>
-          <p:cNvSpPr>
-            <a:spLocks noGrp="1"/>
-          </p:cNvSpPr>
-          <p:nvPr>
-            <p:ph type="title"/>
-          </p:nvPr>
-        </p:nvSpPr>
-        <p:spPr/>
-        <p:txBody>
-          <a:bodyPr/>
-          <a:lstStyle/>
-          <a:p>
-            <a:r>
-              <a:rPr lang="en-US" b="1" dirty="0"/>
-              <a:t>Style</a:t>
-            </a:r>
-            <a:r>
-              <a:rPr lang="en-US" dirty="0"/>
-              <a:t>: Peer-to-peer</a:t>
-            </a:r>
-          </a:p>
-        </p:txBody>
-      </p:sp>
-      <p:graphicFrame>
-        <p:nvGraphicFramePr>
-          <p:cNvPr id="7" name="Content Placeholder 6">
-            <a:extLst>
-              <a:ext uri="{FF2B5EF4-FFF2-40B4-BE49-F238E27FC236}">
-                <a16:creationId xmlns:a16="http://schemas.microsoft.com/office/drawing/2014/main" id="{40A46DD3-E595-E649-960B-8B9F1334CA29}"/>
-              </a:ext>
-            </a:extLst>
-          </p:cNvPr>
-          <p:cNvGraphicFramePr>
-            <a:graphicFrameLocks noGrp="1"/>
-          </p:cNvGraphicFramePr>
-          <p:nvPr>
-            <p:ph idx="1"/>
-            <p:extLst>
-              <p:ext uri="{D42A27DB-BD31-4B8C-83A1-F6EECF244321}">
-                <p14:modId xmlns:p14="http://schemas.microsoft.com/office/powerpoint/2010/main" val="2248306322"/>
-              </p:ext>
-            </p:extLst>
-          </p:nvPr>
-        </p:nvGraphicFramePr>
-        <p:xfrm>
-          <a:off x="838200" y="1825625"/>
-          <a:ext cx="10515600" cy="4079240"/>
-        </p:xfrm>
-        <a:graphic>
-          <a:graphicData uri="http://schemas.openxmlformats.org/drawingml/2006/table">
-            <a:tbl>
-              <a:tblPr bandRow="1">
-                <a:tableStyleId>{C083E6E3-FA7D-4D7B-A595-EF9225AFEA82}</a:tableStyleId>
-              </a:tblPr>
-              <a:tblGrid>
-                <a:gridCol w="10515600">
-                  <a:extLst>
-                    <a:ext uri="{9D8B030D-6E8A-4147-A177-3AD203B41FA5}">
-                      <a16:colId xmlns:a16="http://schemas.microsoft.com/office/drawing/2014/main" val="3565431365"/>
-                    </a:ext>
-                  </a:extLst>
-                </a:gridCol>
-              </a:tblGrid>
-              <a:tr h="370840">
-                <a:tc>
-                  <a:txBody>
-                    <a:bodyPr/>
-                    <a:lstStyle/>
-                    <a:p>
-                      <a:r>
-                        <a:rPr lang="en-US" b="1" dirty="0"/>
-                        <a:t>Summary</a:t>
-                      </a:r>
-                      <a:r>
-                        <a:rPr lang="en-US" dirty="0"/>
-                        <a:t>: State and behavior are distributed among peers that act as clients and / or servers</a:t>
-                      </a:r>
-                    </a:p>
-                  </a:txBody>
-                  <a:tcPr/>
-                </a:tc>
-                <a:extLst>
-                  <a:ext uri="{0D108BD9-81ED-4DB2-BD59-A6C34878D82A}">
-                    <a16:rowId xmlns:a16="http://schemas.microsoft.com/office/drawing/2014/main" val="1920818122"/>
-                  </a:ext>
-                </a:extLst>
-              </a:tr>
-              <a:tr h="370840">
-                <a:tc>
-                  <a:txBody>
-                    <a:bodyPr/>
-                    <a:lstStyle/>
-                    <a:p>
-                      <a:r>
-                        <a:rPr lang="en-US" b="1" dirty="0"/>
-                        <a:t>Components</a:t>
-                      </a:r>
-                      <a:r>
-                        <a:rPr lang="en-US" dirty="0"/>
-                        <a:t>: Peers – independent components with own state and control thread</a:t>
-                      </a:r>
-                    </a:p>
-                  </a:txBody>
-                  <a:tcPr/>
-                </a:tc>
-                <a:extLst>
-                  <a:ext uri="{0D108BD9-81ED-4DB2-BD59-A6C34878D82A}">
-                    <a16:rowId xmlns:a16="http://schemas.microsoft.com/office/drawing/2014/main" val="1353163784"/>
-                  </a:ext>
-                </a:extLst>
-              </a:tr>
-              <a:tr h="370840">
-                <a:tc>
-                  <a:txBody>
-                    <a:bodyPr/>
-                    <a:lstStyle/>
-                    <a:p>
-                      <a:r>
-                        <a:rPr lang="en-US" b="1" dirty="0"/>
-                        <a:t>Connectors</a:t>
-                      </a:r>
-                      <a:r>
-                        <a:rPr lang="en-US" dirty="0"/>
-                        <a:t>: Network protocols, often highly custom</a:t>
-                      </a:r>
-                    </a:p>
-                  </a:txBody>
-                  <a:tcPr/>
-                </a:tc>
-                <a:extLst>
-                  <a:ext uri="{0D108BD9-81ED-4DB2-BD59-A6C34878D82A}">
-                    <a16:rowId xmlns:a16="http://schemas.microsoft.com/office/drawing/2014/main" val="1839859950"/>
-                  </a:ext>
-                </a:extLst>
-              </a:tr>
-              <a:tr h="370840">
-                <a:tc>
-                  <a:txBody>
-                    <a:bodyPr/>
-                    <a:lstStyle/>
-                    <a:p>
-                      <a:r>
-                        <a:rPr lang="en-US" b="1" dirty="0"/>
-                        <a:t>Data elements</a:t>
-                      </a:r>
-                      <a:r>
-                        <a:rPr lang="en-US" dirty="0"/>
-                        <a:t>: Network messages</a:t>
-                      </a:r>
-                    </a:p>
-                  </a:txBody>
-                  <a:tcPr/>
-                </a:tc>
-                <a:extLst>
-                  <a:ext uri="{0D108BD9-81ED-4DB2-BD59-A6C34878D82A}">
-                    <a16:rowId xmlns:a16="http://schemas.microsoft.com/office/drawing/2014/main" val="2559742039"/>
-                  </a:ext>
-                </a:extLst>
-              </a:tr>
-              <a:tr h="370840">
-                <a:tc>
-                  <a:txBody>
-                    <a:bodyPr/>
-                    <a:lstStyle/>
-                    <a:p>
-                      <a:r>
-                        <a:rPr lang="en-US" b="1" dirty="0"/>
-                        <a:t>Topology</a:t>
-                      </a:r>
-                      <a:r>
-                        <a:rPr lang="en-US" dirty="0"/>
-                        <a:t>: Network; can vary arbitrarily and dynamically</a:t>
-                      </a:r>
-                    </a:p>
-                  </a:txBody>
-                  <a:tcPr/>
-                </a:tc>
-                <a:extLst>
-                  <a:ext uri="{0D108BD9-81ED-4DB2-BD59-A6C34878D82A}">
-                    <a16:rowId xmlns:a16="http://schemas.microsoft.com/office/drawing/2014/main" val="2071415196"/>
-                  </a:ext>
-                </a:extLst>
-              </a:tr>
-              <a:tr h="370840">
-                <a:tc>
-                  <a:txBody>
-                    <a:bodyPr/>
-                    <a:lstStyle/>
-                    <a:p>
-                      <a:r>
-                        <a:rPr lang="en-US" b="1" dirty="0"/>
-                        <a:t>Additional constraints</a:t>
-                      </a:r>
-                      <a:r>
-                        <a:rPr lang="en-US" dirty="0"/>
-                        <a:t>:</a:t>
-                      </a:r>
-                    </a:p>
-                  </a:txBody>
-                  <a:tcPr/>
-                </a:tc>
-                <a:extLst>
-                  <a:ext uri="{0D108BD9-81ED-4DB2-BD59-A6C34878D82A}">
-                    <a16:rowId xmlns:a16="http://schemas.microsoft.com/office/drawing/2014/main" val="1844578667"/>
-                  </a:ext>
-                </a:extLst>
-              </a:tr>
-              <a:tr h="370840">
-                <a:tc>
-                  <a:txBody>
-                    <a:bodyPr/>
-                    <a:lstStyle/>
-                    <a:p>
-                      <a:r>
-                        <a:rPr lang="en-US" b="1" dirty="0"/>
-                        <a:t>Qualities</a:t>
-                      </a:r>
-                      <a:r>
-                        <a:rPr lang="en-US" dirty="0"/>
-                        <a:t>: Decentralized computation with flow of control and resources distributed among peers</a:t>
-                      </a:r>
-                    </a:p>
-                  </a:txBody>
-                  <a:tcPr/>
-                </a:tc>
-                <a:extLst>
-                  <a:ext uri="{0D108BD9-81ED-4DB2-BD59-A6C34878D82A}">
-                    <a16:rowId xmlns:a16="http://schemas.microsoft.com/office/drawing/2014/main" val="3672103038"/>
-                  </a:ext>
-                </a:extLst>
-              </a:tr>
-              <a:tr h="370840">
-                <a:tc>
-                  <a:txBody>
-                    <a:bodyPr/>
-                    <a:lstStyle/>
-                    <a:p>
-                      <a:endParaRPr lang="en-US" dirty="0"/>
-                    </a:p>
-                  </a:txBody>
-                  <a:tcPr/>
-                </a:tc>
-                <a:extLst>
-                  <a:ext uri="{0D108BD9-81ED-4DB2-BD59-A6C34878D82A}">
-                    <a16:rowId xmlns:a16="http://schemas.microsoft.com/office/drawing/2014/main" val="1459849202"/>
-                  </a:ext>
-                </a:extLst>
-              </a:tr>
-              <a:tr h="370840">
-                <a:tc>
-                  <a:txBody>
-                    <a:bodyPr/>
-                    <a:lstStyle/>
-                    <a:p>
-                      <a:r>
-                        <a:rPr lang="en-US" b="1" dirty="0"/>
-                        <a:t>Typical uses</a:t>
-                      </a:r>
-                      <a:r>
-                        <a:rPr lang="en-US" dirty="0"/>
-                        <a:t>: Where sources of information and operations are distributed, and network is ad hoc.</a:t>
-                      </a:r>
-                    </a:p>
-                  </a:txBody>
-                  <a:tcPr/>
-                </a:tc>
-                <a:extLst>
-                  <a:ext uri="{0D108BD9-81ED-4DB2-BD59-A6C34878D82A}">
-                    <a16:rowId xmlns:a16="http://schemas.microsoft.com/office/drawing/2014/main" val="2052877018"/>
-                  </a:ext>
-                </a:extLst>
-              </a:tr>
-              <a:tr h="370840">
-                <a:tc>
-                  <a:txBody>
-                    <a:bodyPr/>
-                    <a:lstStyle/>
-                    <a:p>
-                      <a:r>
-                        <a:rPr lang="en-US" b="1" dirty="0"/>
-                        <a:t>Cautions</a:t>
-                      </a:r>
-                      <a:r>
-                        <a:rPr lang="en-US" dirty="0"/>
-                        <a:t>: When information retrieval is time-critical and cannot afford latency introduced by protocol</a:t>
-                      </a:r>
-                    </a:p>
-                  </a:txBody>
-                  <a:tcPr/>
-                </a:tc>
-                <a:extLst>
-                  <a:ext uri="{0D108BD9-81ED-4DB2-BD59-A6C34878D82A}">
-                    <a16:rowId xmlns:a16="http://schemas.microsoft.com/office/drawing/2014/main" val="231181336"/>
-                  </a:ext>
-                </a:extLst>
-              </a:tr>
-              <a:tr h="370840">
-                <a:tc>
-                  <a:txBody>
-                    <a:bodyPr/>
-                    <a:lstStyle/>
-                    <a:p>
-                      <a:r>
-                        <a:rPr lang="en-US" b="1" dirty="0"/>
-                        <a:t>Lang. / </a:t>
-                      </a:r>
-                      <a:r>
-                        <a:rPr lang="en-US" b="1" dirty="0" err="1"/>
-                        <a:t>env</a:t>
-                      </a:r>
-                      <a:r>
-                        <a:rPr lang="en-US" b="1" dirty="0"/>
-                        <a:t>. relationships</a:t>
-                      </a:r>
-                      <a:r>
-                        <a:rPr lang="en-US" dirty="0"/>
-                        <a:t>: </a:t>
-                      </a:r>
-                    </a:p>
-                  </a:txBody>
-                  <a:tcPr/>
-                </a:tc>
-                <a:extLst>
-                  <a:ext uri="{0D108BD9-81ED-4DB2-BD59-A6C34878D82A}">
-                    <a16:rowId xmlns:a16="http://schemas.microsoft.com/office/drawing/2014/main" val="857360620"/>
-                  </a:ext>
-                </a:extLst>
-              </a:tr>
-            </a:tbl>
-          </a:graphicData>
-        </a:graphic>
-      </p:graphicFrame>
-    </p:spTree>
-    <p:extLst>
-      <p:ext uri="{BB962C8B-B14F-4D97-AF65-F5344CB8AC3E}">
-        <p14:creationId xmlns:p14="http://schemas.microsoft.com/office/powerpoint/2010/main" val="4112567024"/>
-      </p:ext>
-    </p:extLst>
-  </p:cSld>
-  <p:clrMapOvr>
-    <a:masterClrMapping/>
-  </p:clrMapOvr>
-</p:sld>
-</file>
-
-<file path=ppt/slides/slide37.xml><?xml version="1.0" encoding="utf-8"?>
-<p:sld xmlns:a="http://schemas.openxmlformats.org/drawingml/2006/main" xmlns:r="http://schemas.openxmlformats.org/officeDocument/2006/relationships" xmlns:p="http://schemas.openxmlformats.org/presentationml/2006/main">
-  <p:cSld>
-    <p:spTree>
-      <p:nvGrpSpPr>
-        <p:cNvPr id="1" name=""/>
-        <p:cNvGrpSpPr/>
-        <p:nvPr/>
-      </p:nvGrpSpPr>
-      <p:grpSpPr>
-        <a:xfrm>
-          <a:off x="0" y="0"/>
-          <a:ext cx="0" cy="0"/>
-          <a:chOff x="0" y="0"/>
-          <a:chExt cx="0" cy="0"/>
-        </a:xfrm>
-      </p:grpSpPr>
-      <p:sp>
-        <p:nvSpPr>
-          <p:cNvPr id="5" name="Title 4">
-            <a:extLst>
-              <a:ext uri="{FF2B5EF4-FFF2-40B4-BE49-F238E27FC236}">
-                <a16:creationId xmlns:a16="http://schemas.microsoft.com/office/drawing/2014/main" id="{6D2F4C59-1A85-2241-BA63-597393865818}"/>
-              </a:ext>
-            </a:extLst>
-          </p:cNvPr>
-          <p:cNvSpPr>
-            <a:spLocks noGrp="1"/>
-          </p:cNvSpPr>
-          <p:nvPr>
-            <p:ph type="title"/>
-          </p:nvPr>
-        </p:nvSpPr>
-        <p:spPr/>
-        <p:txBody>
-          <a:bodyPr/>
-          <a:lstStyle/>
-          <a:p>
-            <a:r>
-              <a:rPr lang="en-US" b="1" dirty="0"/>
-              <a:t>Style</a:t>
-            </a:r>
-            <a:r>
-              <a:rPr lang="en-US" dirty="0"/>
-              <a:t>: Big ball of mud</a:t>
-            </a:r>
-          </a:p>
-        </p:txBody>
-      </p:sp>
-      <p:graphicFrame>
-        <p:nvGraphicFramePr>
-          <p:cNvPr id="7" name="Content Placeholder 6">
-            <a:extLst>
-              <a:ext uri="{FF2B5EF4-FFF2-40B4-BE49-F238E27FC236}">
-                <a16:creationId xmlns:a16="http://schemas.microsoft.com/office/drawing/2014/main" id="{40A46DD3-E595-E649-960B-8B9F1334CA29}"/>
-              </a:ext>
-            </a:extLst>
-          </p:cNvPr>
-          <p:cNvGraphicFramePr>
-            <a:graphicFrameLocks noGrp="1"/>
-          </p:cNvGraphicFramePr>
-          <p:nvPr>
-            <p:ph idx="1"/>
-          </p:nvPr>
-        </p:nvGraphicFramePr>
-        <p:xfrm>
-          <a:off x="838200" y="1825625"/>
-          <a:ext cx="10515600" cy="4079240"/>
-        </p:xfrm>
-        <a:graphic>
-          <a:graphicData uri="http://schemas.openxmlformats.org/drawingml/2006/table">
-            <a:tbl>
-              <a:tblPr bandRow="1">
-                <a:tableStyleId>{C083E6E3-FA7D-4D7B-A595-EF9225AFEA82}</a:tableStyleId>
-              </a:tblPr>
-              <a:tblGrid>
-                <a:gridCol w="10515600">
-                  <a:extLst>
-                    <a:ext uri="{9D8B030D-6E8A-4147-A177-3AD203B41FA5}">
-                      <a16:colId xmlns:a16="http://schemas.microsoft.com/office/drawing/2014/main" val="3565431365"/>
-                    </a:ext>
-                  </a:extLst>
-                </a:gridCol>
-              </a:tblGrid>
-              <a:tr h="370840">
-                <a:tc>
-                  <a:txBody>
-                    <a:bodyPr/>
-                    <a:lstStyle/>
-                    <a:p>
-                      <a:r>
-                        <a:rPr lang="en-US" b="1" dirty="0"/>
-                        <a:t>Summary</a:t>
-                      </a:r>
-                      <a:r>
-                        <a:rPr lang="en-US" dirty="0"/>
-                        <a:t>:</a:t>
-                      </a:r>
-                    </a:p>
-                  </a:txBody>
-                  <a:tcPr/>
-                </a:tc>
-                <a:extLst>
-                  <a:ext uri="{0D108BD9-81ED-4DB2-BD59-A6C34878D82A}">
-                    <a16:rowId xmlns:a16="http://schemas.microsoft.com/office/drawing/2014/main" val="1920818122"/>
-                  </a:ext>
-                </a:extLst>
-              </a:tr>
-              <a:tr h="370840">
-                <a:tc>
-                  <a:txBody>
-                    <a:bodyPr/>
-                    <a:lstStyle/>
-                    <a:p>
-                      <a:r>
-                        <a:rPr lang="en-US" b="1" dirty="0"/>
-                        <a:t>Components</a:t>
-                      </a:r>
-                      <a:r>
-                        <a:rPr lang="en-US" dirty="0"/>
-                        <a:t>:</a:t>
-                      </a:r>
-                    </a:p>
-                  </a:txBody>
-                  <a:tcPr/>
-                </a:tc>
-                <a:extLst>
-                  <a:ext uri="{0D108BD9-81ED-4DB2-BD59-A6C34878D82A}">
-                    <a16:rowId xmlns:a16="http://schemas.microsoft.com/office/drawing/2014/main" val="1353163784"/>
-                  </a:ext>
-                </a:extLst>
-              </a:tr>
-              <a:tr h="370840">
-                <a:tc>
-                  <a:txBody>
-                    <a:bodyPr/>
-                    <a:lstStyle/>
-                    <a:p>
-                      <a:r>
-                        <a:rPr lang="en-US" b="1" dirty="0"/>
-                        <a:t>Connectors</a:t>
-                      </a:r>
-                      <a:r>
-                        <a:rPr lang="en-US" dirty="0"/>
-                        <a:t>:</a:t>
-                      </a:r>
-                    </a:p>
-                  </a:txBody>
-                  <a:tcPr/>
-                </a:tc>
-                <a:extLst>
-                  <a:ext uri="{0D108BD9-81ED-4DB2-BD59-A6C34878D82A}">
-                    <a16:rowId xmlns:a16="http://schemas.microsoft.com/office/drawing/2014/main" val="1839859950"/>
-                  </a:ext>
-                </a:extLst>
-              </a:tr>
-              <a:tr h="370840">
-                <a:tc>
-                  <a:txBody>
-                    <a:bodyPr/>
-                    <a:lstStyle/>
-                    <a:p>
-                      <a:r>
-                        <a:rPr lang="en-US" b="1" dirty="0"/>
-                        <a:t>Data elements</a:t>
-                      </a:r>
-                      <a:r>
-                        <a:rPr lang="en-US" dirty="0"/>
-                        <a:t>:</a:t>
-                      </a:r>
-                    </a:p>
-                  </a:txBody>
-                  <a:tcPr/>
-                </a:tc>
-                <a:extLst>
-                  <a:ext uri="{0D108BD9-81ED-4DB2-BD59-A6C34878D82A}">
-                    <a16:rowId xmlns:a16="http://schemas.microsoft.com/office/drawing/2014/main" val="2559742039"/>
-                  </a:ext>
-                </a:extLst>
-              </a:tr>
-              <a:tr h="370840">
-                <a:tc>
-                  <a:txBody>
-                    <a:bodyPr/>
-                    <a:lstStyle/>
-                    <a:p>
-                      <a:r>
-                        <a:rPr lang="en-US" b="1" dirty="0"/>
-                        <a:t>Topology</a:t>
-                      </a:r>
-                      <a:r>
-                        <a:rPr lang="en-US" dirty="0"/>
-                        <a:t>:</a:t>
-                      </a:r>
-                    </a:p>
-                  </a:txBody>
-                  <a:tcPr/>
-                </a:tc>
-                <a:extLst>
-                  <a:ext uri="{0D108BD9-81ED-4DB2-BD59-A6C34878D82A}">
-                    <a16:rowId xmlns:a16="http://schemas.microsoft.com/office/drawing/2014/main" val="2071415196"/>
-                  </a:ext>
-                </a:extLst>
-              </a:tr>
-              <a:tr h="370840">
-                <a:tc>
-                  <a:txBody>
-                    <a:bodyPr/>
-                    <a:lstStyle/>
-                    <a:p>
-                      <a:r>
-                        <a:rPr lang="en-US" b="1" dirty="0"/>
-                        <a:t>Additional constraints</a:t>
-                      </a:r>
-                      <a:r>
-                        <a:rPr lang="en-US" dirty="0"/>
-                        <a:t>:</a:t>
-                      </a:r>
-                    </a:p>
-                  </a:txBody>
-                  <a:tcPr/>
-                </a:tc>
-                <a:extLst>
-                  <a:ext uri="{0D108BD9-81ED-4DB2-BD59-A6C34878D82A}">
-                    <a16:rowId xmlns:a16="http://schemas.microsoft.com/office/drawing/2014/main" val="1844578667"/>
-                  </a:ext>
-                </a:extLst>
-              </a:tr>
-              <a:tr h="370840">
-                <a:tc>
-                  <a:txBody>
-                    <a:bodyPr/>
-                    <a:lstStyle/>
-                    <a:p>
-                      <a:r>
-                        <a:rPr lang="en-US" b="1" dirty="0"/>
-                        <a:t>Qualities</a:t>
-                      </a:r>
-                      <a:r>
-                        <a:rPr lang="en-US" dirty="0"/>
-                        <a:t>:</a:t>
-                      </a:r>
-                    </a:p>
-                  </a:txBody>
-                  <a:tcPr/>
-                </a:tc>
-                <a:extLst>
-                  <a:ext uri="{0D108BD9-81ED-4DB2-BD59-A6C34878D82A}">
-                    <a16:rowId xmlns:a16="http://schemas.microsoft.com/office/drawing/2014/main" val="3672103038"/>
-                  </a:ext>
-                </a:extLst>
-              </a:tr>
-              <a:tr h="370840">
-                <a:tc>
-                  <a:txBody>
-                    <a:bodyPr/>
-                    <a:lstStyle/>
-                    <a:p>
-                      <a:endParaRPr lang="en-US" dirty="0"/>
-                    </a:p>
-                  </a:txBody>
-                  <a:tcPr/>
-                </a:tc>
-                <a:extLst>
-                  <a:ext uri="{0D108BD9-81ED-4DB2-BD59-A6C34878D82A}">
-                    <a16:rowId xmlns:a16="http://schemas.microsoft.com/office/drawing/2014/main" val="1459849202"/>
-                  </a:ext>
-                </a:extLst>
-              </a:tr>
-              <a:tr h="370840">
-                <a:tc>
-                  <a:txBody>
-                    <a:bodyPr/>
-                    <a:lstStyle/>
-                    <a:p>
-                      <a:r>
-                        <a:rPr lang="en-US" b="1" dirty="0"/>
-                        <a:t>Typical uses</a:t>
-                      </a:r>
-                      <a:r>
-                        <a:rPr lang="en-US" dirty="0"/>
-                        <a:t>:</a:t>
-                      </a:r>
-                    </a:p>
-                  </a:txBody>
-                  <a:tcPr/>
-                </a:tc>
-                <a:extLst>
-                  <a:ext uri="{0D108BD9-81ED-4DB2-BD59-A6C34878D82A}">
-                    <a16:rowId xmlns:a16="http://schemas.microsoft.com/office/drawing/2014/main" val="2052877018"/>
-                  </a:ext>
-                </a:extLst>
-              </a:tr>
-              <a:tr h="370840">
-                <a:tc>
-                  <a:txBody>
-                    <a:bodyPr/>
-                    <a:lstStyle/>
-                    <a:p>
-                      <a:r>
-                        <a:rPr lang="en-US" b="1" dirty="0"/>
-                        <a:t>Cautions</a:t>
-                      </a:r>
-                      <a:r>
-                        <a:rPr lang="en-US" dirty="0"/>
-                        <a:t>:</a:t>
-                      </a:r>
-                    </a:p>
-                  </a:txBody>
-                  <a:tcPr/>
-                </a:tc>
-                <a:extLst>
-                  <a:ext uri="{0D108BD9-81ED-4DB2-BD59-A6C34878D82A}">
-                    <a16:rowId xmlns:a16="http://schemas.microsoft.com/office/drawing/2014/main" val="231181336"/>
-                  </a:ext>
-                </a:extLst>
-              </a:tr>
-              <a:tr h="370840">
-                <a:tc>
-                  <a:txBody>
-                    <a:bodyPr/>
-                    <a:lstStyle/>
-                    <a:p>
-                      <a:r>
-                        <a:rPr lang="en-US" b="1" dirty="0"/>
-                        <a:t>Lang. / </a:t>
-                      </a:r>
-                      <a:r>
-                        <a:rPr lang="en-US" b="1" dirty="0" err="1"/>
-                        <a:t>env</a:t>
-                      </a:r>
-                      <a:r>
-                        <a:rPr lang="en-US" b="1" dirty="0"/>
-                        <a:t>. relationships</a:t>
-                      </a:r>
-                      <a:r>
-                        <a:rPr lang="en-US" dirty="0"/>
-                        <a:t>:</a:t>
-                      </a:r>
-                    </a:p>
-                  </a:txBody>
-                  <a:tcPr/>
-                </a:tc>
-                <a:extLst>
-                  <a:ext uri="{0D108BD9-81ED-4DB2-BD59-A6C34878D82A}">
-                    <a16:rowId xmlns:a16="http://schemas.microsoft.com/office/drawing/2014/main" val="857360620"/>
-                  </a:ext>
-                </a:extLst>
-              </a:tr>
-            </a:tbl>
-          </a:graphicData>
-        </a:graphic>
-      </p:graphicFrame>
-      <p:sp>
-        <p:nvSpPr>
-          <p:cNvPr id="2" name="TextBox 1">
-            <a:extLst>
-              <a:ext uri="{FF2B5EF4-FFF2-40B4-BE49-F238E27FC236}">
-                <a16:creationId xmlns:a16="http://schemas.microsoft.com/office/drawing/2014/main" id="{20C2F7CE-73A9-1D4D-A9C6-8D5EC35F8F70}"/>
-              </a:ext>
-            </a:extLst>
-          </p:cNvPr>
-          <p:cNvSpPr txBox="1"/>
-          <p:nvPr/>
-        </p:nvSpPr>
-        <p:spPr>
-          <a:xfrm rot="21320337">
-            <a:off x="838200" y="2057400"/>
-            <a:ext cx="10515600" cy="3416320"/>
-          </a:xfrm>
-          <a:prstGeom prst="rect">
-            <a:avLst/>
-          </a:prstGeom>
-          <a:ln/>
-          <a:effectLst>
-            <a:outerShdw blurRad="50800" dist="38100" dir="2700000" algn="tl" rotWithShape="0">
-              <a:prstClr val="black">
-                <a:alpha val="40000"/>
-              </a:prstClr>
-            </a:outerShdw>
-          </a:effectLst>
-        </p:spPr>
-        <p:style>
-          <a:lnRef idx="2">
-            <a:schemeClr val="accent5"/>
-          </a:lnRef>
-          <a:fillRef idx="1">
-            <a:schemeClr val="lt1"/>
-          </a:fillRef>
-          <a:effectRef idx="0">
-            <a:schemeClr val="accent5"/>
-          </a:effectRef>
-          <a:fontRef idx="minor">
-            <a:schemeClr val="dk1"/>
-          </a:fontRef>
-        </p:style>
-        <p:txBody>
-          <a:bodyPr wrap="square" rtlCol="0">
-            <a:spAutoFit/>
-          </a:bodyPr>
-          <a:lstStyle/>
-          <a:p>
-            <a:pPr algn="ctr"/>
-            <a:r>
-              <a:rPr lang="en-US" sz="2400" dirty="0">
-                <a:solidFill>
-                  <a:schemeClr val="accent1">
-                    <a:lumMod val="75000"/>
-                  </a:schemeClr>
-                </a:solidFill>
-              </a:rPr>
-              <a:t>The Big Ball of Mud architectural style has been described by Brian Foote and Joseph Yoder as the most common architectural style of all. The style imposes no constraints, other than "get the job done." It offers the benefits of "We didn't have to think too much", and "It'll work for now. I hope." Software in the </a:t>
-            </a:r>
-            <a:r>
-              <a:rPr lang="en-US" sz="2400" dirty="0" err="1">
-                <a:solidFill>
-                  <a:schemeClr val="accent1">
-                    <a:lumMod val="75000"/>
-                  </a:schemeClr>
-                </a:solidFill>
-              </a:rPr>
-              <a:t>BBoM</a:t>
-            </a:r>
-            <a:r>
-              <a:rPr lang="en-US" sz="2400" dirty="0">
-                <a:solidFill>
-                  <a:schemeClr val="accent1">
-                    <a:lumMod val="75000"/>
-                  </a:schemeClr>
-                </a:solidFill>
-              </a:rPr>
-              <a:t> style is haphazard and thrown together. Such systems often grow by accretion: New bits of code are stuck onto preexisting code to meet new demands, without discipline, plan, or care. The </a:t>
-            </a:r>
-            <a:r>
-              <a:rPr lang="en-US" sz="2400" dirty="0" err="1">
-                <a:solidFill>
-                  <a:schemeClr val="accent1">
-                    <a:lumMod val="75000"/>
-                  </a:schemeClr>
-                </a:solidFill>
-              </a:rPr>
-              <a:t>BBoM</a:t>
-            </a:r>
-            <a:r>
-              <a:rPr lang="en-US" sz="2400" dirty="0">
-                <a:solidFill>
-                  <a:schemeClr val="accent1">
-                    <a:lumMod val="75000"/>
-                  </a:schemeClr>
-                </a:solidFill>
-              </a:rPr>
-              <a:t> style is an important style for designers to keep in mind for one simple but critical reason: "If you can't articulate why your application is </a:t>
-            </a:r>
-            <a:r>
-              <a:rPr lang="en-US" sz="2400" i="1" dirty="0">
-                <a:solidFill>
-                  <a:schemeClr val="accent1">
-                    <a:lumMod val="75000"/>
-                  </a:schemeClr>
-                </a:solidFill>
-              </a:rPr>
-              <a:t>not</a:t>
-            </a:r>
-            <a:r>
-              <a:rPr lang="en-US" sz="2400" dirty="0">
-                <a:solidFill>
-                  <a:schemeClr val="accent1">
-                    <a:lumMod val="75000"/>
-                  </a:schemeClr>
-                </a:solidFill>
-              </a:rPr>
-              <a:t> a big ball of mud, then it is."</a:t>
-            </a:r>
-          </a:p>
-        </p:txBody>
-      </p:sp>
-    </p:spTree>
-    <p:extLst>
-      <p:ext uri="{BB962C8B-B14F-4D97-AF65-F5344CB8AC3E}">
-        <p14:creationId xmlns:p14="http://schemas.microsoft.com/office/powerpoint/2010/main" val="3464497822"/>
-      </p:ext>
-    </p:extLst>
-  </p:cSld>
-  <p:clrMapOvr>
-    <a:masterClrMapping/>
-  </p:clrMapOvr>
-  <p:timing>
-    <p:tnLst>
-      <p:par>
-        <p:cTn id="1" dur="indefinite" restart="never" nodeType="tmRoot">
-          <p:childTnLst>
-            <p:seq concurrent="1" nextAc="seek">
-              <p:cTn id="2" dur="indefinite" nodeType="mainSeq">
-                <p:childTnLst>
-                  <p:par>
-                    <p:cTn id="3" fill="hold">
-                      <p:stCondLst>
-                        <p:cond delay="indefinite"/>
-                      </p:stCondLst>
-                      <p:childTnLst>
-                        <p:par>
-                          <p:cTn id="4" fill="hold">
-                            <p:stCondLst>
-                              <p:cond delay="0"/>
-                            </p:stCondLst>
-                            <p:childTnLst>
-                              <p:par>
-                                <p:cTn id="5" presetID="1" presetClass="entr" presetSubtype="0" fill="hold" grpId="0" nodeType="clickEffect">
-                                  <p:stCondLst>
-                                    <p:cond delay="0"/>
-                                  </p:stCondLst>
-                                  <p:childTnLst>
-                                    <p:set>
-                                      <p:cBhvr>
-                                        <p:cTn id="6" dur="1" fill="hold">
-                                          <p:stCondLst>
-                                            <p:cond delay="0"/>
-                                          </p:stCondLst>
-                                        </p:cTn>
-                                        <p:tgtEl>
-                                          <p:spTgt spid="2"/>
-                                        </p:tgtEl>
-                                        <p:attrNameLst>
-                                          <p:attrName>style.visibility</p:attrName>
-                                        </p:attrNameLst>
-                                      </p:cBhvr>
-                                      <p:to>
-                                        <p:strVal val="visible"/>
-                                      </p:to>
-                                    </p:set>
-                                  </p:childTnLst>
-                                </p:cTn>
-                              </p:par>
-                            </p:childTnLst>
-                          </p:cTn>
-                        </p:par>
-                      </p:childTnLst>
-                    </p:cTn>
-                  </p:par>
-                </p:childTnLst>
-              </p:cTn>
-              <p:prevCondLst>
-                <p:cond evt="onPrev" delay="0">
-                  <p:tgtEl>
-                    <p:sldTgt/>
-                  </p:tgtEl>
-                </p:cond>
-              </p:prevCondLst>
-              <p:nextCondLst>
-                <p:cond evt="onNext" delay="0">
-                  <p:tgtEl>
-                    <p:sldTgt/>
-                  </p:tgtEl>
-                </p:cond>
-              </p:nextCondLst>
-            </p:seq>
-          </p:childTnLst>
-        </p:cTn>
-      </p:par>
-    </p:tnLst>
-    <p:bldLst>
-      <p:bldP spid="2" grpId="0" animBg="1"/>
-    </p:bldLst>
-  </p:timing>
-</p:sld>
-</file>
-
-<file path=ppt/slides/slide38.xml><?xml version="1.0" encoding="utf-8"?>
-<p:sld xmlns:a="http://schemas.openxmlformats.org/drawingml/2006/main" xmlns:r="http://schemas.openxmlformats.org/officeDocument/2006/relationships" xmlns:p="http://schemas.openxmlformats.org/presentationml/2006/main">
-  <p:cSld>
-    <p:spTree>
-      <p:nvGrpSpPr>
-        <p:cNvPr id="1" name=""/>
-        <p:cNvGrpSpPr/>
-        <p:nvPr/>
-      </p:nvGrpSpPr>
-      <p:grpSpPr>
-        <a:xfrm>
-          <a:off x="0" y="0"/>
-          <a:ext cx="0" cy="0"/>
-          <a:chOff x="0" y="0"/>
-          <a:chExt cx="0" cy="0"/>
-        </a:xfrm>
-      </p:grpSpPr>
-      <p:sp>
-        <p:nvSpPr>
-          <p:cNvPr id="5" name="Title 4"/>
-          <p:cNvSpPr>
-            <a:spLocks noGrp="1"/>
-          </p:cNvSpPr>
-          <p:nvPr>
-            <p:ph type="title"/>
-          </p:nvPr>
-        </p:nvSpPr>
-        <p:spPr/>
-        <p:txBody>
-          <a:bodyPr/>
-          <a:lstStyle/>
-          <a:p>
-            <a:r>
-              <a:rPr lang="en-US" dirty="0"/>
-              <a:t>Unprecedented design</a:t>
-            </a:r>
-          </a:p>
-        </p:txBody>
-      </p:sp>
-      <p:sp>
-        <p:nvSpPr>
-          <p:cNvPr id="6" name="Content Placeholder 5"/>
-          <p:cNvSpPr>
-            <a:spLocks noGrp="1"/>
-          </p:cNvSpPr>
-          <p:nvPr>
-            <p:ph idx="1"/>
-          </p:nvPr>
-        </p:nvSpPr>
-        <p:spPr/>
-        <p:txBody>
-          <a:bodyPr>
-            <a:normAutofit/>
-          </a:bodyPr>
-          <a:lstStyle/>
-          <a:p>
-            <a:pPr marL="0" indent="0">
-              <a:buNone/>
-            </a:pPr>
-            <a:r>
-              <a:rPr lang="en-US" dirty="0"/>
-              <a:t>Basic strategy</a:t>
-            </a:r>
-          </a:p>
-          <a:p>
-            <a:pPr marL="457200" lvl="1" indent="0">
-              <a:buNone/>
-            </a:pPr>
-            <a:r>
-              <a:rPr lang="en-US" dirty="0">
-                <a:solidFill>
-                  <a:schemeClr val="bg1">
-                    <a:lumMod val="50000"/>
-                  </a:schemeClr>
-                </a:solidFill>
-              </a:rPr>
-              <a:t>Diverge</a:t>
-            </a:r>
-          </a:p>
-          <a:p>
-            <a:pPr marL="457200" lvl="1" indent="0">
-              <a:buNone/>
-            </a:pPr>
-            <a:r>
-              <a:rPr lang="en-US" dirty="0">
-                <a:solidFill>
-                  <a:schemeClr val="bg1">
-                    <a:lumMod val="50000"/>
-                  </a:schemeClr>
-                </a:solidFill>
-              </a:rPr>
-              <a:t>Transform</a:t>
-            </a:r>
-          </a:p>
-          <a:p>
-            <a:pPr marL="457200" lvl="1" indent="0">
-              <a:buNone/>
-            </a:pPr>
-            <a:r>
-              <a:rPr lang="en-US" dirty="0">
-                <a:solidFill>
-                  <a:schemeClr val="bg1">
-                    <a:lumMod val="50000"/>
-                  </a:schemeClr>
-                </a:solidFill>
-              </a:rPr>
-              <a:t>Converge</a:t>
-            </a:r>
-          </a:p>
-          <a:p>
-            <a:pPr marL="0" indent="0">
-              <a:buNone/>
-            </a:pPr>
-            <a:r>
-              <a:rPr lang="en-US" dirty="0"/>
-              <a:t>Detailed strategies</a:t>
-            </a:r>
-          </a:p>
-          <a:p>
-            <a:pPr marL="457200" lvl="1" indent="0">
-              <a:buNone/>
-            </a:pPr>
-            <a:r>
-              <a:rPr lang="en-US" dirty="0">
-                <a:solidFill>
-                  <a:schemeClr val="bg1">
-                    <a:lumMod val="50000"/>
-                  </a:schemeClr>
-                </a:solidFill>
-              </a:rPr>
-              <a:t>Analogy searching</a:t>
-            </a:r>
-          </a:p>
-          <a:p>
-            <a:pPr marL="457200" lvl="1" indent="0">
-              <a:buNone/>
-            </a:pPr>
-            <a:r>
-              <a:rPr lang="en-US" dirty="0">
-                <a:solidFill>
-                  <a:schemeClr val="bg1">
-                    <a:lumMod val="50000"/>
-                  </a:schemeClr>
-                </a:solidFill>
-              </a:rPr>
-              <a:t>Brainstorming</a:t>
-            </a:r>
-          </a:p>
-          <a:p>
-            <a:pPr marL="457200" lvl="1" indent="0">
-              <a:buNone/>
-            </a:pPr>
-            <a:r>
-              <a:rPr lang="en-US" dirty="0">
-                <a:solidFill>
-                  <a:schemeClr val="bg1">
-                    <a:lumMod val="50000"/>
-                  </a:schemeClr>
-                </a:solidFill>
-              </a:rPr>
-              <a:t>Literature searching</a:t>
-            </a:r>
-          </a:p>
-          <a:p>
-            <a:pPr marL="457200" lvl="1" indent="0">
-              <a:buNone/>
-            </a:pPr>
-            <a:r>
-              <a:rPr lang="en-US" dirty="0">
-                <a:solidFill>
-                  <a:schemeClr val="bg1">
-                    <a:lumMod val="50000"/>
-                  </a:schemeClr>
-                </a:solidFill>
-              </a:rPr>
-              <a:t>Morphological charts</a:t>
-            </a:r>
-          </a:p>
-          <a:p>
-            <a:pPr marL="457200" lvl="1" indent="0">
-              <a:buNone/>
-            </a:pPr>
-            <a:r>
-              <a:rPr lang="en-US" dirty="0">
-                <a:solidFill>
-                  <a:schemeClr val="bg1">
-                    <a:lumMod val="50000"/>
-                  </a:schemeClr>
-                </a:solidFill>
-              </a:rPr>
-              <a:t>Removing mental blocks</a:t>
-            </a:r>
-          </a:p>
-        </p:txBody>
-      </p:sp>
-    </p:spTree>
-    <p:extLst>
-      <p:ext uri="{BB962C8B-B14F-4D97-AF65-F5344CB8AC3E}">
-        <p14:creationId xmlns:p14="http://schemas.microsoft.com/office/powerpoint/2010/main" val="1376343058"/>
       </p:ext>
     </p:extLst>
   </p:cSld>
